--- a/Bolt_Qt.pptx
+++ b/Bolt_Qt.pptx
@@ -12,11 +12,18 @@
     <p:sldId id="264" r:id="rId6"/>
     <p:sldId id="261" r:id="rId7"/>
     <p:sldId id="262" r:id="rId8"/>
-    <p:sldId id="269" r:id="rId9"/>
+    <p:sldId id="277" r:id="rId9"/>
     <p:sldId id="265" r:id="rId10"/>
     <p:sldId id="266" r:id="rId11"/>
-    <p:sldId id="267" r:id="rId12"/>
-    <p:sldId id="268" r:id="rId13"/>
+    <p:sldId id="270" r:id="rId12"/>
+    <p:sldId id="271" r:id="rId13"/>
+    <p:sldId id="272" r:id="rId14"/>
+    <p:sldId id="273" r:id="rId15"/>
+    <p:sldId id="267" r:id="rId16"/>
+    <p:sldId id="274" r:id="rId17"/>
+    <p:sldId id="276" r:id="rId18"/>
+    <p:sldId id="275" r:id="rId19"/>
+    <p:sldId id="268" r:id="rId20"/>
   </p:sldIdLst>
   <p:sldSz cx="12192000" cy="6858000"/>
   <p:notesSz cx="6858000" cy="9144000"/>
@@ -254,7 +261,7 @@
           <a:p>
             <a:fld id="{A7D64F21-FD30-4377-B58F-2E6D6F17C634}" type="datetimeFigureOut">
               <a:rPr lang="zh-CN" altLang="en-US" smtClean="0"/>
-              <a:t>2013/8/27</a:t>
+              <a:t>2013/9/10</a:t>
             </a:fld>
             <a:endParaRPr lang="zh-CN" altLang="en-US"/>
           </a:p>
@@ -424,7 +431,7 @@
           <a:p>
             <a:fld id="{A7D64F21-FD30-4377-B58F-2E6D6F17C634}" type="datetimeFigureOut">
               <a:rPr lang="zh-CN" altLang="en-US" smtClean="0"/>
-              <a:t>2013/8/27</a:t>
+              <a:t>2013/9/10</a:t>
             </a:fld>
             <a:endParaRPr lang="zh-CN" altLang="en-US"/>
           </a:p>
@@ -604,7 +611,7 @@
           <a:p>
             <a:fld id="{A7D64F21-FD30-4377-B58F-2E6D6F17C634}" type="datetimeFigureOut">
               <a:rPr lang="zh-CN" altLang="en-US" smtClean="0"/>
-              <a:t>2013/8/27</a:t>
+              <a:t>2013/9/10</a:t>
             </a:fld>
             <a:endParaRPr lang="zh-CN" altLang="en-US"/>
           </a:p>
@@ -774,7 +781,7 @@
           <a:p>
             <a:fld id="{A7D64F21-FD30-4377-B58F-2E6D6F17C634}" type="datetimeFigureOut">
               <a:rPr lang="zh-CN" altLang="en-US" smtClean="0"/>
-              <a:t>2013/8/27</a:t>
+              <a:t>2013/9/10</a:t>
             </a:fld>
             <a:endParaRPr lang="zh-CN" altLang="en-US"/>
           </a:p>
@@ -1020,7 +1027,7 @@
           <a:p>
             <a:fld id="{A7D64F21-FD30-4377-B58F-2E6D6F17C634}" type="datetimeFigureOut">
               <a:rPr lang="zh-CN" altLang="en-US" smtClean="0"/>
-              <a:t>2013/8/27</a:t>
+              <a:t>2013/9/10</a:t>
             </a:fld>
             <a:endParaRPr lang="zh-CN" altLang="en-US"/>
           </a:p>
@@ -1252,7 +1259,7 @@
           <a:p>
             <a:fld id="{A7D64F21-FD30-4377-B58F-2E6D6F17C634}" type="datetimeFigureOut">
               <a:rPr lang="zh-CN" altLang="en-US" smtClean="0"/>
-              <a:t>2013/8/27</a:t>
+              <a:t>2013/9/10</a:t>
             </a:fld>
             <a:endParaRPr lang="zh-CN" altLang="en-US"/>
           </a:p>
@@ -1619,7 +1626,7 @@
           <a:p>
             <a:fld id="{A7D64F21-FD30-4377-B58F-2E6D6F17C634}" type="datetimeFigureOut">
               <a:rPr lang="zh-CN" altLang="en-US" smtClean="0"/>
-              <a:t>2013/8/27</a:t>
+              <a:t>2013/9/10</a:t>
             </a:fld>
             <a:endParaRPr lang="zh-CN" altLang="en-US"/>
           </a:p>
@@ -1737,7 +1744,7 @@
           <a:p>
             <a:fld id="{A7D64F21-FD30-4377-B58F-2E6D6F17C634}" type="datetimeFigureOut">
               <a:rPr lang="zh-CN" altLang="en-US" smtClean="0"/>
-              <a:t>2013/8/27</a:t>
+              <a:t>2013/9/10</a:t>
             </a:fld>
             <a:endParaRPr lang="zh-CN" altLang="en-US"/>
           </a:p>
@@ -1832,7 +1839,7 @@
           <a:p>
             <a:fld id="{A7D64F21-FD30-4377-B58F-2E6D6F17C634}" type="datetimeFigureOut">
               <a:rPr lang="zh-CN" altLang="en-US" smtClean="0"/>
-              <a:t>2013/8/27</a:t>
+              <a:t>2013/9/10</a:t>
             </a:fld>
             <a:endParaRPr lang="zh-CN" altLang="en-US"/>
           </a:p>
@@ -2109,7 +2116,7 @@
           <a:p>
             <a:fld id="{A7D64F21-FD30-4377-B58F-2E6D6F17C634}" type="datetimeFigureOut">
               <a:rPr lang="zh-CN" altLang="en-US" smtClean="0"/>
-              <a:t>2013/8/27</a:t>
+              <a:t>2013/9/10</a:t>
             </a:fld>
             <a:endParaRPr lang="zh-CN" altLang="en-US"/>
           </a:p>
@@ -2362,7 +2369,7 @@
           <a:p>
             <a:fld id="{A7D64F21-FD30-4377-B58F-2E6D6F17C634}" type="datetimeFigureOut">
               <a:rPr lang="zh-CN" altLang="en-US" smtClean="0"/>
-              <a:t>2013/8/27</a:t>
+              <a:t>2013/9/10</a:t>
             </a:fld>
             <a:endParaRPr lang="zh-CN" altLang="en-US"/>
           </a:p>
@@ -2584,7 +2591,7 @@
           <a:p>
             <a:fld id="{A7D64F21-FD30-4377-B58F-2E6D6F17C634}" type="datetimeFigureOut">
               <a:rPr lang="zh-CN" altLang="en-US" smtClean="0"/>
-              <a:t>2013/8/27</a:t>
+              <a:t>2013/9/10</a:t>
             </a:fld>
             <a:endParaRPr lang="zh-CN" altLang="en-US"/>
           </a:p>
@@ -3108,7 +3115,67 @@
           <a:p>
             <a:r>
               <a:rPr lang="zh-CN" altLang="en-US" dirty="0" smtClean="0"/>
-              <a:t>结构设计</a:t>
+              <a:t>定制可复用控件 </a:t>
+            </a:r>
+            <a:r>
+              <a:rPr lang="en-US" altLang="zh-CN" dirty="0" smtClean="0"/>
+              <a:t>– </a:t>
+            </a:r>
+            <a:r>
+              <a:rPr lang="zh-CN" altLang="en-US" dirty="0" smtClean="0"/>
+              <a:t>最小控件</a:t>
+            </a:r>
+            <a:endParaRPr lang="zh-CN" altLang="en-US" dirty="0"/>
+          </a:p>
+        </p:txBody>
+      </p:sp>
+      <p:sp>
+        <p:nvSpPr>
+          <p:cNvPr id="3" name="文本占位符 2"/>
+          <p:cNvSpPr>
+            <a:spLocks noGrp="1"/>
+          </p:cNvSpPr>
+          <p:nvPr>
+            <p:ph type="body" idx="1"/>
+          </p:nvPr>
+        </p:nvSpPr>
+        <p:spPr/>
+        <p:txBody>
+          <a:bodyPr/>
+          <a:lstStyle/>
+          <a:p>
+            <a:r>
+              <a:rPr lang="en-US" altLang="zh-CN" dirty="0" smtClean="0"/>
+              <a:t>Bolt</a:t>
+            </a:r>
+            <a:endParaRPr lang="zh-CN" altLang="en-US" dirty="0"/>
+          </a:p>
+        </p:txBody>
+      </p:sp>
+      <p:sp>
+        <p:nvSpPr>
+          <p:cNvPr id="4" name="内容占位符 3"/>
+          <p:cNvSpPr>
+            <a:spLocks noGrp="1"/>
+          </p:cNvSpPr>
+          <p:nvPr>
+            <p:ph sz="half" idx="2"/>
+          </p:nvPr>
+        </p:nvSpPr>
+        <p:spPr/>
+        <p:txBody>
+          <a:bodyPr/>
+          <a:lstStyle/>
+          <a:p>
+            <a:r>
+              <a:rPr lang="en-US" altLang="zh-CN" dirty="0" smtClean="0"/>
+              <a:t>Control, Template</a:t>
+            </a:r>
+          </a:p>
+          <a:p>
+            <a:r>
+              <a:rPr lang="zh-CN" altLang="en-US" dirty="0" smtClean="0"/>
+              <a:t>模板的展开</a:t>
             </a:r>
             <a:r>
               <a:rPr lang="en-US" altLang="zh-CN" dirty="0" smtClean="0"/>
@@ -3116,30 +3183,96 @@
             </a:r>
             <a:r>
               <a:rPr lang="zh-CN" altLang="en-US" dirty="0" smtClean="0"/>
-              <a:t>继承关系</a:t>
-            </a:r>
+              <a:t>合并</a:t>
+            </a:r>
+            <a:endParaRPr lang="en-US" altLang="zh-CN" dirty="0" smtClean="0"/>
+          </a:p>
+          <a:p>
+            <a:r>
+              <a:rPr lang="zh-CN" altLang="en-US" dirty="0" smtClean="0"/>
+              <a:t>模板可以很小</a:t>
+            </a:r>
+            <a:r>
+              <a:rPr lang="en-US" altLang="zh-CN" dirty="0" smtClean="0"/>
+              <a:t>, </a:t>
+            </a:r>
+            <a:r>
+              <a:rPr lang="zh-CN" altLang="en-US" dirty="0" smtClean="0"/>
+              <a:t>只定制一小部分特性</a:t>
+            </a:r>
+            <a:r>
+              <a:rPr lang="en-US" altLang="zh-CN" dirty="0" smtClean="0"/>
+              <a:t>, </a:t>
+            </a:r>
+            <a:r>
+              <a:rPr lang="zh-CN" altLang="en-US" dirty="0" smtClean="0"/>
+              <a:t>或者一两个子对象</a:t>
+            </a:r>
+            <a:r>
+              <a:rPr lang="en-US" altLang="zh-CN" dirty="0" smtClean="0"/>
+              <a:t>, </a:t>
+            </a:r>
+            <a:r>
+              <a:rPr lang="zh-CN" altLang="en-US" dirty="0" smtClean="0"/>
+              <a:t>使用者引用模板</a:t>
+            </a:r>
+            <a:r>
+              <a:rPr lang="en-US" altLang="zh-CN" dirty="0" smtClean="0"/>
+              <a:t>Id</a:t>
+            </a:r>
+          </a:p>
+          <a:p>
+            <a:r>
+              <a:rPr lang="zh-CN" altLang="en-US" dirty="0" smtClean="0"/>
+              <a:t>贴图</a:t>
+            </a:r>
+            <a:r>
+              <a:rPr lang="en-US" altLang="zh-CN" dirty="0" smtClean="0"/>
+              <a:t>+</a:t>
+            </a:r>
+            <a:r>
+              <a:rPr lang="zh-CN" altLang="en-US" dirty="0"/>
+              <a:t>元对象</a:t>
+            </a:r>
+            <a:r>
+              <a:rPr lang="en-US" altLang="zh-CN" dirty="0" smtClean="0"/>
+              <a:t>+</a:t>
+            </a:r>
+            <a:r>
+              <a:rPr lang="en-US" altLang="zh-CN" dirty="0" err="1" smtClean="0"/>
+              <a:t>eventlist</a:t>
+            </a:r>
+            <a:endParaRPr lang="en-US" altLang="zh-CN" dirty="0" smtClean="0"/>
+          </a:p>
+          <a:p>
+            <a:pPr marL="0" indent="0">
+              <a:buNone/>
+            </a:pPr>
+            <a:endParaRPr lang="en-US" altLang="zh-CN" dirty="0"/>
+          </a:p>
+          <a:p>
             <a:endParaRPr lang="zh-CN" altLang="en-US" dirty="0"/>
           </a:p>
         </p:txBody>
       </p:sp>
       <p:sp>
         <p:nvSpPr>
-          <p:cNvPr id="3" name="文本占位符 2"/>
-          <p:cNvSpPr>
-            <a:spLocks noGrp="1"/>
-          </p:cNvSpPr>
-          <p:nvPr>
-            <p:ph type="body" idx="1"/>
-          </p:nvPr>
-        </p:nvSpPr>
-        <p:spPr/>
-        <p:txBody>
-          <a:bodyPr/>
-          <a:lstStyle/>
-          <a:p>
-            <a:r>
-              <a:rPr lang="en-US" altLang="zh-CN" dirty="0" smtClean="0"/>
-              <a:t>Bolt</a:t>
+          <p:cNvPr id="5" name="文本占位符 4"/>
+          <p:cNvSpPr>
+            <a:spLocks noGrp="1"/>
+          </p:cNvSpPr>
+          <p:nvPr>
+            <p:ph type="body" sz="quarter" idx="3"/>
+          </p:nvPr>
+        </p:nvSpPr>
+        <p:spPr/>
+        <p:txBody>
+          <a:bodyPr/>
+          <a:lstStyle/>
+          <a:p>
+            <a:r>
+              <a:rPr lang="en-US" altLang="zh-CN" dirty="0" err="1" smtClean="0"/>
+              <a:t>Qt</a:t>
             </a:r>
             <a:endParaRPr lang="zh-CN" altLang="en-US" dirty="0"/>
           </a:p>
@@ -3147,56 +3280,6 @@
       </p:sp>
       <p:sp>
         <p:nvSpPr>
-          <p:cNvPr id="4" name="内容占位符 3"/>
-          <p:cNvSpPr>
-            <a:spLocks noGrp="1"/>
-          </p:cNvSpPr>
-          <p:nvPr>
-            <p:ph sz="half" idx="2"/>
-          </p:nvPr>
-        </p:nvSpPr>
-        <p:spPr/>
-        <p:txBody>
-          <a:bodyPr/>
-          <a:lstStyle/>
-          <a:p>
-            <a:r>
-              <a:rPr lang="zh-CN" altLang="en-US" dirty="0" smtClean="0"/>
-              <a:t>复用</a:t>
-            </a:r>
-            <a:r>
-              <a:rPr lang="en-US" altLang="zh-CN" dirty="0" smtClean="0"/>
-              <a:t>Control, Template</a:t>
-            </a:r>
-            <a:endParaRPr lang="zh-CN" altLang="en-US" dirty="0"/>
-          </a:p>
-        </p:txBody>
-      </p:sp>
-      <p:sp>
-        <p:nvSpPr>
-          <p:cNvPr id="5" name="文本占位符 4"/>
-          <p:cNvSpPr>
-            <a:spLocks noGrp="1"/>
-          </p:cNvSpPr>
-          <p:nvPr>
-            <p:ph type="body" sz="quarter" idx="3"/>
-          </p:nvPr>
-        </p:nvSpPr>
-        <p:spPr/>
-        <p:txBody>
-          <a:bodyPr/>
-          <a:lstStyle/>
-          <a:p>
-            <a:r>
-              <a:rPr lang="en-US" altLang="zh-CN" dirty="0" err="1" smtClean="0"/>
-              <a:t>Qt</a:t>
-            </a:r>
-            <a:endParaRPr lang="zh-CN" altLang="en-US" dirty="0"/>
-          </a:p>
-        </p:txBody>
-      </p:sp>
-      <p:sp>
-        <p:nvSpPr>
           <p:cNvPr id="6" name="内容占位符 5"/>
           <p:cNvSpPr>
             <a:spLocks noGrp="1"/>
@@ -3216,13 +3299,59 @@
             </a:r>
             <a:r>
               <a:rPr lang="en-US" altLang="zh-CN" dirty="0" smtClean="0"/>
+              <a:t>, Model/View</a:t>
+            </a:r>
+            <a:r>
+              <a:rPr lang="zh-CN" altLang="en-US" dirty="0" smtClean="0"/>
+              <a:t>一部分靠代理</a:t>
+            </a:r>
+            <a:endParaRPr lang="en-US" altLang="zh-CN" dirty="0"/>
+          </a:p>
+          <a:p>
+            <a:r>
+              <a:rPr lang="zh-CN" altLang="en-US" dirty="0" smtClean="0"/>
+              <a:t>继承的话</a:t>
+            </a:r>
+            <a:r>
+              <a:rPr lang="en-US" altLang="zh-CN" dirty="0" smtClean="0"/>
               <a:t>, </a:t>
             </a:r>
             <a:r>
               <a:rPr lang="zh-CN" altLang="en-US" dirty="0" smtClean="0"/>
-              <a:t>用户可以自己实现装饰者模式</a:t>
-            </a:r>
-            <a:endParaRPr lang="zh-CN" altLang="en-US" dirty="0"/>
+              <a:t>覆盖父类行为</a:t>
+            </a:r>
+            <a:r>
+              <a:rPr lang="en-US" altLang="zh-CN" dirty="0" smtClean="0"/>
+              <a:t>(</a:t>
+            </a:r>
+            <a:r>
+              <a:rPr lang="zh-CN" altLang="en-US" dirty="0" smtClean="0"/>
+              <a:t>重写</a:t>
+            </a:r>
+            <a:r>
+              <a:rPr lang="en-US" altLang="zh-CN" dirty="0" smtClean="0"/>
+              <a:t>)</a:t>
+            </a:r>
+            <a:endParaRPr lang="en-US" altLang="zh-CN" dirty="0" smtClean="0"/>
+          </a:p>
+          <a:p>
+            <a:r>
+              <a:rPr lang="zh-CN" altLang="en-US" dirty="0" smtClean="0"/>
+              <a:t>重新定义</a:t>
+            </a:r>
+            <a:r>
+              <a:rPr lang="en-US" altLang="zh-CN" dirty="0" err="1" smtClean="0"/>
+              <a:t>XXXevent</a:t>
+            </a:r>
+            <a:r>
+              <a:rPr lang="en-US" altLang="zh-CN" dirty="0" smtClean="0"/>
+              <a:t>()</a:t>
+            </a:r>
+            <a:r>
+              <a:rPr lang="zh-CN" altLang="en-US" dirty="0" smtClean="0"/>
+              <a:t>方法</a:t>
+            </a:r>
+            <a:endParaRPr lang="en-US" altLang="zh-CN" dirty="0" smtClean="0"/>
           </a:p>
         </p:txBody>
       </p:sp>
@@ -3236,6 +3365,13 @@
   <p:clrMapOvr>
     <a:masterClrMapping/>
   </p:clrMapOvr>
+  <p:timing>
+    <p:tnLst>
+      <p:par>
+        <p:cTn id="1" dur="indefinite" restart="never" nodeType="tmRoot"/>
+      </p:par>
+    </p:tnLst>
+  </p:timing>
 </p:sld>
 </file>
 
@@ -3272,8 +3408,12 @@
           <a:lstStyle/>
           <a:p>
             <a:r>
-              <a:rPr lang="zh-CN" altLang="en-US" dirty="0" smtClean="0"/>
-              <a:t>消息循环</a:t>
+              <a:rPr lang="en-US" altLang="zh-CN" dirty="0" smtClean="0"/>
+              <a:t>Button</a:t>
+            </a:r>
+            <a:r>
+              <a:rPr lang="zh-CN" altLang="en-US" dirty="0" smtClean="0"/>
+              <a:t>例子</a:t>
             </a:r>
             <a:endParaRPr lang="zh-CN" altLang="en-US" dirty="0"/>
           </a:p>
@@ -3312,14 +3452,120 @@
             <p:ph sz="half" idx="2"/>
           </p:nvPr>
         </p:nvSpPr>
-        <p:spPr/>
-        <p:txBody>
-          <a:bodyPr/>
-          <a:lstStyle/>
-          <a:p>
-            <a:r>
-              <a:rPr lang="zh-CN" altLang="en-US" dirty="0" smtClean="0"/>
-              <a:t>消息监听局限于窗口</a:t>
+        <p:spPr>
+          <a:xfrm>
+            <a:off x="839787" y="2623409"/>
+            <a:ext cx="5157787" cy="3684588"/>
+          </a:xfrm>
+        </p:spPr>
+        <p:txBody>
+          <a:bodyPr/>
+          <a:lstStyle/>
+          <a:p>
+            <a:r>
+              <a:rPr lang="zh-CN" altLang="en-US" dirty="0" smtClean="0"/>
+              <a:t>实现</a:t>
+            </a:r>
+            <a:r>
+              <a:rPr lang="en-US" altLang="zh-CN" dirty="0" smtClean="0"/>
+              <a:t>Effort &gt; </a:t>
+            </a:r>
+            <a:r>
+              <a:rPr lang="en-US" altLang="zh-CN" dirty="0" err="1" smtClean="0"/>
+              <a:t>Qt</a:t>
+            </a:r>
+            <a:endParaRPr lang="en-US" altLang="zh-CN" dirty="0" smtClean="0"/>
+          </a:p>
+          <a:p>
+            <a:r>
+              <a:rPr lang="zh-CN" altLang="en-US" dirty="0" smtClean="0"/>
+              <a:t>改变外观 </a:t>
+            </a:r>
+            <a:r>
+              <a:rPr lang="en-US" altLang="zh-CN" dirty="0" smtClean="0"/>
+              <a:t>Effort = 0</a:t>
+            </a:r>
+          </a:p>
+          <a:p>
+            <a:r>
+              <a:rPr lang="en-US" altLang="zh-CN" dirty="0" smtClean="0"/>
+              <a:t>&lt;</a:t>
+            </a:r>
+            <a:r>
+              <a:rPr lang="en-US" altLang="zh-CN" dirty="0" err="1" smtClean="0"/>
+              <a:t>eventlist</a:t>
+            </a:r>
+            <a:r>
+              <a:rPr lang="en-US" altLang="zh-CN" dirty="0" smtClean="0"/>
+              <a:t>&gt;, </a:t>
+            </a:r>
+            <a:r>
+              <a:rPr lang="en-US" altLang="zh-CN" dirty="0" err="1" smtClean="0"/>
+              <a:t>AttachListener</a:t>
+            </a:r>
+            <a:endParaRPr lang="en-US" altLang="zh-CN" dirty="0" smtClean="0"/>
+          </a:p>
+        </p:txBody>
+      </p:sp>
+      <p:sp>
+        <p:nvSpPr>
+          <p:cNvPr id="5" name="文本占位符 4"/>
+          <p:cNvSpPr>
+            <a:spLocks noGrp="1"/>
+          </p:cNvSpPr>
+          <p:nvPr>
+            <p:ph type="body" sz="quarter" idx="3"/>
+          </p:nvPr>
+        </p:nvSpPr>
+        <p:spPr/>
+        <p:txBody>
+          <a:bodyPr/>
+          <a:lstStyle/>
+          <a:p>
+            <a:r>
+              <a:rPr lang="en-US" altLang="zh-CN" dirty="0" err="1" smtClean="0"/>
+              <a:t>Qt</a:t>
+            </a:r>
+            <a:endParaRPr lang="zh-CN" altLang="en-US" dirty="0"/>
+          </a:p>
+        </p:txBody>
+      </p:sp>
+      <p:sp>
+        <p:nvSpPr>
+          <p:cNvPr id="6" name="内容占位符 5"/>
+          <p:cNvSpPr>
+            <a:spLocks noGrp="1"/>
+          </p:cNvSpPr>
+          <p:nvPr>
+            <p:ph sz="quarter" idx="4"/>
+          </p:nvPr>
+        </p:nvSpPr>
+        <p:spPr/>
+        <p:txBody>
+          <a:bodyPr/>
+          <a:lstStyle/>
+          <a:p>
+            <a:r>
+              <a:rPr lang="zh-CN" altLang="en-US" dirty="0" smtClean="0"/>
+              <a:t>实现</a:t>
+            </a:r>
+            <a:r>
+              <a:rPr lang="en-US" altLang="zh-CN" dirty="0" smtClean="0"/>
+              <a:t>Effort = 0</a:t>
+            </a:r>
+          </a:p>
+          <a:p>
+            <a:r>
+              <a:rPr lang="zh-CN" altLang="en-US" dirty="0" smtClean="0"/>
+              <a:t>改变外观 </a:t>
+            </a:r>
+            <a:r>
+              <a:rPr lang="en-US" altLang="zh-CN" dirty="0" smtClean="0"/>
+              <a:t>Effort: </a:t>
+            </a:r>
+            <a:r>
+              <a:rPr lang="zh-CN" altLang="en-US" dirty="0" smtClean="0"/>
+              <a:t>下划线</a:t>
             </a:r>
             <a:r>
               <a:rPr lang="en-US" altLang="zh-CN" dirty="0" smtClean="0"/>
@@ -3327,77 +3573,33 @@
             </a:r>
             <a:r>
               <a:rPr lang="zh-CN" altLang="en-US" dirty="0" smtClean="0"/>
-              <a:t>因为它只是</a:t>
-            </a:r>
-            <a:r>
-              <a:rPr lang="en-US" altLang="zh-CN" dirty="0" smtClean="0"/>
-              <a:t>UI</a:t>
-            </a:r>
-            <a:r>
-              <a:rPr lang="zh-CN" altLang="en-US" dirty="0" smtClean="0"/>
-              <a:t>引擎</a:t>
-            </a:r>
-            <a:endParaRPr lang="zh-CN" altLang="en-US" dirty="0"/>
-          </a:p>
-        </p:txBody>
-      </p:sp>
-      <p:sp>
-        <p:nvSpPr>
-          <p:cNvPr id="5" name="文本占位符 4"/>
-          <p:cNvSpPr>
-            <a:spLocks noGrp="1"/>
-          </p:cNvSpPr>
-          <p:nvPr>
-            <p:ph type="body" sz="quarter" idx="3"/>
-          </p:nvPr>
-        </p:nvSpPr>
-        <p:spPr/>
-        <p:txBody>
-          <a:bodyPr/>
-          <a:lstStyle/>
-          <a:p>
-            <a:r>
-              <a:rPr lang="en-US" altLang="zh-CN" dirty="0" err="1" smtClean="0"/>
-              <a:t>Qt</a:t>
-            </a:r>
-            <a:endParaRPr lang="zh-CN" altLang="en-US" dirty="0"/>
-          </a:p>
-        </p:txBody>
-      </p:sp>
-      <p:sp>
-        <p:nvSpPr>
-          <p:cNvPr id="6" name="内容占位符 5"/>
-          <p:cNvSpPr>
-            <a:spLocks noGrp="1"/>
-          </p:cNvSpPr>
-          <p:nvPr>
-            <p:ph sz="quarter" idx="4"/>
-          </p:nvPr>
-        </p:nvSpPr>
-        <p:spPr/>
-        <p:txBody>
-          <a:bodyPr/>
-          <a:lstStyle/>
-          <a:p>
-            <a:r>
-              <a:rPr lang="zh-CN" altLang="en-US" dirty="0" smtClean="0"/>
-              <a:t>封装消息循环</a:t>
-            </a:r>
-            <a:r>
-              <a:rPr lang="en-US" altLang="zh-CN" dirty="0" smtClean="0"/>
-              <a:t>, </a:t>
-            </a:r>
-            <a:r>
-              <a:rPr lang="zh-CN" altLang="en-US" dirty="0" smtClean="0"/>
-              <a:t>在</a:t>
-            </a:r>
-            <a:r>
-              <a:rPr lang="en-US" altLang="zh-CN" dirty="0" err="1" smtClean="0"/>
-              <a:t>Qt</a:t>
-            </a:r>
-            <a:r>
-              <a:rPr lang="zh-CN" altLang="en-US" dirty="0" smtClean="0"/>
-              <a:t>层访问</a:t>
+              <a:t>多行文本</a:t>
+            </a:r>
+            <a:r>
+              <a:rPr lang="en-US" altLang="zh-CN" dirty="0" smtClean="0"/>
+              <a:t>,</a:t>
+            </a:r>
+            <a:r>
+              <a:rPr lang="zh-CN" altLang="en-US" dirty="0" smtClean="0"/>
+              <a:t>换个风格</a:t>
+            </a:r>
+            <a:r>
+              <a:rPr lang="en-US" altLang="zh-CN" dirty="0" smtClean="0"/>
+              <a:t>…</a:t>
+            </a:r>
+          </a:p>
+          <a:p>
+            <a:r>
+              <a:rPr lang="zh-CN" altLang="en-US" dirty="0" smtClean="0"/>
+              <a:t>改变行为</a:t>
+            </a:r>
+            <a:r>
+              <a:rPr lang="en-US" altLang="zh-CN" dirty="0" smtClean="0"/>
+              <a:t>: event filter, event</a:t>
+            </a:r>
+            <a:r>
+              <a:rPr lang="en-US" altLang="zh-CN" dirty="0" smtClean="0"/>
+              <a:t>(), signal-slot</a:t>
             </a:r>
             <a:endParaRPr lang="zh-CN" altLang="en-US" dirty="0"/>
           </a:p>
@@ -3406,13 +3608,20 @@
     </p:spTree>
     <p:extLst>
       <p:ext uri="{BB962C8B-B14F-4D97-AF65-F5344CB8AC3E}">
-        <p14:creationId xmlns:p14="http://schemas.microsoft.com/office/powerpoint/2010/main" val="3320874518"/>
+        <p14:creationId xmlns:p14="http://schemas.microsoft.com/office/powerpoint/2010/main" val="3991306307"/>
       </p:ext>
     </p:extLst>
   </p:cSld>
   <p:clrMapOvr>
     <a:masterClrMapping/>
   </p:clrMapOvr>
+  <p:timing>
+    <p:tnLst>
+      <p:par>
+        <p:cTn id="1" dur="indefinite" restart="never" nodeType="tmRoot"/>
+      </p:par>
+    </p:tnLst>
+  </p:timing>
 </p:sld>
 </file>
 
@@ -3450,6 +3659,1905 @@
           <a:p>
             <a:r>
               <a:rPr lang="zh-CN" altLang="en-US" dirty="0" smtClean="0"/>
+              <a:t>定制可复用控件</a:t>
+            </a:r>
+            <a:r>
+              <a:rPr lang="en-US" altLang="zh-CN" dirty="0"/>
+              <a:t> </a:t>
+            </a:r>
+            <a:r>
+              <a:rPr lang="en-US" altLang="zh-CN" dirty="0" smtClean="0"/>
+              <a:t>– </a:t>
+            </a:r>
+            <a:r>
+              <a:rPr lang="zh-CN" altLang="en-US" dirty="0" smtClean="0"/>
+              <a:t>复杂组合控件</a:t>
+            </a:r>
+            <a:endParaRPr lang="zh-CN" altLang="en-US" dirty="0"/>
+          </a:p>
+        </p:txBody>
+      </p:sp>
+      <p:sp>
+        <p:nvSpPr>
+          <p:cNvPr id="3" name="文本占位符 2"/>
+          <p:cNvSpPr>
+            <a:spLocks noGrp="1"/>
+          </p:cNvSpPr>
+          <p:nvPr>
+            <p:ph type="body" idx="1"/>
+          </p:nvPr>
+        </p:nvSpPr>
+        <p:spPr/>
+        <p:txBody>
+          <a:bodyPr/>
+          <a:lstStyle/>
+          <a:p>
+            <a:r>
+              <a:rPr lang="en-US" altLang="zh-CN" dirty="0" smtClean="0"/>
+              <a:t>Bolt</a:t>
+            </a:r>
+            <a:endParaRPr lang="zh-CN" altLang="en-US" dirty="0"/>
+          </a:p>
+        </p:txBody>
+      </p:sp>
+      <p:sp>
+        <p:nvSpPr>
+          <p:cNvPr id="4" name="内容占位符 3"/>
+          <p:cNvSpPr>
+            <a:spLocks noGrp="1"/>
+          </p:cNvSpPr>
+          <p:nvPr>
+            <p:ph sz="half" idx="2"/>
+          </p:nvPr>
+        </p:nvSpPr>
+        <p:spPr/>
+        <p:txBody>
+          <a:bodyPr/>
+          <a:lstStyle/>
+          <a:p>
+            <a:r>
+              <a:rPr lang="en-US" altLang="zh-CN" dirty="0" smtClean="0"/>
+              <a:t>Template/Control</a:t>
+            </a:r>
+            <a:endParaRPr lang="en-US" altLang="zh-CN" dirty="0" smtClean="0"/>
+          </a:p>
+          <a:p>
+            <a:endParaRPr lang="en-US" altLang="zh-CN" dirty="0"/>
+          </a:p>
+          <a:p>
+            <a:r>
+              <a:rPr lang="zh-CN" altLang="en-US" dirty="0" smtClean="0"/>
+              <a:t>模板合并使</a:t>
+            </a:r>
+            <a:r>
+              <a:rPr lang="en-US" altLang="zh-CN" dirty="0" smtClean="0"/>
+              <a:t>”</a:t>
+            </a:r>
+            <a:r>
+              <a:rPr lang="zh-CN" altLang="en-US" dirty="0" smtClean="0"/>
+              <a:t>多重继承</a:t>
+            </a:r>
+            <a:r>
+              <a:rPr lang="en-US" altLang="zh-CN" dirty="0" smtClean="0"/>
+              <a:t>”</a:t>
+            </a:r>
+            <a:r>
+              <a:rPr lang="zh-CN" altLang="en-US" dirty="0" smtClean="0"/>
+              <a:t>成为可能</a:t>
+            </a:r>
+            <a:endParaRPr lang="en-US" altLang="zh-CN" dirty="0" smtClean="0"/>
+          </a:p>
+          <a:p>
+            <a:endParaRPr lang="en-US" altLang="zh-CN" dirty="0" smtClean="0"/>
+          </a:p>
+          <a:p>
+            <a:r>
+              <a:rPr lang="zh-CN" altLang="en-US" dirty="0"/>
+              <a:t>同</a:t>
+            </a:r>
+            <a:r>
+              <a:rPr lang="zh-CN" altLang="en-US" dirty="0" smtClean="0"/>
+              <a:t>一类型的</a:t>
+            </a:r>
+            <a:r>
+              <a:rPr lang="en-US" altLang="zh-CN" dirty="0" err="1" smtClean="0"/>
+              <a:t>Attr</a:t>
+            </a:r>
+            <a:r>
+              <a:rPr lang="zh-CN" altLang="en-US" dirty="0" smtClean="0"/>
+              <a:t>可以用模板封装</a:t>
+            </a:r>
+            <a:r>
+              <a:rPr lang="en-US" altLang="zh-CN" dirty="0" smtClean="0"/>
+              <a:t>(</a:t>
+            </a:r>
+            <a:r>
+              <a:rPr lang="zh-CN" altLang="en-US" dirty="0" smtClean="0"/>
+              <a:t>打包</a:t>
+            </a:r>
+            <a:r>
+              <a:rPr lang="en-US" altLang="zh-CN" dirty="0" smtClean="0"/>
+              <a:t>)</a:t>
+            </a:r>
+            <a:r>
+              <a:rPr lang="zh-CN" altLang="en-US" dirty="0" smtClean="0"/>
+              <a:t>起来</a:t>
+            </a:r>
+            <a:endParaRPr lang="en-US" altLang="zh-CN" dirty="0" smtClean="0"/>
+          </a:p>
+        </p:txBody>
+      </p:sp>
+      <p:sp>
+        <p:nvSpPr>
+          <p:cNvPr id="5" name="文本占位符 4"/>
+          <p:cNvSpPr>
+            <a:spLocks noGrp="1"/>
+          </p:cNvSpPr>
+          <p:nvPr>
+            <p:ph type="body" sz="quarter" idx="3"/>
+          </p:nvPr>
+        </p:nvSpPr>
+        <p:spPr/>
+        <p:txBody>
+          <a:bodyPr/>
+          <a:lstStyle/>
+          <a:p>
+            <a:r>
+              <a:rPr lang="en-US" altLang="zh-CN" dirty="0" err="1" smtClean="0"/>
+              <a:t>Qt</a:t>
+            </a:r>
+            <a:endParaRPr lang="zh-CN" altLang="en-US" dirty="0"/>
+          </a:p>
+        </p:txBody>
+      </p:sp>
+      <p:sp>
+        <p:nvSpPr>
+          <p:cNvPr id="6" name="内容占位符 5"/>
+          <p:cNvSpPr>
+            <a:spLocks noGrp="1"/>
+          </p:cNvSpPr>
+          <p:nvPr>
+            <p:ph sz="quarter" idx="4"/>
+          </p:nvPr>
+        </p:nvSpPr>
+        <p:spPr/>
+        <p:txBody>
+          <a:bodyPr/>
+          <a:lstStyle/>
+          <a:p>
+            <a:r>
+              <a:rPr lang="zh-CN" altLang="en-US" dirty="0" smtClean="0"/>
+              <a:t>容器类</a:t>
+            </a:r>
+            <a:endParaRPr lang="en-US" altLang="zh-CN" dirty="0" smtClean="0"/>
+          </a:p>
+          <a:p>
+            <a:endParaRPr lang="en-US" altLang="zh-CN" dirty="0"/>
+          </a:p>
+          <a:p>
+            <a:r>
+              <a:rPr lang="zh-CN" altLang="en-US" dirty="0"/>
+              <a:t>控件</a:t>
+            </a:r>
+            <a:r>
+              <a:rPr lang="zh-CN" altLang="en-US" dirty="0" smtClean="0"/>
+              <a:t>类不允许多重</a:t>
+            </a:r>
+            <a:r>
+              <a:rPr lang="zh-CN" altLang="en-US" dirty="0" smtClean="0"/>
+              <a:t>继承</a:t>
+            </a:r>
+            <a:r>
+              <a:rPr lang="en-US" altLang="zh-CN" dirty="0" smtClean="0"/>
+              <a:t>(</a:t>
+            </a:r>
+            <a:r>
+              <a:rPr lang="zh-CN" altLang="en-US" dirty="0"/>
+              <a:t>想</a:t>
+            </a:r>
+            <a:r>
+              <a:rPr lang="zh-CN" altLang="en-US" dirty="0" smtClean="0"/>
+              <a:t>要同时具有</a:t>
+            </a:r>
+            <a:r>
+              <a:rPr lang="zh-CN" altLang="en-US" dirty="0" smtClean="0"/>
+              <a:t>控件</a:t>
+            </a:r>
+            <a:r>
+              <a:rPr lang="en-US" altLang="zh-CN" dirty="0" smtClean="0"/>
+              <a:t>A</a:t>
+            </a:r>
+            <a:r>
+              <a:rPr lang="zh-CN" altLang="en-US" dirty="0" smtClean="0"/>
+              <a:t>和</a:t>
+            </a:r>
+            <a:r>
+              <a:rPr lang="en-US" altLang="zh-CN" dirty="0" smtClean="0"/>
+              <a:t>B</a:t>
+            </a:r>
+            <a:r>
+              <a:rPr lang="zh-CN" altLang="en-US" dirty="0" smtClean="0"/>
+              <a:t>的特性</a:t>
+            </a:r>
+            <a:r>
+              <a:rPr lang="en-US" altLang="zh-CN" dirty="0" smtClean="0"/>
+              <a:t>, </a:t>
+            </a:r>
+            <a:r>
+              <a:rPr lang="zh-CN" altLang="en-US" dirty="0" smtClean="0"/>
+              <a:t>不可以从两个控件继承</a:t>
+            </a:r>
+            <a:r>
+              <a:rPr lang="en-US" altLang="zh-CN" dirty="0" smtClean="0"/>
+              <a:t>)</a:t>
+            </a:r>
+            <a:endParaRPr lang="en-US" altLang="zh-CN" dirty="0" smtClean="0"/>
+          </a:p>
+          <a:p>
+            <a:pPr marL="0" indent="0">
+              <a:buNone/>
+            </a:pPr>
+            <a:endParaRPr lang="en-US" altLang="zh-CN" dirty="0" smtClean="0"/>
+          </a:p>
+          <a:p>
+            <a:r>
+              <a:rPr lang="zh-CN" altLang="en-US" dirty="0" smtClean="0"/>
+              <a:t>要封装</a:t>
+            </a:r>
+            <a:r>
+              <a:rPr lang="en-US" altLang="zh-CN" dirty="0" smtClean="0"/>
+              <a:t>Property, </a:t>
+            </a:r>
+            <a:r>
+              <a:rPr lang="zh-CN" altLang="en-US" dirty="0" smtClean="0"/>
+              <a:t>继承</a:t>
+            </a:r>
+            <a:r>
+              <a:rPr lang="en-US" altLang="zh-CN" dirty="0" smtClean="0"/>
+              <a:t>, </a:t>
+            </a:r>
+            <a:r>
+              <a:rPr lang="zh-CN" altLang="en-US" dirty="0" smtClean="0"/>
+              <a:t>控件方法</a:t>
+            </a:r>
+            <a:endParaRPr lang="en-US" altLang="zh-CN" dirty="0"/>
+          </a:p>
+        </p:txBody>
+      </p:sp>
+    </p:spTree>
+    <p:extLst>
+      <p:ext uri="{BB962C8B-B14F-4D97-AF65-F5344CB8AC3E}">
+        <p14:creationId xmlns:p14="http://schemas.microsoft.com/office/powerpoint/2010/main" val="4016994802"/>
+      </p:ext>
+    </p:extLst>
+  </p:cSld>
+  <p:clrMapOvr>
+    <a:masterClrMapping/>
+  </p:clrMapOvr>
+  <p:timing>
+    <p:tnLst>
+      <p:par>
+        <p:cTn id="1" dur="indefinite" restart="never" nodeType="tmRoot"/>
+      </p:par>
+    </p:tnLst>
+  </p:timing>
+</p:sld>
+</file>
+
+<file path=ppt/slides/slide13.xml><?xml version="1.0" encoding="utf-8"?>
+<p:sld xmlns:a="http://schemas.openxmlformats.org/drawingml/2006/main" xmlns:r="http://schemas.openxmlformats.org/officeDocument/2006/relationships" xmlns:p="http://schemas.openxmlformats.org/presentationml/2006/main">
+  <p:cSld>
+    <p:spTree>
+      <p:nvGrpSpPr>
+        <p:cNvPr id="1" name=""/>
+        <p:cNvGrpSpPr/>
+        <p:nvPr/>
+      </p:nvGrpSpPr>
+      <p:grpSpPr>
+        <a:xfrm>
+          <a:off x="0" y="0"/>
+          <a:ext cx="0" cy="0"/>
+          <a:chOff x="0" y="0"/>
+          <a:chExt cx="0" cy="0"/>
+        </a:xfrm>
+      </p:grpSpPr>
+      <p:sp>
+        <p:nvSpPr>
+          <p:cNvPr id="2" name="标题 1"/>
+          <p:cNvSpPr>
+            <a:spLocks noGrp="1"/>
+          </p:cNvSpPr>
+          <p:nvPr>
+            <p:ph type="title"/>
+          </p:nvPr>
+        </p:nvSpPr>
+        <p:spPr>
+          <a:xfrm>
+            <a:off x="839788" y="457200"/>
+            <a:ext cx="3932237" cy="919779"/>
+          </a:xfrm>
+        </p:spPr>
+        <p:txBody>
+          <a:bodyPr/>
+          <a:lstStyle/>
+          <a:p>
+            <a:r>
+              <a:rPr lang="zh-CN" altLang="en-US" dirty="0" smtClean="0"/>
+              <a:t>例子</a:t>
+            </a:r>
+            <a:endParaRPr lang="zh-CN" altLang="en-US" dirty="0"/>
+          </a:p>
+        </p:txBody>
+      </p:sp>
+      <p:sp>
+        <p:nvSpPr>
+          <p:cNvPr id="4" name="文本占位符 3"/>
+          <p:cNvSpPr>
+            <a:spLocks noGrp="1"/>
+          </p:cNvSpPr>
+          <p:nvPr>
+            <p:ph type="body" sz="half" idx="2"/>
+          </p:nvPr>
+        </p:nvSpPr>
+        <p:spPr>
+          <a:xfrm>
+            <a:off x="839788" y="1376979"/>
+            <a:ext cx="3932237" cy="4492009"/>
+          </a:xfrm>
+        </p:spPr>
+        <p:txBody>
+          <a:bodyPr/>
+          <a:lstStyle/>
+          <a:p>
+            <a:r>
+              <a:rPr lang="zh-CN" altLang="en-US" dirty="0" smtClean="0"/>
+              <a:t>布局类似</a:t>
+            </a:r>
+            <a:r>
+              <a:rPr lang="en-US" altLang="zh-CN" dirty="0" smtClean="0"/>
+              <a:t>, </a:t>
+            </a:r>
+            <a:r>
+              <a:rPr lang="zh-CN" altLang="en-US" dirty="0" smtClean="0"/>
+              <a:t>间距稍异</a:t>
+            </a:r>
+            <a:endParaRPr lang="en-US" altLang="zh-CN" dirty="0"/>
+          </a:p>
+          <a:p>
+            <a:r>
+              <a:rPr lang="en-US" altLang="zh-CN" dirty="0" smtClean="0"/>
+              <a:t>Bolt: template </a:t>
+            </a:r>
+            <a:r>
+              <a:rPr lang="zh-CN" altLang="en-US" dirty="0" smtClean="0"/>
+              <a:t>定义布局数据</a:t>
+            </a:r>
+            <a:endParaRPr lang="en-US" altLang="zh-CN" dirty="0" smtClean="0"/>
+          </a:p>
+          <a:p>
+            <a:r>
+              <a:rPr lang="en-US" altLang="zh-CN" dirty="0" err="1" smtClean="0"/>
+              <a:t>Qt</a:t>
+            </a:r>
+            <a:r>
+              <a:rPr lang="en-US" altLang="zh-CN" dirty="0" smtClean="0"/>
+              <a:t>: </a:t>
+            </a:r>
+            <a:r>
+              <a:rPr lang="en-US" altLang="zh-CN" dirty="0" err="1" smtClean="0"/>
+              <a:t>SetProperty</a:t>
+            </a:r>
+            <a:r>
+              <a:rPr lang="en-US" altLang="zh-CN" dirty="0" smtClean="0"/>
+              <a:t> </a:t>
+            </a:r>
+            <a:r>
+              <a:rPr lang="zh-CN" altLang="en-US" dirty="0" smtClean="0"/>
+              <a:t>打包方法</a:t>
+            </a:r>
+            <a:endParaRPr lang="en-US" altLang="zh-CN" dirty="0" smtClean="0"/>
+          </a:p>
+          <a:p>
+            <a:endParaRPr lang="en-US" altLang="zh-CN" dirty="0"/>
+          </a:p>
+          <a:p>
+            <a:r>
+              <a:rPr lang="zh-CN" altLang="en-US" dirty="0" smtClean="0"/>
+              <a:t>样式差别</a:t>
+            </a:r>
+            <a:endParaRPr lang="en-US" altLang="zh-CN" dirty="0" smtClean="0"/>
+          </a:p>
+          <a:p>
+            <a:r>
+              <a:rPr lang="en-US" altLang="zh-CN" dirty="0" smtClean="0"/>
+              <a:t>Bolt: </a:t>
+            </a:r>
+            <a:r>
+              <a:rPr lang="zh-CN" altLang="en-US" dirty="0" smtClean="0"/>
+              <a:t>贴图</a:t>
+            </a:r>
+            <a:r>
+              <a:rPr lang="en-US" altLang="zh-CN" dirty="0" smtClean="0"/>
+              <a:t>/fill </a:t>
+            </a:r>
+            <a:r>
+              <a:rPr lang="en-US" altLang="zh-CN" dirty="0" err="1" smtClean="0"/>
+              <a:t>rect</a:t>
+            </a:r>
+            <a:endParaRPr lang="en-US" altLang="zh-CN" dirty="0" smtClean="0"/>
+          </a:p>
+          <a:p>
+            <a:r>
+              <a:rPr lang="en-US" altLang="zh-CN" dirty="0" err="1" smtClean="0"/>
+              <a:t>Qt</a:t>
+            </a:r>
+            <a:r>
+              <a:rPr lang="en-US" altLang="zh-CN" dirty="0" smtClean="0"/>
+              <a:t>: </a:t>
+            </a:r>
+            <a:r>
+              <a:rPr lang="en-US" altLang="zh-CN" dirty="0" err="1" smtClean="0"/>
+              <a:t>paintEvent</a:t>
+            </a:r>
+            <a:r>
+              <a:rPr lang="en-US" altLang="zh-CN" dirty="0" smtClean="0"/>
+              <a:t>, </a:t>
+            </a:r>
+            <a:r>
+              <a:rPr lang="zh-CN" altLang="en-US" dirty="0" smtClean="0"/>
+              <a:t>样式表</a:t>
+            </a:r>
+            <a:endParaRPr lang="en-US" altLang="zh-CN" dirty="0" smtClean="0"/>
+          </a:p>
+          <a:p>
+            <a:endParaRPr lang="en-US" altLang="zh-CN" dirty="0"/>
+          </a:p>
+          <a:p>
+            <a:r>
+              <a:rPr lang="zh-CN" altLang="en-US" dirty="0" smtClean="0"/>
+              <a:t>行为差别</a:t>
+            </a:r>
+            <a:endParaRPr lang="en-US" altLang="zh-CN" dirty="0" smtClean="0"/>
+          </a:p>
+          <a:p>
+            <a:r>
+              <a:rPr lang="zh-CN" altLang="en-US" dirty="0" smtClean="0"/>
+              <a:t>发现只有</a:t>
+            </a:r>
+            <a:r>
+              <a:rPr lang="zh-CN" altLang="en-US" dirty="0" smtClean="0"/>
+              <a:t>月历是可复用的一部分</a:t>
+            </a:r>
+            <a:r>
+              <a:rPr lang="en-US" altLang="zh-CN" dirty="0" smtClean="0"/>
+              <a:t>, </a:t>
+            </a:r>
+            <a:r>
+              <a:rPr lang="zh-CN" altLang="en-US" dirty="0" smtClean="0"/>
+              <a:t>点击</a:t>
+            </a:r>
+            <a:r>
+              <a:rPr lang="en-US" altLang="zh-CN" dirty="0" smtClean="0"/>
+              <a:t>“</a:t>
+            </a:r>
+            <a:r>
+              <a:rPr lang="en-US" altLang="zh-CN" dirty="0" smtClean="0"/>
+              <a:t>2013</a:t>
+            </a:r>
+            <a:r>
+              <a:rPr lang="zh-CN" altLang="en-US" dirty="0" smtClean="0"/>
+              <a:t>年</a:t>
+            </a:r>
+            <a:r>
+              <a:rPr lang="en-US" altLang="zh-CN" dirty="0" smtClean="0"/>
+              <a:t>9</a:t>
+            </a:r>
+            <a:r>
+              <a:rPr lang="zh-CN" altLang="en-US" dirty="0" smtClean="0"/>
+              <a:t>月</a:t>
+            </a:r>
+            <a:r>
+              <a:rPr lang="en-US" altLang="zh-CN" dirty="0" smtClean="0"/>
+              <a:t>”</a:t>
+            </a:r>
+            <a:r>
+              <a:rPr lang="zh-CN" altLang="en-US" dirty="0" smtClean="0"/>
+              <a:t>行为差异</a:t>
+            </a:r>
+            <a:r>
+              <a:rPr lang="zh-CN" altLang="en-US" dirty="0" smtClean="0"/>
+              <a:t>较大</a:t>
+            </a:r>
+            <a:endParaRPr lang="en-US" altLang="zh-CN" dirty="0" smtClean="0"/>
+          </a:p>
+          <a:p>
+            <a:r>
+              <a:rPr lang="en-US" altLang="zh-CN" dirty="0" smtClean="0"/>
+              <a:t>Bolt: </a:t>
+            </a:r>
+            <a:r>
+              <a:rPr lang="zh-CN" altLang="en-US" dirty="0" smtClean="0"/>
+              <a:t>引用模板</a:t>
+            </a:r>
+            <a:r>
+              <a:rPr lang="en-US" altLang="zh-CN" dirty="0" smtClean="0"/>
+              <a:t>?</a:t>
+            </a:r>
+          </a:p>
+          <a:p>
+            <a:r>
+              <a:rPr lang="en-US" altLang="zh-CN" dirty="0" err="1" smtClean="0"/>
+              <a:t>Qt</a:t>
+            </a:r>
+            <a:r>
+              <a:rPr lang="en-US" altLang="zh-CN" dirty="0" smtClean="0"/>
+              <a:t>: </a:t>
+            </a:r>
+            <a:r>
+              <a:rPr lang="zh-CN" altLang="en-US" dirty="0" smtClean="0"/>
+              <a:t>复用日期</a:t>
+            </a:r>
+            <a:r>
+              <a:rPr lang="zh-CN" altLang="en-US" dirty="0" smtClean="0"/>
+              <a:t>容器类</a:t>
+            </a:r>
+            <a:r>
+              <a:rPr lang="en-US" altLang="zh-CN" dirty="0" smtClean="0"/>
+              <a:t>, </a:t>
+            </a:r>
+            <a:r>
+              <a:rPr lang="zh-CN" altLang="en-US" dirty="0" smtClean="0"/>
+              <a:t>属性</a:t>
+            </a:r>
+            <a:r>
+              <a:rPr lang="en-US" altLang="zh-CN" dirty="0" smtClean="0"/>
+              <a:t>/</a:t>
+            </a:r>
+            <a:r>
+              <a:rPr lang="zh-CN" altLang="en-US" dirty="0" smtClean="0"/>
+              <a:t>继承</a:t>
+            </a:r>
+            <a:endParaRPr lang="en-US" altLang="zh-CN" dirty="0" smtClean="0"/>
+          </a:p>
+        </p:txBody>
+      </p:sp>
+      <p:pic>
+        <p:nvPicPr>
+          <p:cNvPr id="12" name="图片占位符 11"/>
+          <p:cNvPicPr>
+            <a:picLocks noGrp="1" noChangeAspect="1"/>
+          </p:cNvPicPr>
+          <p:nvPr>
+            <p:ph type="pic" idx="1"/>
+          </p:nvPr>
+        </p:nvPicPr>
+        <p:blipFill>
+          <a:blip r:embed="rId2">
+            <a:extLst>
+              <a:ext uri="{28A0092B-C50C-407E-A947-70E740481C1C}">
+                <a14:useLocalDpi xmlns:a14="http://schemas.microsoft.com/office/drawing/2010/main" val="0"/>
+              </a:ext>
+            </a:extLst>
+          </a:blip>
+          <a:srcRect t="4577" b="4577"/>
+          <a:stretch>
+            <a:fillRect/>
+          </a:stretch>
+        </p:blipFill>
+        <p:spPr/>
+      </p:pic>
+    </p:spTree>
+    <p:extLst>
+      <p:ext uri="{BB962C8B-B14F-4D97-AF65-F5344CB8AC3E}">
+        <p14:creationId xmlns:p14="http://schemas.microsoft.com/office/powerpoint/2010/main" val="514384656"/>
+      </p:ext>
+    </p:extLst>
+  </p:cSld>
+  <p:clrMapOvr>
+    <a:masterClrMapping/>
+  </p:clrMapOvr>
+  <p:timing>
+    <p:tnLst>
+      <p:par>
+        <p:cTn id="1" dur="indefinite" restart="never" nodeType="tmRoot"/>
+      </p:par>
+    </p:tnLst>
+  </p:timing>
+</p:sld>
+</file>
+
+<file path=ppt/slides/slide14.xml><?xml version="1.0" encoding="utf-8"?>
+<p:sld xmlns:a="http://schemas.openxmlformats.org/drawingml/2006/main" xmlns:r="http://schemas.openxmlformats.org/officeDocument/2006/relationships" xmlns:p="http://schemas.openxmlformats.org/presentationml/2006/main">
+  <p:cSld>
+    <p:spTree>
+      <p:nvGrpSpPr>
+        <p:cNvPr id="1" name=""/>
+        <p:cNvGrpSpPr/>
+        <p:nvPr/>
+      </p:nvGrpSpPr>
+      <p:grpSpPr>
+        <a:xfrm>
+          <a:off x="0" y="0"/>
+          <a:ext cx="0" cy="0"/>
+          <a:chOff x="0" y="0"/>
+          <a:chExt cx="0" cy="0"/>
+        </a:xfrm>
+      </p:grpSpPr>
+      <p:sp>
+        <p:nvSpPr>
+          <p:cNvPr id="2" name="标题 1"/>
+          <p:cNvSpPr>
+            <a:spLocks noGrp="1"/>
+          </p:cNvSpPr>
+          <p:nvPr>
+            <p:ph type="title"/>
+          </p:nvPr>
+        </p:nvSpPr>
+        <p:spPr/>
+        <p:txBody>
+          <a:bodyPr/>
+          <a:lstStyle/>
+          <a:p>
+            <a:r>
+              <a:rPr lang="zh-CN" altLang="en-US" dirty="0" smtClean="0"/>
+              <a:t>绘制</a:t>
+            </a:r>
+            <a:endParaRPr lang="zh-CN" altLang="en-US" dirty="0"/>
+          </a:p>
+        </p:txBody>
+      </p:sp>
+      <p:sp>
+        <p:nvSpPr>
+          <p:cNvPr id="3" name="文本占位符 2"/>
+          <p:cNvSpPr>
+            <a:spLocks noGrp="1"/>
+          </p:cNvSpPr>
+          <p:nvPr>
+            <p:ph type="body" idx="1"/>
+          </p:nvPr>
+        </p:nvSpPr>
+        <p:spPr/>
+        <p:txBody>
+          <a:bodyPr/>
+          <a:lstStyle/>
+          <a:p>
+            <a:r>
+              <a:rPr lang="en-US" altLang="zh-CN" dirty="0" smtClean="0"/>
+              <a:t>Bolt	</a:t>
+            </a:r>
+            <a:endParaRPr lang="zh-CN" altLang="en-US" dirty="0"/>
+          </a:p>
+        </p:txBody>
+      </p:sp>
+      <p:sp>
+        <p:nvSpPr>
+          <p:cNvPr id="4" name="内容占位符 3"/>
+          <p:cNvSpPr>
+            <a:spLocks noGrp="1"/>
+          </p:cNvSpPr>
+          <p:nvPr>
+            <p:ph sz="half" idx="2"/>
+          </p:nvPr>
+        </p:nvSpPr>
+        <p:spPr/>
+        <p:txBody>
+          <a:bodyPr/>
+          <a:lstStyle/>
+          <a:p>
+            <a:r>
+              <a:rPr lang="en-US" altLang="zh-CN" dirty="0" err="1" smtClean="0"/>
+              <a:t>Gdi</a:t>
+            </a:r>
+            <a:r>
+              <a:rPr lang="en-US" altLang="zh-CN" dirty="0" smtClean="0"/>
+              <a:t>/</a:t>
+            </a:r>
+            <a:r>
+              <a:rPr lang="en-US" altLang="zh-CN" dirty="0" err="1" smtClean="0"/>
+              <a:t>gdi</a:t>
+            </a:r>
+            <a:r>
+              <a:rPr lang="en-US" altLang="zh-CN" dirty="0" smtClean="0"/>
+              <a:t>+</a:t>
+            </a:r>
+            <a:r>
+              <a:rPr lang="zh-CN" altLang="en-US" dirty="0" smtClean="0"/>
+              <a:t>处理</a:t>
+            </a:r>
+            <a:r>
+              <a:rPr lang="en-US" altLang="zh-CN" dirty="0" err="1" smtClean="0"/>
+              <a:t>win32</a:t>
+            </a:r>
+            <a:r>
+              <a:rPr lang="zh-CN" altLang="en-US" dirty="0" smtClean="0"/>
+              <a:t>平台界面绘制</a:t>
+            </a:r>
+            <a:r>
+              <a:rPr lang="en-US" altLang="zh-CN" dirty="0" smtClean="0"/>
+              <a:t>, </a:t>
+            </a:r>
+            <a:r>
+              <a:rPr lang="zh-CN" altLang="en-US" dirty="0" smtClean="0"/>
+              <a:t>硬件加速</a:t>
+            </a:r>
+            <a:r>
+              <a:rPr lang="en-US" altLang="zh-CN" dirty="0" smtClean="0"/>
+              <a:t>DX, OpenGL?</a:t>
+            </a:r>
+          </a:p>
+          <a:p>
+            <a:r>
+              <a:rPr lang="en-US" altLang="zh-CN" dirty="0" smtClean="0"/>
+              <a:t>MMX/SSE</a:t>
+            </a:r>
+            <a:r>
+              <a:rPr lang="zh-CN" altLang="en-US" dirty="0" smtClean="0"/>
+              <a:t>指令集加速</a:t>
+            </a:r>
+            <a:endParaRPr lang="en-US" altLang="zh-CN" dirty="0" smtClean="0"/>
+          </a:p>
+          <a:p>
+            <a:r>
+              <a:rPr lang="zh-CN" altLang="en-US" dirty="0" smtClean="0"/>
+              <a:t>尽量平台独立</a:t>
+            </a:r>
+            <a:endParaRPr lang="en-US" altLang="zh-CN" dirty="0" smtClean="0"/>
+          </a:p>
+          <a:p>
+            <a:endParaRPr lang="en-US" altLang="zh-CN" dirty="0"/>
+          </a:p>
+          <a:p>
+            <a:r>
+              <a:rPr lang="en-US" altLang="zh-CN" dirty="0" smtClean="0"/>
+              <a:t>????</a:t>
+            </a:r>
+            <a:endParaRPr lang="zh-CN" altLang="en-US" dirty="0"/>
+          </a:p>
+        </p:txBody>
+      </p:sp>
+      <p:sp>
+        <p:nvSpPr>
+          <p:cNvPr id="5" name="文本占位符 4"/>
+          <p:cNvSpPr>
+            <a:spLocks noGrp="1"/>
+          </p:cNvSpPr>
+          <p:nvPr>
+            <p:ph type="body" sz="quarter" idx="3"/>
+          </p:nvPr>
+        </p:nvSpPr>
+        <p:spPr/>
+        <p:txBody>
+          <a:bodyPr/>
+          <a:lstStyle/>
+          <a:p>
+            <a:r>
+              <a:rPr lang="en-US" altLang="zh-CN" dirty="0" err="1" smtClean="0"/>
+              <a:t>Qt</a:t>
+            </a:r>
+            <a:endParaRPr lang="zh-CN" altLang="en-US" dirty="0"/>
+          </a:p>
+        </p:txBody>
+      </p:sp>
+      <p:sp>
+        <p:nvSpPr>
+          <p:cNvPr id="6" name="内容占位符 5"/>
+          <p:cNvSpPr>
+            <a:spLocks noGrp="1"/>
+          </p:cNvSpPr>
+          <p:nvPr>
+            <p:ph sz="quarter" idx="4"/>
+          </p:nvPr>
+        </p:nvSpPr>
+        <p:spPr/>
+        <p:txBody>
+          <a:bodyPr/>
+          <a:lstStyle/>
+          <a:p>
+            <a:pPr marL="0" indent="0">
+              <a:buNone/>
+            </a:pPr>
+            <a:endParaRPr lang="en-US" altLang="zh-CN" dirty="0" smtClean="0"/>
+          </a:p>
+          <a:p>
+            <a:pPr marL="0" indent="0">
+              <a:buNone/>
+            </a:pPr>
+            <a:endParaRPr lang="en-US" altLang="zh-CN" dirty="0"/>
+          </a:p>
+          <a:p>
+            <a:pPr marL="0" indent="0">
+              <a:buNone/>
+            </a:pPr>
+            <a:endParaRPr lang="zh-CN" altLang="en-US" dirty="0"/>
+          </a:p>
+        </p:txBody>
+      </p:sp>
+      <p:pic>
+        <p:nvPicPr>
+          <p:cNvPr id="9" name="图片 8"/>
+          <p:cNvPicPr>
+            <a:picLocks noChangeAspect="1"/>
+          </p:cNvPicPr>
+          <p:nvPr/>
+        </p:nvPicPr>
+        <p:blipFill>
+          <a:blip r:embed="rId2">
+            <a:extLst>
+              <a:ext uri="{28A0092B-C50C-407E-A947-70E740481C1C}">
+                <a14:useLocalDpi xmlns:a14="http://schemas.microsoft.com/office/drawing/2010/main" val="0"/>
+              </a:ext>
+            </a:extLst>
+          </a:blip>
+          <a:stretch>
+            <a:fillRect/>
+          </a:stretch>
+        </p:blipFill>
+        <p:spPr>
+          <a:xfrm>
+            <a:off x="6172200" y="2547144"/>
+            <a:ext cx="4714875" cy="657225"/>
+          </a:xfrm>
+          <a:prstGeom prst="rect">
+            <a:avLst/>
+          </a:prstGeom>
+        </p:spPr>
+      </p:pic>
+      <p:graphicFrame>
+        <p:nvGraphicFramePr>
+          <p:cNvPr id="10" name="表格 9"/>
+          <p:cNvGraphicFramePr>
+            <a:graphicFrameLocks noGrp="1"/>
+          </p:cNvGraphicFramePr>
+          <p:nvPr/>
+        </p:nvGraphicFramePr>
+        <p:xfrm>
+          <a:off x="6263842" y="3605689"/>
+          <a:ext cx="4844040" cy="2519740"/>
+        </p:xfrm>
+        <a:graphic>
+          <a:graphicData uri="http://schemas.openxmlformats.org/drawingml/2006/table">
+            <a:tbl>
+              <a:tblPr firstRow="1" bandRow="1">
+                <a:tableStyleId>{5C22544A-7EE6-4342-B048-85BDC9FD1C3A}</a:tableStyleId>
+              </a:tblPr>
+              <a:tblGrid>
+                <a:gridCol w="2422020"/>
+                <a:gridCol w="2422020"/>
+              </a:tblGrid>
+              <a:tr h="503948">
+                <a:tc>
+                  <a:txBody>
+                    <a:bodyPr/>
+                    <a:lstStyle/>
+                    <a:p>
+                      <a:pPr algn="l" fontAlgn="t"/>
+                      <a:r>
+                        <a:rPr lang="en-US" b="0" dirty="0" smtClean="0">
+                          <a:effectLst/>
+                          <a:latin typeface="Open Sans"/>
+                        </a:rPr>
+                        <a:t>Platform</a:t>
+                      </a:r>
+                      <a:endParaRPr lang="en-US" b="0" dirty="0">
+                        <a:effectLst/>
+                        <a:latin typeface="Open Sans"/>
+                      </a:endParaRPr>
+                    </a:p>
+                  </a:txBody>
+                  <a:tcPr marL="95250" marR="95250" marT="28575" marB="28575"/>
+                </a:tc>
+                <a:tc>
+                  <a:txBody>
+                    <a:bodyPr/>
+                    <a:lstStyle/>
+                    <a:p>
+                      <a:pPr algn="l" fontAlgn="t"/>
+                      <a:r>
+                        <a:rPr lang="en-US" b="0" dirty="0" smtClean="0">
+                          <a:effectLst/>
+                          <a:latin typeface="Open Sans"/>
+                        </a:rPr>
+                        <a:t>Backend</a:t>
+                      </a:r>
+                      <a:endParaRPr lang="en-US" b="0" dirty="0">
+                        <a:effectLst/>
+                        <a:latin typeface="Open Sans"/>
+                      </a:endParaRPr>
+                    </a:p>
+                  </a:txBody>
+                  <a:tcPr marL="95250" marR="95250" marT="28575" marB="28575"/>
+                </a:tc>
+              </a:tr>
+              <a:tr h="503948">
+                <a:tc>
+                  <a:txBody>
+                    <a:bodyPr/>
+                    <a:lstStyle/>
+                    <a:p>
+                      <a:pPr algn="l" fontAlgn="t"/>
+                      <a:r>
+                        <a:rPr lang="en-US" b="0" dirty="0">
+                          <a:effectLst/>
+                          <a:latin typeface="Open Sans"/>
+                        </a:rPr>
+                        <a:t>Windows</a:t>
+                      </a:r>
+                    </a:p>
+                  </a:txBody>
+                  <a:tcPr marL="95250" marR="95250" marT="28575" marB="28575"/>
+                </a:tc>
+                <a:tc>
+                  <a:txBody>
+                    <a:bodyPr/>
+                    <a:lstStyle/>
+                    <a:p>
+                      <a:pPr algn="l" fontAlgn="t"/>
+                      <a:r>
+                        <a:rPr lang="en-US" b="0" dirty="0">
+                          <a:effectLst/>
+                          <a:latin typeface="Open Sans"/>
+                        </a:rPr>
+                        <a:t>Software Rasterizer</a:t>
+                      </a:r>
+                    </a:p>
+                  </a:txBody>
+                  <a:tcPr marL="95250" marR="95250" marT="28575" marB="28575"/>
+                </a:tc>
+              </a:tr>
+              <a:tr h="503948">
+                <a:tc>
+                  <a:txBody>
+                    <a:bodyPr/>
+                    <a:lstStyle/>
+                    <a:p>
+                      <a:pPr algn="l" fontAlgn="t"/>
+                      <a:r>
+                        <a:rPr lang="en-US" b="0" dirty="0" err="1">
+                          <a:effectLst/>
+                          <a:latin typeface="Open Sans"/>
+                        </a:rPr>
+                        <a:t>X11</a:t>
+                      </a:r>
+                      <a:endParaRPr lang="en-US" b="0" dirty="0">
+                        <a:effectLst/>
+                        <a:latin typeface="Open Sans"/>
+                      </a:endParaRPr>
+                    </a:p>
+                  </a:txBody>
+                  <a:tcPr marL="95250" marR="95250" marT="28575" marB="28575"/>
+                </a:tc>
+                <a:tc>
+                  <a:txBody>
+                    <a:bodyPr/>
+                    <a:lstStyle/>
+                    <a:p>
+                      <a:pPr algn="l" fontAlgn="t"/>
+                      <a:r>
+                        <a:rPr lang="en-US" b="0" dirty="0" err="1">
+                          <a:effectLst/>
+                          <a:latin typeface="Open Sans"/>
+                        </a:rPr>
+                        <a:t>X11</a:t>
+                      </a:r>
+                      <a:endParaRPr lang="en-US" b="0" dirty="0">
+                        <a:effectLst/>
+                        <a:latin typeface="Open Sans"/>
+                      </a:endParaRPr>
+                    </a:p>
+                  </a:txBody>
+                  <a:tcPr marL="95250" marR="95250" marT="28575" marB="28575"/>
+                </a:tc>
+              </a:tr>
+              <a:tr h="503948">
+                <a:tc>
+                  <a:txBody>
+                    <a:bodyPr/>
+                    <a:lstStyle/>
+                    <a:p>
+                      <a:pPr algn="l" fontAlgn="t"/>
+                      <a:r>
+                        <a:rPr lang="en-US" b="0" dirty="0">
+                          <a:effectLst/>
+                          <a:latin typeface="Open Sans"/>
+                        </a:rPr>
+                        <a:t>Mac OS X</a:t>
+                      </a:r>
+                    </a:p>
+                  </a:txBody>
+                  <a:tcPr marL="95250" marR="95250" marT="28575" marB="28575"/>
+                </a:tc>
+                <a:tc>
+                  <a:txBody>
+                    <a:bodyPr/>
+                    <a:lstStyle/>
+                    <a:p>
+                      <a:pPr algn="l" fontAlgn="t"/>
+                      <a:r>
+                        <a:rPr lang="en-US" b="0" dirty="0" err="1">
+                          <a:effectLst/>
+                          <a:latin typeface="Open Sans"/>
+                        </a:rPr>
+                        <a:t>CoreGraphics</a:t>
+                      </a:r>
+                      <a:endParaRPr lang="en-US" b="0" dirty="0">
+                        <a:effectLst/>
+                        <a:latin typeface="Open Sans"/>
+                      </a:endParaRPr>
+                    </a:p>
+                  </a:txBody>
+                  <a:tcPr marL="95250" marR="95250" marT="28575" marB="28575"/>
+                </a:tc>
+              </a:tr>
+              <a:tr h="503948">
+                <a:tc>
+                  <a:txBody>
+                    <a:bodyPr/>
+                    <a:lstStyle/>
+                    <a:p>
+                      <a:pPr algn="l" fontAlgn="t"/>
+                      <a:r>
+                        <a:rPr lang="en-US" b="0" dirty="0">
+                          <a:effectLst/>
+                          <a:latin typeface="Open Sans"/>
+                        </a:rPr>
+                        <a:t>Embedded</a:t>
+                      </a:r>
+                    </a:p>
+                  </a:txBody>
+                  <a:tcPr marL="95250" marR="95250" marT="28575" marB="28575"/>
+                </a:tc>
+                <a:tc>
+                  <a:txBody>
+                    <a:bodyPr/>
+                    <a:lstStyle/>
+                    <a:p>
+                      <a:pPr algn="l" fontAlgn="t"/>
+                      <a:r>
+                        <a:rPr lang="en-US" b="0" dirty="0">
+                          <a:effectLst/>
+                          <a:latin typeface="Open Sans"/>
+                        </a:rPr>
+                        <a:t>Software Rasterizer</a:t>
+                      </a:r>
+                    </a:p>
+                  </a:txBody>
+                  <a:tcPr marL="95250" marR="95250" marT="28575" marB="28575"/>
+                </a:tc>
+              </a:tr>
+            </a:tbl>
+          </a:graphicData>
+        </a:graphic>
+      </p:graphicFrame>
+    </p:spTree>
+    <p:extLst>
+      <p:ext uri="{BB962C8B-B14F-4D97-AF65-F5344CB8AC3E}">
+        <p14:creationId xmlns:p14="http://schemas.microsoft.com/office/powerpoint/2010/main" val="1480859960"/>
+      </p:ext>
+    </p:extLst>
+  </p:cSld>
+  <p:clrMapOvr>
+    <a:masterClrMapping/>
+  </p:clrMapOvr>
+  <p:timing>
+    <p:tnLst>
+      <p:par>
+        <p:cTn id="1" dur="indefinite" restart="never" nodeType="tmRoot"/>
+      </p:par>
+    </p:tnLst>
+  </p:timing>
+</p:sld>
+</file>
+
+<file path=ppt/slides/slide15.xml><?xml version="1.0" encoding="utf-8"?>
+<p:sld xmlns:a="http://schemas.openxmlformats.org/drawingml/2006/main" xmlns:r="http://schemas.openxmlformats.org/officeDocument/2006/relationships" xmlns:p="http://schemas.openxmlformats.org/presentationml/2006/main">
+  <p:cSld>
+    <p:spTree>
+      <p:nvGrpSpPr>
+        <p:cNvPr id="1" name=""/>
+        <p:cNvGrpSpPr/>
+        <p:nvPr/>
+      </p:nvGrpSpPr>
+      <p:grpSpPr>
+        <a:xfrm>
+          <a:off x="0" y="0"/>
+          <a:ext cx="0" cy="0"/>
+          <a:chOff x="0" y="0"/>
+          <a:chExt cx="0" cy="0"/>
+        </a:xfrm>
+      </p:grpSpPr>
+      <p:sp>
+        <p:nvSpPr>
+          <p:cNvPr id="2" name="标题 1"/>
+          <p:cNvSpPr>
+            <a:spLocks noGrp="1"/>
+          </p:cNvSpPr>
+          <p:nvPr>
+            <p:ph type="title"/>
+          </p:nvPr>
+        </p:nvSpPr>
+        <p:spPr/>
+        <p:txBody>
+          <a:bodyPr/>
+          <a:lstStyle/>
+          <a:p>
+            <a:r>
+              <a:rPr lang="zh-CN" altLang="en-US" dirty="0" smtClean="0"/>
+              <a:t>消息循环</a:t>
+            </a:r>
+            <a:endParaRPr lang="zh-CN" altLang="en-US" dirty="0"/>
+          </a:p>
+        </p:txBody>
+      </p:sp>
+      <p:sp>
+        <p:nvSpPr>
+          <p:cNvPr id="3" name="文本占位符 2"/>
+          <p:cNvSpPr>
+            <a:spLocks noGrp="1"/>
+          </p:cNvSpPr>
+          <p:nvPr>
+            <p:ph type="body" idx="1"/>
+          </p:nvPr>
+        </p:nvSpPr>
+        <p:spPr/>
+        <p:txBody>
+          <a:bodyPr/>
+          <a:lstStyle/>
+          <a:p>
+            <a:r>
+              <a:rPr lang="en-US" altLang="zh-CN" dirty="0" smtClean="0"/>
+              <a:t>Bolt</a:t>
+            </a:r>
+            <a:endParaRPr lang="zh-CN" altLang="en-US" dirty="0"/>
+          </a:p>
+        </p:txBody>
+      </p:sp>
+      <p:sp>
+        <p:nvSpPr>
+          <p:cNvPr id="4" name="内容占位符 3"/>
+          <p:cNvSpPr>
+            <a:spLocks noGrp="1"/>
+          </p:cNvSpPr>
+          <p:nvPr>
+            <p:ph sz="half" idx="2"/>
+          </p:nvPr>
+        </p:nvSpPr>
+        <p:spPr/>
+        <p:txBody>
+          <a:bodyPr/>
+          <a:lstStyle/>
+          <a:p>
+            <a:r>
+              <a:rPr lang="zh-CN" altLang="en-US" dirty="0"/>
+              <a:t>窗口</a:t>
+            </a:r>
+            <a:r>
+              <a:rPr lang="zh-CN" altLang="en-US" dirty="0" smtClean="0"/>
+              <a:t>消息循环不提供访问</a:t>
+            </a:r>
+            <a:endParaRPr lang="en-US" altLang="zh-CN" dirty="0"/>
+          </a:p>
+          <a:p>
+            <a:endParaRPr lang="en-US" altLang="zh-CN" dirty="0" smtClean="0"/>
+          </a:p>
+          <a:p>
+            <a:r>
+              <a:rPr lang="en-US" altLang="zh-CN" dirty="0" smtClean="0"/>
+              <a:t>????</a:t>
+            </a:r>
+            <a:endParaRPr lang="zh-CN" altLang="en-US" dirty="0"/>
+          </a:p>
+        </p:txBody>
+      </p:sp>
+      <p:sp>
+        <p:nvSpPr>
+          <p:cNvPr id="5" name="文本占位符 4"/>
+          <p:cNvSpPr>
+            <a:spLocks noGrp="1"/>
+          </p:cNvSpPr>
+          <p:nvPr>
+            <p:ph type="body" sz="quarter" idx="3"/>
+          </p:nvPr>
+        </p:nvSpPr>
+        <p:spPr/>
+        <p:txBody>
+          <a:bodyPr/>
+          <a:lstStyle/>
+          <a:p>
+            <a:r>
+              <a:rPr lang="en-US" altLang="zh-CN" dirty="0" err="1" smtClean="0"/>
+              <a:t>Qt</a:t>
+            </a:r>
+            <a:endParaRPr lang="zh-CN" altLang="en-US" dirty="0"/>
+          </a:p>
+        </p:txBody>
+      </p:sp>
+      <p:sp>
+        <p:nvSpPr>
+          <p:cNvPr id="6" name="内容占位符 5"/>
+          <p:cNvSpPr>
+            <a:spLocks noGrp="1"/>
+          </p:cNvSpPr>
+          <p:nvPr>
+            <p:ph sz="quarter" idx="4"/>
+          </p:nvPr>
+        </p:nvSpPr>
+        <p:spPr/>
+        <p:txBody>
+          <a:bodyPr/>
+          <a:lstStyle/>
+          <a:p>
+            <a:r>
+              <a:rPr lang="zh-CN" altLang="en-US" dirty="0" smtClean="0"/>
+              <a:t>封装消息循环</a:t>
+            </a:r>
+            <a:r>
+              <a:rPr lang="en-US" altLang="zh-CN" dirty="0" smtClean="0"/>
+              <a:t>, </a:t>
+            </a:r>
+            <a:r>
+              <a:rPr lang="zh-CN" altLang="en-US" dirty="0" smtClean="0"/>
+              <a:t>在</a:t>
+            </a:r>
+            <a:r>
+              <a:rPr lang="en-US" altLang="zh-CN" dirty="0" err="1" smtClean="0"/>
+              <a:t>Qt</a:t>
+            </a:r>
+            <a:r>
+              <a:rPr lang="zh-CN" altLang="en-US" dirty="0" smtClean="0"/>
+              <a:t>层截获和发送消息</a:t>
+            </a:r>
+            <a:endParaRPr lang="en-US" altLang="zh-CN" dirty="0"/>
+          </a:p>
+          <a:p>
+            <a:r>
+              <a:rPr lang="en-US" altLang="zh-CN" dirty="0" smtClean="0"/>
+              <a:t>Meta-Object System</a:t>
+            </a:r>
+          </a:p>
+          <a:p>
+            <a:r>
+              <a:rPr lang="en-US" altLang="zh-CN" dirty="0" smtClean="0"/>
+              <a:t>Event loop</a:t>
+            </a:r>
+          </a:p>
+          <a:p>
+            <a:r>
+              <a:rPr lang="en-US" altLang="zh-CN" dirty="0" smtClean="0"/>
+              <a:t>Signal-slot</a:t>
+            </a:r>
+            <a:endParaRPr lang="zh-CN" altLang="en-US" dirty="0"/>
+          </a:p>
+        </p:txBody>
+      </p:sp>
+    </p:spTree>
+    <p:extLst>
+      <p:ext uri="{BB962C8B-B14F-4D97-AF65-F5344CB8AC3E}">
+        <p14:creationId xmlns:p14="http://schemas.microsoft.com/office/powerpoint/2010/main" val="3320874518"/>
+      </p:ext>
+    </p:extLst>
+  </p:cSld>
+  <p:clrMapOvr>
+    <a:masterClrMapping/>
+  </p:clrMapOvr>
+  <p:timing>
+    <p:tnLst>
+      <p:par>
+        <p:cTn id="1" dur="indefinite" restart="never" nodeType="tmRoot"/>
+      </p:par>
+    </p:tnLst>
+  </p:timing>
+</p:sld>
+</file>
+
+<file path=ppt/slides/slide16.xml><?xml version="1.0" encoding="utf-8"?>
+<p:sld xmlns:a="http://schemas.openxmlformats.org/drawingml/2006/main" xmlns:r="http://schemas.openxmlformats.org/officeDocument/2006/relationships" xmlns:p="http://schemas.openxmlformats.org/presentationml/2006/main">
+  <p:cSld>
+    <p:spTree>
+      <p:nvGrpSpPr>
+        <p:cNvPr id="1" name=""/>
+        <p:cNvGrpSpPr/>
+        <p:nvPr/>
+      </p:nvGrpSpPr>
+      <p:grpSpPr>
+        <a:xfrm>
+          <a:off x="0" y="0"/>
+          <a:ext cx="0" cy="0"/>
+          <a:chOff x="0" y="0"/>
+          <a:chExt cx="0" cy="0"/>
+        </a:xfrm>
+      </p:grpSpPr>
+      <p:sp>
+        <p:nvSpPr>
+          <p:cNvPr id="2" name="标题 1"/>
+          <p:cNvSpPr>
+            <a:spLocks noGrp="1"/>
+          </p:cNvSpPr>
+          <p:nvPr>
+            <p:ph type="title"/>
+          </p:nvPr>
+        </p:nvSpPr>
+        <p:spPr/>
+        <p:txBody>
+          <a:bodyPr/>
+          <a:lstStyle/>
+          <a:p>
+            <a:r>
+              <a:rPr lang="en-US" altLang="zh-CN" dirty="0" err="1" smtClean="0"/>
+              <a:t>Qt</a:t>
+            </a:r>
+            <a:r>
+              <a:rPr lang="en-US" altLang="zh-CN" dirty="0" smtClean="0"/>
+              <a:t> – Meta-Object System</a:t>
+            </a:r>
+            <a:endParaRPr lang="zh-CN" altLang="en-US" dirty="0"/>
+          </a:p>
+        </p:txBody>
+      </p:sp>
+      <p:sp>
+        <p:nvSpPr>
+          <p:cNvPr id="3" name="内容占位符 2"/>
+          <p:cNvSpPr>
+            <a:spLocks noGrp="1"/>
+          </p:cNvSpPr>
+          <p:nvPr>
+            <p:ph idx="1"/>
+          </p:nvPr>
+        </p:nvSpPr>
+        <p:spPr/>
+        <p:txBody>
+          <a:bodyPr/>
+          <a:lstStyle/>
+          <a:p>
+            <a:r>
+              <a:rPr lang="en-US" altLang="zh-CN" dirty="0" err="1" smtClean="0"/>
+              <a:t>QObject</a:t>
+            </a:r>
+            <a:r>
+              <a:rPr lang="en-US" altLang="zh-CN" dirty="0" smtClean="0"/>
+              <a:t> </a:t>
+            </a:r>
+            <a:r>
+              <a:rPr lang="zh-CN" altLang="en-US" dirty="0" smtClean="0"/>
+              <a:t>基类</a:t>
+            </a:r>
+            <a:endParaRPr lang="en-US" altLang="zh-CN" dirty="0" smtClean="0"/>
+          </a:p>
+          <a:p>
+            <a:r>
+              <a:rPr lang="en-US" altLang="zh-CN" dirty="0" err="1" smtClean="0"/>
+              <a:t>Q_OBJECT</a:t>
+            </a:r>
+            <a:r>
+              <a:rPr lang="zh-CN" altLang="en-US" dirty="0" smtClean="0"/>
+              <a:t>宏</a:t>
+            </a:r>
+            <a:endParaRPr lang="en-US" altLang="zh-CN" dirty="0" smtClean="0"/>
+          </a:p>
+          <a:p>
+            <a:r>
+              <a:rPr lang="en-US" altLang="zh-CN" dirty="0" err="1" smtClean="0"/>
+              <a:t>Moc</a:t>
+            </a:r>
+            <a:endParaRPr lang="en-US" altLang="zh-CN" dirty="0" smtClean="0"/>
+          </a:p>
+          <a:p>
+            <a:r>
+              <a:rPr lang="zh-CN" altLang="en-US" dirty="0"/>
+              <a:t>看</a:t>
+            </a:r>
+            <a:r>
+              <a:rPr lang="zh-CN" altLang="en-US" dirty="0" smtClean="0"/>
+              <a:t>下生成代码</a:t>
+            </a:r>
+            <a:r>
+              <a:rPr lang="en-US" altLang="zh-CN" dirty="0" err="1"/>
+              <a:t>qt_metacall</a:t>
+            </a:r>
+            <a:endParaRPr lang="en-US" altLang="zh-CN" dirty="0" smtClean="0"/>
+          </a:p>
+          <a:p>
+            <a:r>
+              <a:rPr lang="en-US" altLang="zh-CN" dirty="0" smtClean="0"/>
+              <a:t>/</a:t>
+            </a:r>
+            <a:r>
+              <a:rPr lang="en-US" altLang="zh-CN" dirty="0" err="1" smtClean="0"/>
+              <a:t>sa</a:t>
+            </a:r>
+            <a:r>
+              <a:rPr lang="en-US" altLang="zh-CN" dirty="0" smtClean="0"/>
+              <a:t> </a:t>
+            </a:r>
+            <a:r>
+              <a:rPr lang="en-US" altLang="zh-CN" dirty="0">
+                <a:hlinkClick r:id="rId2"/>
+              </a:rPr>
+              <a:t>http://</a:t>
+            </a:r>
+            <a:r>
+              <a:rPr lang="en-US" altLang="zh-CN" dirty="0" err="1">
+                <a:hlinkClick r:id="rId2"/>
+              </a:rPr>
+              <a:t>qt-project.org</a:t>
+            </a:r>
+            <a:r>
+              <a:rPr lang="en-US" altLang="zh-CN" dirty="0">
+                <a:hlinkClick r:id="rId2"/>
+              </a:rPr>
+              <a:t>/doc/</a:t>
+            </a:r>
+            <a:r>
+              <a:rPr lang="en-US" altLang="zh-CN" dirty="0" err="1">
+                <a:hlinkClick r:id="rId2"/>
+              </a:rPr>
+              <a:t>qt</a:t>
+            </a:r>
+            <a:r>
+              <a:rPr lang="en-US" altLang="zh-CN" dirty="0">
+                <a:hlinkClick r:id="rId2"/>
+              </a:rPr>
+              <a:t>-4.8/</a:t>
+            </a:r>
+            <a:r>
+              <a:rPr lang="en-US" altLang="zh-CN" dirty="0" err="1">
+                <a:hlinkClick r:id="rId2"/>
+              </a:rPr>
+              <a:t>metaobjects.html#meta-object-system</a:t>
+            </a:r>
+            <a:endParaRPr lang="zh-CN" altLang="en-US" dirty="0"/>
+          </a:p>
+        </p:txBody>
+      </p:sp>
+    </p:spTree>
+    <p:extLst>
+      <p:ext uri="{BB962C8B-B14F-4D97-AF65-F5344CB8AC3E}">
+        <p14:creationId xmlns:p14="http://schemas.microsoft.com/office/powerpoint/2010/main" val="2120972986"/>
+      </p:ext>
+    </p:extLst>
+  </p:cSld>
+  <p:clrMapOvr>
+    <a:masterClrMapping/>
+  </p:clrMapOvr>
+</p:sld>
+</file>
+
+<file path=ppt/slides/slide17.xml><?xml version="1.0" encoding="utf-8"?>
+<p:sld xmlns:a="http://schemas.openxmlformats.org/drawingml/2006/main" xmlns:r="http://schemas.openxmlformats.org/officeDocument/2006/relationships" xmlns:p="http://schemas.openxmlformats.org/presentationml/2006/main">
+  <p:cSld>
+    <p:spTree>
+      <p:nvGrpSpPr>
+        <p:cNvPr id="1" name=""/>
+        <p:cNvGrpSpPr/>
+        <p:nvPr/>
+      </p:nvGrpSpPr>
+      <p:grpSpPr>
+        <a:xfrm>
+          <a:off x="0" y="0"/>
+          <a:ext cx="0" cy="0"/>
+          <a:chOff x="0" y="0"/>
+          <a:chExt cx="0" cy="0"/>
+        </a:xfrm>
+      </p:grpSpPr>
+      <p:sp>
+        <p:nvSpPr>
+          <p:cNvPr id="2" name="标题 1"/>
+          <p:cNvSpPr>
+            <a:spLocks noGrp="1"/>
+          </p:cNvSpPr>
+          <p:nvPr>
+            <p:ph type="title"/>
+          </p:nvPr>
+        </p:nvSpPr>
+        <p:spPr/>
+        <p:txBody>
+          <a:bodyPr/>
+          <a:lstStyle/>
+          <a:p>
+            <a:r>
+              <a:rPr lang="en-US" altLang="zh-CN" dirty="0" err="1" smtClean="0"/>
+              <a:t>Qt</a:t>
+            </a:r>
+            <a:r>
+              <a:rPr lang="en-US" altLang="zh-CN" dirty="0" smtClean="0"/>
+              <a:t> – Signal-Slot</a:t>
+            </a:r>
+            <a:endParaRPr lang="zh-CN" altLang="en-US" dirty="0"/>
+          </a:p>
+        </p:txBody>
+      </p:sp>
+      <p:sp>
+        <p:nvSpPr>
+          <p:cNvPr id="3" name="内容占位符 2"/>
+          <p:cNvSpPr>
+            <a:spLocks noGrp="1"/>
+          </p:cNvSpPr>
+          <p:nvPr>
+            <p:ph idx="1"/>
+          </p:nvPr>
+        </p:nvSpPr>
+        <p:spPr/>
+        <p:txBody>
+          <a:bodyPr/>
+          <a:lstStyle/>
+          <a:p>
+            <a:r>
+              <a:rPr lang="en-US" altLang="zh-CN" dirty="0" smtClean="0"/>
+              <a:t>Connect(sender, SIGNAL(</a:t>
+            </a:r>
+            <a:r>
+              <a:rPr lang="en-US" altLang="zh-CN" dirty="0" err="1" smtClean="0"/>
+              <a:t>signalMethod</a:t>
+            </a:r>
+            <a:r>
+              <a:rPr lang="en-US" altLang="zh-CN" dirty="0" smtClean="0"/>
+              <a:t>()), receiver, SLOT(</a:t>
+            </a:r>
+            <a:r>
+              <a:rPr lang="en-US" altLang="zh-CN" dirty="0" err="1" smtClean="0"/>
+              <a:t>slotMethod</a:t>
+            </a:r>
+            <a:r>
+              <a:rPr lang="en-US" altLang="zh-CN" dirty="0" smtClean="0"/>
+              <a:t>())) </a:t>
+            </a:r>
+            <a:r>
+              <a:rPr lang="en-US" altLang="zh-CN" dirty="0" smtClean="0">
+                <a:sym typeface="Wingdings" panose="05000000000000000000" pitchFamily="2" charset="2"/>
+              </a:rPr>
+              <a:t> </a:t>
+            </a:r>
+            <a:r>
+              <a:rPr lang="en-US" altLang="zh-CN" dirty="0" err="1" smtClean="0">
+                <a:sym typeface="Wingdings" panose="05000000000000000000" pitchFamily="2" charset="2"/>
+              </a:rPr>
+              <a:t>QMetaObject</a:t>
+            </a:r>
+            <a:r>
+              <a:rPr lang="en-US" altLang="zh-CN" dirty="0" smtClean="0">
+                <a:sym typeface="Wingdings" panose="05000000000000000000" pitchFamily="2" charset="2"/>
+              </a:rPr>
+              <a:t>::connect()</a:t>
+            </a:r>
+            <a:endParaRPr lang="en-US" altLang="zh-CN" dirty="0" smtClean="0"/>
+          </a:p>
+          <a:p>
+            <a:r>
+              <a:rPr lang="en-US" altLang="zh-CN" dirty="0" smtClean="0"/>
+              <a:t>emit </a:t>
+            </a:r>
+            <a:r>
+              <a:rPr lang="en-US" altLang="zh-CN" dirty="0" err="1" smtClean="0"/>
+              <a:t>signalMethod</a:t>
+            </a:r>
+            <a:r>
+              <a:rPr lang="en-US" altLang="zh-CN" dirty="0" smtClean="0"/>
+              <a:t> </a:t>
+            </a:r>
+            <a:r>
+              <a:rPr lang="en-US" altLang="zh-CN" dirty="0" smtClean="0">
+                <a:sym typeface="Wingdings" panose="05000000000000000000" pitchFamily="2" charset="2"/>
+              </a:rPr>
+              <a:t> </a:t>
+            </a:r>
+            <a:r>
+              <a:rPr lang="en-US" altLang="zh-CN" dirty="0" err="1" smtClean="0"/>
+              <a:t>Moc</a:t>
+            </a:r>
+            <a:r>
+              <a:rPr lang="en-US" altLang="zh-CN" dirty="0" smtClean="0"/>
+              <a:t>, </a:t>
+            </a:r>
+            <a:r>
+              <a:rPr lang="en-US" altLang="zh-CN" dirty="0" err="1" smtClean="0"/>
+              <a:t>qt_metacall</a:t>
+            </a:r>
+            <a:r>
+              <a:rPr lang="en-US" altLang="zh-CN" dirty="0" smtClean="0"/>
+              <a:t>()</a:t>
+            </a:r>
+          </a:p>
+          <a:p>
+            <a:r>
+              <a:rPr lang="en-US" altLang="zh-CN" dirty="0" err="1" smtClean="0"/>
+              <a:t>DirectConnection</a:t>
+            </a:r>
+            <a:r>
+              <a:rPr lang="en-US" altLang="zh-CN" dirty="0" smtClean="0"/>
+              <a:t>, </a:t>
+            </a:r>
+            <a:r>
+              <a:rPr lang="en-US" altLang="zh-CN" dirty="0" err="1" smtClean="0"/>
+              <a:t>QueuedConnection</a:t>
+            </a:r>
+            <a:r>
+              <a:rPr lang="zh-CN" altLang="en-US" dirty="0" smtClean="0"/>
+              <a:t>区别</a:t>
+            </a:r>
+            <a:r>
+              <a:rPr lang="en-US" altLang="zh-CN" dirty="0" smtClean="0"/>
+              <a:t>, </a:t>
+            </a:r>
+            <a:r>
+              <a:rPr lang="zh-CN" altLang="en-US" dirty="0" smtClean="0"/>
+              <a:t>跨线程消息传递</a:t>
+            </a:r>
+            <a:endParaRPr lang="en-US" altLang="zh-CN" dirty="0" smtClean="0"/>
+          </a:p>
+          <a:p>
+            <a:r>
+              <a:rPr lang="zh-CN" altLang="en-US" dirty="0" smtClean="0"/>
+              <a:t>用户代码 </a:t>
+            </a:r>
+            <a:r>
+              <a:rPr lang="en-US" altLang="zh-CN" dirty="0" smtClean="0">
+                <a:sym typeface="Wingdings" panose="05000000000000000000" pitchFamily="2" charset="2"/>
+              </a:rPr>
+              <a:t> </a:t>
+            </a:r>
+            <a:r>
+              <a:rPr lang="zh-CN" altLang="en-US" dirty="0" smtClean="0">
+                <a:sym typeface="Wingdings" panose="05000000000000000000" pitchFamily="2" charset="2"/>
+              </a:rPr>
+              <a:t>元对象的实现</a:t>
+            </a:r>
+            <a:endParaRPr lang="zh-CN" altLang="en-US" dirty="0"/>
+          </a:p>
+        </p:txBody>
+      </p:sp>
+    </p:spTree>
+    <p:extLst>
+      <p:ext uri="{BB962C8B-B14F-4D97-AF65-F5344CB8AC3E}">
+        <p14:creationId xmlns:p14="http://schemas.microsoft.com/office/powerpoint/2010/main" val="3120494392"/>
+      </p:ext>
+    </p:extLst>
+  </p:cSld>
+  <p:clrMapOvr>
+    <a:masterClrMapping/>
+  </p:clrMapOvr>
+</p:sld>
+</file>
+
+<file path=ppt/slides/slide18.xml><?xml version="1.0" encoding="utf-8"?>
+<p:sld xmlns:a="http://schemas.openxmlformats.org/drawingml/2006/main" xmlns:r="http://schemas.openxmlformats.org/officeDocument/2006/relationships" xmlns:p="http://schemas.openxmlformats.org/presentationml/2006/main">
+  <p:cSld>
+    <p:spTree>
+      <p:nvGrpSpPr>
+        <p:cNvPr id="1" name=""/>
+        <p:cNvGrpSpPr/>
+        <p:nvPr/>
+      </p:nvGrpSpPr>
+      <p:grpSpPr>
+        <a:xfrm>
+          <a:off x="0" y="0"/>
+          <a:ext cx="0" cy="0"/>
+          <a:chOff x="0" y="0"/>
+          <a:chExt cx="0" cy="0"/>
+        </a:xfrm>
+      </p:grpSpPr>
+      <p:sp>
+        <p:nvSpPr>
+          <p:cNvPr id="2" name="标题 1"/>
+          <p:cNvSpPr>
+            <a:spLocks noGrp="1"/>
+          </p:cNvSpPr>
+          <p:nvPr>
+            <p:ph type="title"/>
+          </p:nvPr>
+        </p:nvSpPr>
+        <p:spPr/>
+        <p:txBody>
+          <a:bodyPr/>
+          <a:lstStyle/>
+          <a:p>
+            <a:r>
+              <a:rPr lang="en-US" altLang="zh-CN" dirty="0" err="1" smtClean="0"/>
+              <a:t>Qt</a:t>
+            </a:r>
+            <a:r>
+              <a:rPr lang="en-US" altLang="zh-CN" dirty="0" smtClean="0"/>
+              <a:t> – Event loop</a:t>
+            </a:r>
+            <a:endParaRPr lang="zh-CN" altLang="en-US" dirty="0"/>
+          </a:p>
+        </p:txBody>
+      </p:sp>
+      <p:sp>
+        <p:nvSpPr>
+          <p:cNvPr id="3" name="内容占位符 2"/>
+          <p:cNvSpPr>
+            <a:spLocks noGrp="1"/>
+          </p:cNvSpPr>
+          <p:nvPr>
+            <p:ph idx="1"/>
+          </p:nvPr>
+        </p:nvSpPr>
+        <p:spPr/>
+        <p:txBody>
+          <a:bodyPr/>
+          <a:lstStyle/>
+          <a:p>
+            <a:r>
+              <a:rPr lang="en-US" altLang="zh-CN" dirty="0" err="1" smtClean="0"/>
+              <a:t>QCoreApplication</a:t>
+            </a:r>
+            <a:r>
+              <a:rPr lang="en-US" altLang="zh-CN" dirty="0" smtClean="0"/>
+              <a:t>::exec(), </a:t>
+            </a:r>
+            <a:r>
+              <a:rPr lang="en-US" altLang="zh-CN" dirty="0" err="1" smtClean="0"/>
+              <a:t>QApplication</a:t>
+            </a:r>
+            <a:r>
+              <a:rPr lang="en-US" altLang="zh-CN" dirty="0" smtClean="0"/>
+              <a:t>::exec(), </a:t>
+            </a:r>
+            <a:r>
+              <a:rPr lang="en-US" altLang="zh-CN" dirty="0" err="1" smtClean="0"/>
+              <a:t>QThread</a:t>
+            </a:r>
+            <a:r>
+              <a:rPr lang="en-US" altLang="zh-CN" dirty="0" smtClean="0"/>
+              <a:t>::exec(), </a:t>
+            </a:r>
+            <a:r>
+              <a:rPr lang="en-US" altLang="zh-CN" dirty="0" err="1" smtClean="0"/>
+              <a:t>Qdialog</a:t>
+            </a:r>
+            <a:r>
+              <a:rPr lang="en-US" altLang="zh-CN" dirty="0" smtClean="0"/>
+              <a:t>::exec() (~</a:t>
+            </a:r>
+            <a:r>
+              <a:rPr lang="en-US" altLang="zh-CN" dirty="0" err="1" smtClean="0"/>
+              <a:t>WinProc</a:t>
+            </a:r>
+            <a:r>
+              <a:rPr lang="en-US" altLang="zh-CN" dirty="0" smtClean="0"/>
+              <a:t>)</a:t>
+            </a:r>
+          </a:p>
+          <a:p>
+            <a:r>
+              <a:rPr lang="zh-CN" altLang="en-US" dirty="0" smtClean="0"/>
+              <a:t>主事件循环</a:t>
+            </a:r>
+            <a:r>
+              <a:rPr lang="en-US" altLang="zh-CN" dirty="0" smtClean="0"/>
+              <a:t>, </a:t>
+            </a:r>
+            <a:r>
+              <a:rPr lang="zh-CN" altLang="en-US" dirty="0" smtClean="0"/>
+              <a:t>子事件循环</a:t>
+            </a:r>
+            <a:endParaRPr lang="en-US" altLang="zh-CN" dirty="0"/>
+          </a:p>
+          <a:p>
+            <a:r>
+              <a:rPr lang="en-US" altLang="zh-CN" dirty="0" err="1"/>
+              <a:t>WM_XXXXMessage</a:t>
+            </a:r>
+            <a:r>
+              <a:rPr lang="en-US" altLang="zh-CN" dirty="0"/>
+              <a:t> </a:t>
+            </a:r>
+            <a:r>
+              <a:rPr lang="en-US" altLang="zh-CN" dirty="0">
+                <a:sym typeface="Wingdings" panose="05000000000000000000" pitchFamily="2" charset="2"/>
+              </a:rPr>
+              <a:t> </a:t>
+            </a:r>
+            <a:r>
+              <a:rPr lang="en-US" altLang="zh-CN" dirty="0" err="1" smtClean="0">
+                <a:sym typeface="Wingdings" panose="05000000000000000000" pitchFamily="2" charset="2"/>
+              </a:rPr>
+              <a:t>QEvent</a:t>
+            </a:r>
+            <a:endParaRPr lang="en-US" altLang="zh-CN" dirty="0" smtClean="0"/>
+          </a:p>
+          <a:p>
+            <a:r>
+              <a:rPr lang="en-US" altLang="zh-CN" dirty="0" err="1" smtClean="0"/>
+              <a:t>WinProc</a:t>
+            </a:r>
+            <a:r>
+              <a:rPr lang="en-US" altLang="zh-CN" dirty="0" smtClean="0"/>
+              <a:t>() </a:t>
+            </a:r>
+            <a:r>
+              <a:rPr lang="en-US" altLang="zh-CN" dirty="0" smtClean="0">
+                <a:sym typeface="Wingdings" panose="05000000000000000000" pitchFamily="2" charset="2"/>
+              </a:rPr>
+              <a:t></a:t>
+            </a:r>
+            <a:r>
+              <a:rPr lang="zh-CN" altLang="en-US" dirty="0" smtClean="0"/>
+              <a:t> </a:t>
+            </a:r>
+            <a:r>
+              <a:rPr lang="en-US" altLang="zh-CN" dirty="0" err="1" smtClean="0"/>
+              <a:t>QtWinProc</a:t>
+            </a:r>
+            <a:r>
+              <a:rPr lang="en-US" altLang="zh-CN" dirty="0" smtClean="0"/>
+              <a:t>() </a:t>
+            </a:r>
+            <a:r>
+              <a:rPr lang="en-US" altLang="zh-CN" dirty="0" smtClean="0">
+                <a:sym typeface="Wingdings" panose="05000000000000000000" pitchFamily="2" charset="2"/>
+              </a:rPr>
+              <a:t> </a:t>
+            </a:r>
+            <a:r>
+              <a:rPr lang="en-US" altLang="zh-CN" dirty="0" err="1" smtClean="0"/>
+              <a:t>QEventDispatcherWin32</a:t>
+            </a:r>
+            <a:r>
+              <a:rPr lang="en-US" altLang="zh-CN" dirty="0"/>
+              <a:t>::</a:t>
+            </a:r>
+            <a:r>
+              <a:rPr lang="en-US" altLang="zh-CN" dirty="0" err="1" smtClean="0"/>
+              <a:t>processEvents</a:t>
+            </a:r>
+            <a:endParaRPr lang="en-US" altLang="zh-CN" dirty="0" smtClean="0"/>
+          </a:p>
+          <a:p>
+            <a:r>
+              <a:rPr lang="zh-CN" altLang="en-US" dirty="0" smtClean="0"/>
+              <a:t>窗口注册和创建的时机</a:t>
+            </a:r>
+            <a:endParaRPr lang="zh-CN" altLang="en-US" dirty="0"/>
+          </a:p>
+        </p:txBody>
+      </p:sp>
+    </p:spTree>
+    <p:extLst>
+      <p:ext uri="{BB962C8B-B14F-4D97-AF65-F5344CB8AC3E}">
+        <p14:creationId xmlns:p14="http://schemas.microsoft.com/office/powerpoint/2010/main" val="2984819659"/>
+      </p:ext>
+    </p:extLst>
+  </p:cSld>
+  <p:clrMapOvr>
+    <a:masterClrMapping/>
+  </p:clrMapOvr>
+</p:sld>
+</file>
+
+<file path=ppt/slides/slide19.xml><?xml version="1.0" encoding="utf-8"?>
+<p:sld xmlns:a="http://schemas.openxmlformats.org/drawingml/2006/main" xmlns:r="http://schemas.openxmlformats.org/officeDocument/2006/relationships" xmlns:p="http://schemas.openxmlformats.org/presentationml/2006/main">
+  <p:cSld>
+    <p:spTree>
+      <p:nvGrpSpPr>
+        <p:cNvPr id="1" name=""/>
+        <p:cNvGrpSpPr/>
+        <p:nvPr/>
+      </p:nvGrpSpPr>
+      <p:grpSpPr>
+        <a:xfrm>
+          <a:off x="0" y="0"/>
+          <a:ext cx="0" cy="0"/>
+          <a:chOff x="0" y="0"/>
+          <a:chExt cx="0" cy="0"/>
+        </a:xfrm>
+      </p:grpSpPr>
+      <p:sp>
+        <p:nvSpPr>
+          <p:cNvPr id="2" name="标题 1"/>
+          <p:cNvSpPr>
+            <a:spLocks noGrp="1"/>
+          </p:cNvSpPr>
+          <p:nvPr>
+            <p:ph type="title"/>
+          </p:nvPr>
+        </p:nvSpPr>
+        <p:spPr/>
+        <p:txBody>
+          <a:bodyPr/>
+          <a:lstStyle/>
+          <a:p>
+            <a:r>
+              <a:rPr lang="zh-CN" altLang="en-US" dirty="0" smtClean="0"/>
               <a:t>特效实现</a:t>
             </a:r>
             <a:endParaRPr lang="zh-CN" altLang="en-US" dirty="0"/>
@@ -3496,22 +5604,26 @@
           <a:p>
             <a:r>
               <a:rPr lang="zh-CN" altLang="en-US" dirty="0" smtClean="0"/>
-              <a:t>简单的位移两者差不多</a:t>
+              <a:t>位移特效</a:t>
             </a:r>
             <a:endParaRPr lang="en-US" altLang="zh-CN" dirty="0" smtClean="0"/>
           </a:p>
           <a:p>
             <a:r>
               <a:rPr lang="zh-CN" altLang="en-US" dirty="0" smtClean="0"/>
-              <a:t>特效</a:t>
-            </a:r>
-            <a:r>
-              <a:rPr lang="en-US" altLang="zh-CN" dirty="0" smtClean="0"/>
-              <a:t>, BXF</a:t>
-            </a:r>
-            <a:r>
-              <a:rPr lang="zh-CN" altLang="en-US" dirty="0" smtClean="0"/>
-              <a:t>扩展</a:t>
+              <a:t>渲染特效</a:t>
+            </a:r>
+            <a:r>
+              <a:rPr lang="en-US" altLang="zh-CN" dirty="0" smtClean="0"/>
+              <a:t>, </a:t>
+            </a:r>
+            <a:r>
+              <a:rPr lang="en-US" altLang="zh-CN" dirty="0" err="1" smtClean="0"/>
+              <a:t>BXF</a:t>
+            </a:r>
+            <a:r>
+              <a:rPr lang="zh-CN" altLang="en-US" dirty="0" smtClean="0"/>
+              <a:t>扩展对象</a:t>
             </a:r>
             <a:endParaRPr lang="zh-CN" altLang="en-US" dirty="0"/>
           </a:p>
@@ -3555,28 +5667,51 @@
           <a:bodyPr/>
           <a:lstStyle/>
           <a:p>
+            <a:r>
+              <a:rPr lang="en-US" altLang="zh-CN" dirty="0" err="1" smtClean="0"/>
+              <a:t>GraphicsView</a:t>
+            </a:r>
+            <a:r>
+              <a:rPr lang="en-US" altLang="zh-CN" dirty="0" smtClean="0"/>
+              <a:t> </a:t>
+            </a:r>
+            <a:r>
+              <a:rPr lang="en-US" altLang="zh-CN" dirty="0" err="1" smtClean="0"/>
+              <a:t>archicture</a:t>
+            </a:r>
             <a:endParaRPr lang="en-US" altLang="zh-CN" dirty="0" smtClean="0"/>
           </a:p>
           <a:p>
             <a:r>
               <a:rPr lang="zh-CN" altLang="en-US" dirty="0" smtClean="0"/>
-              <a:t>特效</a:t>
+              <a:t>位移特效</a:t>
+            </a:r>
+            <a:endParaRPr lang="en-US" altLang="zh-CN" dirty="0" smtClean="0"/>
+          </a:p>
+          <a:p>
+            <a:r>
+              <a:rPr lang="zh-CN" altLang="en-US" dirty="0" smtClean="0"/>
+              <a:t>渲染特效</a:t>
             </a:r>
             <a:r>
               <a:rPr lang="en-US" altLang="zh-CN" dirty="0" smtClean="0"/>
               <a:t>, </a:t>
             </a:r>
             <a:r>
-              <a:rPr lang="en-US" altLang="zh-CN" dirty="0" err="1" smtClean="0"/>
-              <a:t>GraphicsView</a:t>
-            </a:r>
-            <a:r>
-              <a:rPr lang="en-US" altLang="zh-CN" dirty="0" smtClean="0"/>
-              <a:t> </a:t>
-            </a:r>
-            <a:r>
-              <a:rPr lang="en-US" altLang="zh-CN" dirty="0" err="1" smtClean="0"/>
-              <a:t>archicture</a:t>
+              <a:rPr lang="en-US" altLang="zh-CN" dirty="0" smtClean="0"/>
+              <a:t>OpenGL, </a:t>
+            </a:r>
+            <a:r>
+              <a:rPr lang="en-US" altLang="zh-CN" dirty="0" err="1" smtClean="0"/>
+              <a:t>OpenVG</a:t>
+            </a:r>
+            <a:r>
+              <a:rPr lang="en-US" altLang="zh-CN" dirty="0" smtClean="0"/>
+              <a:t>, </a:t>
+            </a:r>
+            <a:r>
+              <a:rPr lang="en-US" altLang="zh-CN" dirty="0" err="1" smtClean="0"/>
+              <a:t>SVG</a:t>
             </a:r>
             <a:endParaRPr lang="en-US" altLang="zh-CN" dirty="0" smtClean="0"/>
           </a:p>
@@ -3619,6 +5754,13 @@
   <p:clrMapOvr>
     <a:masterClrMapping/>
   </p:clrMapOvr>
+  <p:timing>
+    <p:tnLst>
+      <p:par>
+        <p:cTn id="1" dur="indefinite" restart="never" nodeType="tmRoot"/>
+      </p:par>
+    </p:tnLst>
+  </p:timing>
 </p:sld>
 </file>
 
@@ -3715,20 +5857,43 @@
           <a:p>
             <a:r>
               <a:rPr lang="zh-CN" altLang="en-US" dirty="0" smtClean="0"/>
-              <a:t>布局决定控件外观</a:t>
+              <a:t>对象树布局</a:t>
+            </a:r>
+            <a:r>
+              <a:rPr lang="en-US" altLang="zh-CN" dirty="0" smtClean="0"/>
+              <a:t>+</a:t>
+            </a:r>
+            <a:r>
+              <a:rPr lang="zh-CN" altLang="en-US" dirty="0" smtClean="0"/>
+              <a:t>贴图决定控件</a:t>
+            </a:r>
+            <a:r>
+              <a:rPr lang="zh-CN" altLang="en-US" dirty="0" smtClean="0"/>
+              <a:t>外观</a:t>
             </a:r>
             <a:endParaRPr lang="en-US" altLang="zh-CN" dirty="0" smtClean="0"/>
           </a:p>
           <a:p>
             <a:r>
               <a:rPr lang="zh-CN" altLang="en-US" dirty="0" smtClean="0"/>
-              <a:t>脚本语言决定控件行为</a:t>
+              <a:t>加法</a:t>
             </a:r>
             <a:endParaRPr lang="en-US" altLang="zh-CN" dirty="0" smtClean="0"/>
           </a:p>
           <a:p>
             <a:r>
               <a:rPr lang="zh-CN" altLang="en-US" dirty="0" smtClean="0"/>
+              <a:t>脚本</a:t>
+            </a:r>
+            <a:r>
+              <a:rPr lang="zh-CN" altLang="en-US" dirty="0" smtClean="0"/>
+              <a:t>语言定义行为</a:t>
+            </a:r>
+            <a:endParaRPr lang="en-US" altLang="zh-CN" dirty="0" smtClean="0"/>
+          </a:p>
+          <a:p>
+            <a:r>
+              <a:rPr lang="zh-CN" altLang="en-US" dirty="0" smtClean="0"/>
               <a:t>一个</a:t>
             </a:r>
             <a:r>
@@ -3778,7 +5943,9 @@
         </p:nvSpPr>
         <p:spPr/>
         <p:txBody>
-          <a:bodyPr/>
+          <a:bodyPr>
+            <a:normAutofit lnSpcReduction="10000"/>
+          </a:bodyPr>
           <a:lstStyle/>
           <a:p>
             <a:r>
@@ -3796,8 +5963,16 @@
           </a:p>
           <a:p>
             <a:r>
-              <a:rPr lang="zh-CN" altLang="en-US" dirty="0" smtClean="0"/>
-              <a:t>自绘决定</a:t>
+              <a:rPr lang="en-US" altLang="zh-CN" dirty="0" err="1" smtClean="0"/>
+              <a:t>QStyle</a:t>
+            </a:r>
+            <a:r>
+              <a:rPr lang="en-US" altLang="zh-CN" dirty="0" smtClean="0"/>
+              <a:t>+</a:t>
+            </a:r>
+            <a:r>
+              <a:rPr lang="zh-CN" altLang="en-US" dirty="0" smtClean="0"/>
+              <a:t>样式表决定</a:t>
             </a:r>
             <a:r>
               <a:rPr lang="en-US" altLang="zh-CN" dirty="0" smtClean="0"/>
@@ -3813,21 +5988,64 @@
             </a:r>
             <a:r>
               <a:rPr lang="zh-CN" altLang="en-US" dirty="0" smtClean="0"/>
-              <a:t>控件外观</a:t>
+              <a:t>控件</a:t>
+            </a:r>
+            <a:r>
+              <a:rPr lang="zh-CN" altLang="en-US" dirty="0" smtClean="0"/>
+              <a:t>外观</a:t>
             </a:r>
             <a:endParaRPr lang="en-US" altLang="zh-CN" dirty="0" smtClean="0"/>
           </a:p>
           <a:p>
             <a:r>
               <a:rPr lang="zh-CN" altLang="en-US" dirty="0" smtClean="0"/>
-              <a:t>事件决定控件行为</a:t>
+              <a:t>减法 </a:t>
+            </a:r>
+            <a:r>
+              <a:rPr lang="en-US" altLang="zh-CN" dirty="0" smtClean="0"/>
+              <a:t>(</a:t>
+            </a:r>
+            <a:r>
+              <a:rPr lang="en-US" altLang="zh-CN" dirty="0" err="1" smtClean="0"/>
+              <a:t>QPushButton</a:t>
+            </a:r>
+            <a:r>
+              <a:rPr lang="zh-CN" altLang="en-US" dirty="0" smtClean="0"/>
+              <a:t>和想要的不一样</a:t>
+            </a:r>
+            <a:r>
+              <a:rPr lang="en-US" altLang="zh-CN" dirty="0" smtClean="0"/>
+              <a:t>, </a:t>
+            </a:r>
+            <a:r>
+              <a:rPr lang="zh-CN" altLang="en-US" dirty="0" smtClean="0"/>
+              <a:t>后面举个栗子</a:t>
+            </a:r>
+            <a:r>
+              <a:rPr lang="en-US" altLang="zh-CN" dirty="0" smtClean="0"/>
+              <a:t>)</a:t>
             </a:r>
             <a:endParaRPr lang="en-US" altLang="zh-CN" dirty="0" smtClean="0"/>
           </a:p>
           <a:p>
             <a:r>
-              <a:rPr lang="zh-CN" altLang="en-US" dirty="0" smtClean="0"/>
-              <a:t>一个大而全的什么都有的框架</a:t>
+              <a:rPr lang="zh-CN" altLang="en-US" dirty="0"/>
+              <a:t>重写</a:t>
+            </a:r>
+            <a:r>
+              <a:rPr lang="zh-CN" altLang="en-US" dirty="0" smtClean="0"/>
+              <a:t>事件方法决定</a:t>
+            </a:r>
+            <a:r>
+              <a:rPr lang="zh-CN" altLang="en-US" dirty="0" smtClean="0"/>
+              <a:t>控件行为</a:t>
+            </a:r>
+            <a:endParaRPr lang="en-US" altLang="zh-CN" dirty="0" smtClean="0"/>
+          </a:p>
+          <a:p>
+            <a:r>
+              <a:rPr lang="zh-CN" altLang="en-US" dirty="0" smtClean="0"/>
+              <a:t>一个几乎什么都有的框架</a:t>
             </a:r>
           </a:p>
         </p:txBody>
@@ -3886,7 +6104,7 @@
           <a:p>
             <a:r>
               <a:rPr lang="zh-CN" altLang="en-US" dirty="0" smtClean="0"/>
-              <a:t>使用上的优劣势</a:t>
+              <a:t>不同需求时的使用方便程度</a:t>
             </a:r>
             <a:endParaRPr lang="zh-CN" altLang="en-US" dirty="0"/>
           </a:p>
@@ -3927,7 +6145,9 @@
         </p:nvSpPr>
         <p:spPr/>
         <p:txBody>
-          <a:bodyPr/>
+          <a:bodyPr>
+            <a:normAutofit/>
+          </a:bodyPr>
           <a:lstStyle/>
           <a:p>
             <a:r>
@@ -3939,8 +6159,8 @@
               <a:t>, Button, </a:t>
             </a:r>
             <a:r>
-              <a:rPr lang="en-US" altLang="zh-CN" dirty="0" err="1" smtClean="0"/>
-              <a:t>ListBox</a:t>
+              <a:rPr lang="en-US" altLang="zh-CN" dirty="0" smtClean="0"/>
+              <a:t>List Box</a:t>
             </a:r>
             <a:endParaRPr lang="en-US" altLang="zh-CN" dirty="0" smtClean="0"/>
           </a:p>
@@ -3955,7 +6175,18 @@
             </a:r>
             <a:r>
               <a:rPr lang="zh-CN" altLang="en-US" dirty="0" smtClean="0"/>
-              <a:t>动态实例化</a:t>
+              <a:t>动态</a:t>
+            </a:r>
+            <a:r>
+              <a:rPr lang="zh-CN" altLang="en-US" dirty="0" smtClean="0"/>
+              <a:t>实例化</a:t>
+            </a:r>
+            <a:endParaRPr lang="en-US" altLang="zh-CN" dirty="0" smtClean="0"/>
+          </a:p>
+          <a:p>
+            <a:r>
+              <a:rPr lang="zh-CN" altLang="en-US" dirty="0" smtClean="0"/>
+              <a:t>强可定制性</a:t>
             </a:r>
             <a:r>
               <a:rPr lang="en-US" altLang="zh-CN" dirty="0" smtClean="0"/>
@@ -3963,17 +6194,86 @@
             </a:r>
             <a:r>
               <a:rPr lang="zh-CN" altLang="en-US" dirty="0" smtClean="0"/>
-              <a:t>不是完全对等的</a:t>
+              <a:t>随便搭</a:t>
+            </a:r>
+            <a:r>
+              <a:rPr lang="en-US" altLang="zh-CN" dirty="0" smtClean="0"/>
+              <a:t>, </a:t>
+            </a:r>
+            <a:r>
+              <a:rPr lang="zh-CN" altLang="en-US" dirty="0" smtClean="0"/>
+              <a:t>引擎的限制少</a:t>
             </a:r>
             <a:endParaRPr lang="en-US" altLang="zh-CN" dirty="0" smtClean="0"/>
           </a:p>
           <a:p>
+            <a:r>
+              <a:rPr lang="en-US" altLang="zh-CN" dirty="0" err="1" smtClean="0"/>
+              <a:t>XLUE.dll</a:t>
+            </a:r>
+            <a:r>
+              <a:rPr lang="en-US" altLang="zh-CN" dirty="0" smtClean="0"/>
+              <a:t>, </a:t>
+            </a:r>
+            <a:r>
+              <a:rPr lang="en-US" altLang="zh-CN" dirty="0" err="1" smtClean="0"/>
+              <a:t>XLRuntime.dll</a:t>
+            </a:r>
+            <a:r>
+              <a:rPr lang="en-US" altLang="zh-CN" dirty="0" smtClean="0"/>
+              <a:t>, </a:t>
+            </a:r>
+            <a:r>
+              <a:rPr lang="en-US" altLang="zh-CN" dirty="0" err="1" smtClean="0"/>
+              <a:t>XLGraphics.dll</a:t>
+            </a:r>
             <a:endParaRPr lang="en-US" altLang="zh-CN" dirty="0" smtClean="0"/>
           </a:p>
-          <a:p>
-            <a:r>
-              <a:rPr lang="zh-CN" altLang="en-US" dirty="0" smtClean="0"/>
-              <a:t>强可定制性</a:t>
+        </p:txBody>
+      </p:sp>
+      <p:sp>
+        <p:nvSpPr>
+          <p:cNvPr id="5" name="文本占位符 4"/>
+          <p:cNvSpPr>
+            <a:spLocks noGrp="1"/>
+          </p:cNvSpPr>
+          <p:nvPr>
+            <p:ph type="body" sz="quarter" idx="3"/>
+          </p:nvPr>
+        </p:nvSpPr>
+        <p:spPr/>
+        <p:txBody>
+          <a:bodyPr/>
+          <a:lstStyle/>
+          <a:p>
+            <a:r>
+              <a:rPr lang="en-US" altLang="zh-CN" dirty="0" err="1" smtClean="0"/>
+              <a:t>Qt</a:t>
+            </a:r>
+            <a:endParaRPr lang="zh-CN" altLang="en-US" dirty="0"/>
+          </a:p>
+        </p:txBody>
+      </p:sp>
+      <p:sp>
+        <p:nvSpPr>
+          <p:cNvPr id="6" name="内容占位符 5"/>
+          <p:cNvSpPr>
+            <a:spLocks noGrp="1"/>
+          </p:cNvSpPr>
+          <p:nvPr>
+            <p:ph sz="quarter" idx="4"/>
+          </p:nvPr>
+        </p:nvSpPr>
+        <p:spPr/>
+        <p:txBody>
+          <a:bodyPr>
+            <a:normAutofit/>
+          </a:bodyPr>
+          <a:lstStyle/>
+          <a:p>
+            <a:r>
+              <a:rPr lang="zh-CN" altLang="en-US" dirty="0" smtClean="0"/>
+              <a:t>方便现成丰富的控件库</a:t>
             </a:r>
             <a:r>
               <a:rPr lang="en-US" altLang="zh-CN" dirty="0" smtClean="0"/>
@@ -3981,7 +6281,34 @@
             </a:r>
             <a:r>
               <a:rPr lang="zh-CN" altLang="en-US" dirty="0" smtClean="0"/>
-              <a:t>随便搭</a:t>
+              <a:t>从</a:t>
+            </a:r>
+            <a:r>
+              <a:rPr lang="en-US" altLang="zh-CN" dirty="0" err="1" smtClean="0"/>
+              <a:t>PushButton</a:t>
+            </a:r>
+            <a:r>
+              <a:rPr lang="zh-CN" altLang="en-US" dirty="0" smtClean="0"/>
+              <a:t>到</a:t>
+            </a:r>
+            <a:r>
+              <a:rPr lang="en-US" altLang="zh-CN" dirty="0" err="1" smtClean="0"/>
+              <a:t>TreeView</a:t>
+            </a:r>
+            <a:r>
+              <a:rPr lang="en-US" altLang="zh-CN" dirty="0" smtClean="0"/>
+              <a:t>, Calendar</a:t>
+            </a:r>
+            <a:endParaRPr lang="en-US" altLang="zh-CN" dirty="0" smtClean="0"/>
+          </a:p>
+          <a:p>
+            <a:r>
+              <a:rPr lang="en-US" altLang="zh-CN" dirty="0" smtClean="0"/>
+              <a:t>UI</a:t>
+            </a:r>
+            <a:r>
+              <a:rPr lang="zh-CN" altLang="en-US" dirty="0" smtClean="0"/>
+              <a:t>文件或者动态实例化</a:t>
             </a:r>
             <a:r>
               <a:rPr lang="en-US" altLang="zh-CN" dirty="0" smtClean="0"/>
@@ -3989,53 +6316,18 @@
             </a:r>
             <a:r>
               <a:rPr lang="zh-CN" altLang="en-US" dirty="0" smtClean="0"/>
-              <a:t>引擎的限制少</a:t>
+              <a:t>二者是相同</a:t>
+            </a:r>
+            <a:r>
+              <a:rPr lang="zh-CN" altLang="en-US" dirty="0" smtClean="0"/>
+              <a:t>的</a:t>
             </a:r>
             <a:endParaRPr lang="en-US" altLang="zh-CN" dirty="0" smtClean="0"/>
           </a:p>
-        </p:txBody>
-      </p:sp>
-      <p:sp>
-        <p:nvSpPr>
-          <p:cNvPr id="5" name="文本占位符 4"/>
-          <p:cNvSpPr>
-            <a:spLocks noGrp="1"/>
-          </p:cNvSpPr>
-          <p:nvPr>
-            <p:ph type="body" sz="quarter" idx="3"/>
-          </p:nvPr>
-        </p:nvSpPr>
-        <p:spPr/>
-        <p:txBody>
-          <a:bodyPr/>
-          <a:lstStyle/>
-          <a:p>
-            <a:r>
-              <a:rPr lang="en-US" altLang="zh-CN" dirty="0" err="1" smtClean="0"/>
-              <a:t>Qt</a:t>
-            </a:r>
-            <a:endParaRPr lang="zh-CN" altLang="en-US" dirty="0"/>
-          </a:p>
-        </p:txBody>
-      </p:sp>
-      <p:sp>
-        <p:nvSpPr>
-          <p:cNvPr id="6" name="内容占位符 5"/>
-          <p:cNvSpPr>
-            <a:spLocks noGrp="1"/>
-          </p:cNvSpPr>
-          <p:nvPr>
-            <p:ph sz="quarter" idx="4"/>
-          </p:nvPr>
-        </p:nvSpPr>
-        <p:spPr/>
-        <p:txBody>
-          <a:bodyPr/>
-          <a:lstStyle/>
-          <a:p>
-            <a:r>
-              <a:rPr lang="zh-CN" altLang="en-US" dirty="0" smtClean="0"/>
-              <a:t>方便现成丰富的控件库</a:t>
+          <a:p>
+            <a:r>
+              <a:rPr lang="zh-CN" altLang="en-US" dirty="0" smtClean="0"/>
+              <a:t>框架做了很多事情</a:t>
             </a:r>
             <a:r>
               <a:rPr lang="en-US" altLang="zh-CN" dirty="0" smtClean="0"/>
@@ -4043,55 +6335,22 @@
             </a:r>
             <a:r>
               <a:rPr lang="zh-CN" altLang="en-US" dirty="0" smtClean="0"/>
-              <a:t>从</a:t>
-            </a:r>
-            <a:r>
-              <a:rPr lang="en-US" altLang="zh-CN" dirty="0" err="1" smtClean="0"/>
-              <a:t>PushButton</a:t>
-            </a:r>
-            <a:r>
-              <a:rPr lang="zh-CN" altLang="en-US" dirty="0" smtClean="0"/>
-              <a:t>到</a:t>
-            </a:r>
-            <a:r>
-              <a:rPr lang="en-US" altLang="zh-CN" dirty="0" smtClean="0"/>
-              <a:t>Calendar</a:t>
-            </a:r>
-          </a:p>
-          <a:p>
-            <a:r>
-              <a:rPr lang="en-US" altLang="zh-CN" dirty="0" smtClean="0"/>
-              <a:t>UI</a:t>
-            </a:r>
-            <a:r>
-              <a:rPr lang="zh-CN" altLang="en-US" dirty="0" smtClean="0"/>
-              <a:t>文件或者动态实例化</a:t>
+              <a:t>控件的灵活性降低</a:t>
+            </a:r>
+            <a:endParaRPr lang="en-US" altLang="zh-CN" dirty="0" smtClean="0"/>
+          </a:p>
+          <a:p>
+            <a:r>
+              <a:rPr lang="en-US" altLang="zh-CN" b="1" dirty="0" err="1" smtClean="0"/>
+              <a:t>qtgui4.dll</a:t>
             </a:r>
             <a:r>
               <a:rPr lang="en-US" altLang="zh-CN" dirty="0" smtClean="0"/>
               <a:t>, </a:t>
             </a:r>
             <a:r>
-              <a:rPr lang="zh-CN" altLang="en-US" dirty="0" smtClean="0"/>
-              <a:t>二者是相同的</a:t>
-            </a:r>
-            <a:endParaRPr lang="en-US" altLang="zh-CN" dirty="0" smtClean="0"/>
-          </a:p>
-          <a:p>
-            <a:endParaRPr lang="en-US" altLang="zh-CN" dirty="0" smtClean="0"/>
-          </a:p>
-          <a:p>
-            <a:r>
-              <a:rPr lang="zh-CN" altLang="en-US" dirty="0" smtClean="0"/>
-              <a:t>框架做了很多事情</a:t>
-            </a:r>
-            <a:r>
-              <a:rPr lang="en-US" altLang="zh-CN" dirty="0" smtClean="0"/>
-              <a:t>, </a:t>
-            </a:r>
-            <a:r>
-              <a:rPr lang="zh-CN" altLang="en-US" dirty="0" smtClean="0"/>
-              <a:t>控件的灵活性降低</a:t>
+              <a:rPr lang="en-US" altLang="zh-CN" b="1" dirty="0" err="1"/>
+              <a:t>qtcored4.dll</a:t>
             </a:r>
             <a:endParaRPr lang="en-US" altLang="zh-CN" dirty="0" smtClean="0"/>
           </a:p>
@@ -4149,6 +6408,10 @@
           <a:bodyPr/>
           <a:lstStyle/>
           <a:p>
+            <a:r>
+              <a:rPr lang="zh-CN" altLang="en-US" dirty="0" smtClean="0"/>
+              <a:t>举个栗子</a:t>
+            </a:r>
             <a:endParaRPr lang="zh-CN" altLang="en-US" dirty="0"/>
           </a:p>
         </p:txBody>
@@ -4199,7 +6462,7 @@
         </p:blipFill>
         <p:spPr>
           <a:xfrm>
-            <a:off x="1011219" y="2696877"/>
+            <a:off x="839788" y="2688866"/>
             <a:ext cx="4883972" cy="3300983"/>
           </a:xfrm>
         </p:spPr>
@@ -4229,7 +6492,7 @@
       </p:sp>
       <p:pic>
         <p:nvPicPr>
-          <p:cNvPr id="10" name="内容占位符 9"/>
+          <p:cNvPr id="6" name="内容占位符 5"/>
           <p:cNvPicPr>
             <a:picLocks noGrp="1" noChangeAspect="1"/>
           </p:cNvPicPr>
@@ -4245,13 +6508,13 @@
               </a:ext>
             </a:extLst>
           </a:blip>
-          <a:srcRect t="3884" b="3956"/>
+          <a:srcRect l="6116" t="-485" r="5932"/>
           <a:stretch/>
         </p:blipFill>
         <p:spPr>
           <a:xfrm>
-            <a:off x="6382544" y="2700168"/>
-            <a:ext cx="4762500" cy="3291841"/>
+            <a:off x="6296892" y="2688866"/>
+            <a:ext cx="5299364" cy="3317004"/>
           </a:xfrm>
         </p:spPr>
       </p:pic>
@@ -4265,6 +6528,13 @@
   <p:clrMapOvr>
     <a:masterClrMapping/>
   </p:clrMapOvr>
+  <p:timing>
+    <p:tnLst>
+      <p:par>
+        <p:cTn id="1" dur="indefinite" restart="never" nodeType="tmRoot"/>
+      </p:par>
+    </p:tnLst>
+  </p:timing>
 </p:sld>
 </file>
 
@@ -4300,7 +6570,11 @@
           <a:bodyPr/>
           <a:lstStyle/>
           <a:p>
-            <a:endParaRPr lang="zh-CN" altLang="en-US"/>
+            <a:r>
+              <a:rPr lang="zh-CN" altLang="en-US" dirty="0" smtClean="0"/>
+              <a:t>需求变化</a:t>
+            </a:r>
+            <a:endParaRPr lang="zh-CN" altLang="en-US" dirty="0"/>
           </a:p>
         </p:txBody>
       </p:sp>
@@ -4403,11 +6677,232 @@
         </p:blipFill>
         <p:spPr>
           <a:xfrm>
-            <a:off x="7335044" y="2918619"/>
-            <a:ext cx="2857500" cy="2857500"/>
+            <a:off x="7189571" y="2505075"/>
+            <a:ext cx="3679320" cy="3679320"/>
           </a:xfrm>
         </p:spPr>
       </p:pic>
+      <p:grpSp>
+        <p:nvGrpSpPr>
+          <p:cNvPr id="14" name="组合 13"/>
+          <p:cNvGrpSpPr/>
+          <p:nvPr/>
+        </p:nvGrpSpPr>
+        <p:grpSpPr>
+          <a:xfrm>
+            <a:off x="3281796" y="674760"/>
+            <a:ext cx="499629" cy="599209"/>
+            <a:chOff x="4434321" y="696191"/>
+            <a:chExt cx="732558" cy="862445"/>
+          </a:xfrm>
+        </p:grpSpPr>
+        <p:sp>
+          <p:nvSpPr>
+            <p:cNvPr id="8" name="新月形 7"/>
+            <p:cNvSpPr/>
+            <p:nvPr/>
+          </p:nvSpPr>
+          <p:spPr>
+            <a:xfrm rot="19646088">
+              <a:off x="4447309" y="696191"/>
+              <a:ext cx="259773" cy="415636"/>
+            </a:xfrm>
+            <a:prstGeom prst="moon">
+              <a:avLst/>
+            </a:prstGeom>
+          </p:spPr>
+          <p:style>
+            <a:lnRef idx="2">
+              <a:schemeClr val="accent2">
+                <a:shade val="50000"/>
+              </a:schemeClr>
+            </a:lnRef>
+            <a:fillRef idx="1">
+              <a:schemeClr val="accent2"/>
+            </a:fillRef>
+            <a:effectRef idx="0">
+              <a:schemeClr val="accent2"/>
+            </a:effectRef>
+            <a:fontRef idx="minor">
+              <a:schemeClr val="lt1"/>
+            </a:fontRef>
+          </p:style>
+          <p:txBody>
+            <a:bodyPr rtlCol="0" anchor="ctr"/>
+            <a:lstStyle/>
+            <a:p>
+              <a:pPr algn="ctr"/>
+              <a:endParaRPr lang="zh-CN" altLang="en-US"/>
+            </a:p>
+          </p:txBody>
+        </p:sp>
+        <p:sp>
+          <p:nvSpPr>
+            <p:cNvPr id="11" name="新月形 10"/>
+            <p:cNvSpPr/>
+            <p:nvPr/>
+          </p:nvSpPr>
+          <p:spPr>
+            <a:xfrm rot="12722979">
+              <a:off x="4907106" y="696191"/>
+              <a:ext cx="259773" cy="415636"/>
+            </a:xfrm>
+            <a:prstGeom prst="moon">
+              <a:avLst/>
+            </a:prstGeom>
+          </p:spPr>
+          <p:style>
+            <a:lnRef idx="2">
+              <a:schemeClr val="accent2">
+                <a:shade val="50000"/>
+              </a:schemeClr>
+            </a:lnRef>
+            <a:fillRef idx="1">
+              <a:schemeClr val="accent2"/>
+            </a:fillRef>
+            <a:effectRef idx="0">
+              <a:schemeClr val="accent2"/>
+            </a:effectRef>
+            <a:fontRef idx="minor">
+              <a:schemeClr val="lt1"/>
+            </a:fontRef>
+          </p:style>
+          <p:txBody>
+            <a:bodyPr rtlCol="0" anchor="ctr"/>
+            <a:lstStyle/>
+            <a:p>
+              <a:pPr algn="ctr"/>
+              <a:endParaRPr lang="zh-CN" altLang="en-US"/>
+            </a:p>
+          </p:txBody>
+        </p:sp>
+        <p:sp>
+          <p:nvSpPr>
+            <p:cNvPr id="4" name="椭圆 3"/>
+            <p:cNvSpPr/>
+            <p:nvPr/>
+          </p:nvSpPr>
+          <p:spPr>
+            <a:xfrm>
+              <a:off x="4434321" y="866776"/>
+              <a:ext cx="732558" cy="691860"/>
+            </a:xfrm>
+            <a:prstGeom prst="ellipse">
+              <a:avLst/>
+            </a:prstGeom>
+          </p:spPr>
+          <p:style>
+            <a:lnRef idx="2">
+              <a:schemeClr val="accent2">
+                <a:shade val="50000"/>
+              </a:schemeClr>
+            </a:lnRef>
+            <a:fillRef idx="1">
+              <a:schemeClr val="accent2"/>
+            </a:fillRef>
+            <a:effectRef idx="0">
+              <a:schemeClr val="accent2"/>
+            </a:effectRef>
+            <a:fontRef idx="minor">
+              <a:schemeClr val="lt1"/>
+            </a:fontRef>
+          </p:style>
+          <p:txBody>
+            <a:bodyPr rtlCol="0" anchor="ctr"/>
+            <a:lstStyle/>
+            <a:p>
+              <a:pPr algn="ctr"/>
+              <a:endParaRPr lang="zh-CN" altLang="en-US"/>
+            </a:p>
+          </p:txBody>
+        </p:sp>
+        <p:sp>
+          <p:nvSpPr>
+            <p:cNvPr id="12" name="椭圆 11"/>
+            <p:cNvSpPr/>
+            <p:nvPr/>
+          </p:nvSpPr>
+          <p:spPr>
+            <a:xfrm>
+              <a:off x="4573084" y="1097984"/>
+              <a:ext cx="153054" cy="157594"/>
+            </a:xfrm>
+            <a:prstGeom prst="ellipse">
+              <a:avLst/>
+            </a:prstGeom>
+            <a:solidFill>
+              <a:schemeClr val="tx1"/>
+            </a:solidFill>
+          </p:spPr>
+          <p:style>
+            <a:lnRef idx="2">
+              <a:schemeClr val="accent1">
+                <a:shade val="50000"/>
+              </a:schemeClr>
+            </a:lnRef>
+            <a:fillRef idx="1">
+              <a:schemeClr val="accent1"/>
+            </a:fillRef>
+            <a:effectRef idx="0">
+              <a:schemeClr val="accent1"/>
+            </a:effectRef>
+            <a:fontRef idx="minor">
+              <a:schemeClr val="lt1"/>
+            </a:fontRef>
+          </p:style>
+          <p:txBody>
+            <a:bodyPr rtlCol="0" anchor="ctr"/>
+            <a:lstStyle/>
+            <a:p>
+              <a:pPr algn="ctr"/>
+              <a:endParaRPr lang="zh-CN" altLang="en-US"/>
+            </a:p>
+          </p:txBody>
+        </p:sp>
+        <p:sp>
+          <p:nvSpPr>
+            <p:cNvPr id="13" name="椭圆 12"/>
+            <p:cNvSpPr/>
+            <p:nvPr/>
+          </p:nvSpPr>
+          <p:spPr>
+            <a:xfrm>
+              <a:off x="4889006" y="1097984"/>
+              <a:ext cx="147986" cy="157594"/>
+            </a:xfrm>
+            <a:prstGeom prst="ellipse">
+              <a:avLst/>
+            </a:prstGeom>
+            <a:solidFill>
+              <a:schemeClr val="tx1"/>
+            </a:solidFill>
+          </p:spPr>
+          <p:style>
+            <a:lnRef idx="2">
+              <a:schemeClr val="accent1">
+                <a:shade val="50000"/>
+              </a:schemeClr>
+            </a:lnRef>
+            <a:fillRef idx="1">
+              <a:schemeClr val="accent1"/>
+            </a:fillRef>
+            <a:effectRef idx="0">
+              <a:schemeClr val="accent1"/>
+            </a:effectRef>
+            <a:fontRef idx="minor">
+              <a:schemeClr val="lt1"/>
+            </a:fontRef>
+          </p:style>
+          <p:txBody>
+            <a:bodyPr rtlCol="0" anchor="ctr"/>
+            <a:lstStyle/>
+            <a:p>
+              <a:pPr algn="ctr"/>
+              <a:endParaRPr lang="zh-CN" altLang="en-US"/>
+            </a:p>
+          </p:txBody>
+        </p:sp>
+      </p:grpSp>
     </p:spTree>
     <p:extLst>
       <p:ext uri="{BB962C8B-B14F-4D97-AF65-F5344CB8AC3E}">
@@ -4418,6 +6913,13 @@
   <p:clrMapOvr>
     <a:masterClrMapping/>
   </p:clrMapOvr>
+  <p:timing>
+    <p:tnLst>
+      <p:par>
+        <p:cTn id="1" dur="indefinite" restart="never" nodeType="tmRoot"/>
+      </p:par>
+    </p:tnLst>
+  </p:timing>
 </p:sld>
 </file>
 
@@ -4504,63 +7006,65 @@
           <a:lstStyle/>
           <a:p>
             <a:r>
-              <a:rPr lang="en-US" altLang="zh-CN" dirty="0" smtClean="0"/>
+              <a:rPr lang="zh-CN" altLang="en-US" dirty="0"/>
+              <a:t>对象</a:t>
+            </a:r>
+            <a:r>
+              <a:rPr lang="zh-CN" altLang="en-US" dirty="0" smtClean="0"/>
+              <a:t>树</a:t>
+            </a:r>
+            <a:r>
+              <a:rPr lang="en-US" altLang="zh-CN" dirty="0" smtClean="0"/>
+              <a:t>, rectangle object, text object, </a:t>
+            </a:r>
+            <a:r>
+              <a:rPr lang="zh-CN" altLang="en-US" dirty="0" smtClean="0"/>
+              <a:t>资源位图</a:t>
+            </a:r>
+            <a:endParaRPr lang="en-US" altLang="zh-CN" dirty="0" smtClean="0"/>
+          </a:p>
+          <a:p>
+            <a:r>
+              <a:rPr lang="en-US" altLang="zh-CN" dirty="0" smtClean="0"/>
+              <a:t>C++, </a:t>
+            </a:r>
+            <a:r>
+              <a:rPr lang="zh-CN" altLang="en-US" dirty="0" smtClean="0"/>
+              <a:t>初始化</a:t>
+            </a:r>
+            <a:r>
+              <a:rPr lang="en-US" altLang="zh-CN" dirty="0" smtClean="0"/>
+              <a:t>, </a:t>
+            </a:r>
+            <a:r>
+              <a:rPr lang="zh-CN" altLang="en-US" dirty="0" smtClean="0"/>
+              <a:t>反初始化</a:t>
+            </a:r>
+            <a:r>
+              <a:rPr lang="en-US" altLang="zh-CN" dirty="0" smtClean="0"/>
+              <a:t>, </a:t>
+            </a:r>
+            <a:r>
+              <a:rPr lang="zh-CN" altLang="en-US" dirty="0" smtClean="0"/>
+              <a:t>加载</a:t>
+            </a:r>
+            <a:r>
+              <a:rPr lang="en-US" altLang="zh-CN" dirty="0" err="1" smtClean="0"/>
               <a:t>XAR</a:t>
             </a:r>
             <a:r>
               <a:rPr lang="zh-CN" altLang="en-US" dirty="0" smtClean="0"/>
               <a:t>包</a:t>
             </a:r>
-            <a:r>
-              <a:rPr lang="en-US" altLang="zh-CN" dirty="0" smtClean="0"/>
-              <a:t>, </a:t>
-            </a:r>
-            <a:r>
-              <a:rPr lang="zh-CN" altLang="en-US" dirty="0" smtClean="0"/>
-              <a:t>对象树</a:t>
-            </a:r>
-            <a:r>
-              <a:rPr lang="en-US" altLang="zh-CN" dirty="0" smtClean="0"/>
-              <a:t>, </a:t>
-            </a:r>
-            <a:r>
-              <a:rPr lang="zh-CN" altLang="en-US" dirty="0" smtClean="0"/>
-              <a:t>位图资源</a:t>
-            </a:r>
             <a:endParaRPr lang="en-US" altLang="zh-CN" dirty="0" smtClean="0"/>
           </a:p>
           <a:p>
-            <a:r>
-              <a:rPr lang="en-US" altLang="zh-CN" dirty="0" smtClean="0"/>
-              <a:t>C++, </a:t>
-            </a:r>
-            <a:r>
-              <a:rPr lang="zh-CN" altLang="en-US" dirty="0" smtClean="0"/>
-              <a:t>初始化</a:t>
-            </a:r>
-            <a:r>
-              <a:rPr lang="en-US" altLang="zh-CN" dirty="0" smtClean="0"/>
-              <a:t>, </a:t>
-            </a:r>
-            <a:r>
-              <a:rPr lang="zh-CN" altLang="en-US" dirty="0" smtClean="0"/>
-              <a:t>反初始化</a:t>
-            </a:r>
-            <a:r>
-              <a:rPr lang="en-US" altLang="zh-CN" dirty="0" smtClean="0"/>
-              <a:t>, </a:t>
-            </a:r>
-            <a:r>
-              <a:rPr lang="zh-CN" altLang="en-US" dirty="0" smtClean="0"/>
-              <a:t>加载</a:t>
-            </a:r>
-            <a:r>
-              <a:rPr lang="en-US" altLang="zh-CN" dirty="0" smtClean="0"/>
-              <a:t>XAR</a:t>
-            </a:r>
-            <a:r>
-              <a:rPr lang="zh-CN" altLang="en-US" dirty="0" smtClean="0"/>
-              <a:t>包</a:t>
+            <a:endParaRPr lang="en-US" altLang="zh-CN" dirty="0"/>
+          </a:p>
+          <a:p>
+            <a:r>
+              <a:rPr lang="en-US" altLang="zh-CN" dirty="0" err="1" smtClean="0"/>
+              <a:t>UELoader.exe</a:t>
             </a:r>
             <a:endParaRPr lang="en-US" altLang="zh-CN" dirty="0" smtClean="0"/>
           </a:p>
@@ -4747,8 +7251,8 @@
               <a:buNone/>
             </a:pPr>
             <a:r>
-              <a:rPr lang="en-US" altLang="zh-CN" dirty="0"/>
-              <a:t>}</a:t>
+              <a:rPr lang="en-US" altLang="zh-CN" dirty="0" smtClean="0"/>
+              <a:t>} </a:t>
             </a:r>
             <a:endParaRPr lang="zh-CN" altLang="en-US" dirty="0"/>
           </a:p>
@@ -4945,7 +7449,7 @@
         <p:spPr/>
         <p:txBody>
           <a:bodyPr>
-            <a:normAutofit fontScale="85000" lnSpcReduction="20000"/>
+            <a:normAutofit fontScale="77500" lnSpcReduction="20000"/>
           </a:bodyPr>
           <a:lstStyle/>
           <a:p>
@@ -5012,7 +7516,19 @@
             </a:pPr>
             <a:r>
               <a:rPr lang="en-US" altLang="zh-CN" dirty="0"/>
-              <a:t>        source: "./color.png"</a:t>
+              <a:t>        source: </a:t>
+            </a:r>
+            <a:r>
+              <a:rPr lang="en-US" altLang="zh-CN" dirty="0" smtClean="0"/>
+              <a:t>"./</a:t>
+            </a:r>
+            <a:r>
+              <a:rPr lang="en-US" altLang="zh-CN" dirty="0" err="1" smtClean="0"/>
+              <a:t>bkg.png</a:t>
+            </a:r>
+            <a:r>
+              <a:rPr lang="en-US" altLang="zh-CN" dirty="0"/>
+              <a:t>"</a:t>
             </a:r>
             <a:endParaRPr lang="zh-CN" altLang="zh-CN" dirty="0"/>
           </a:p>
@@ -5051,6 +7567,15 @@
             <a:r>
               <a:rPr lang="en-US" altLang="zh-CN" dirty="0" smtClean="0"/>
               <a:t>}</a:t>
+            </a:r>
+          </a:p>
+          <a:p>
+            <a:pPr marL="0" indent="0">
+              <a:buNone/>
+            </a:pPr>
+            <a:r>
+              <a:rPr lang="en-US" altLang="zh-CN" dirty="0" err="1" smtClean="0"/>
+              <a:t>QmlViewer</a:t>
             </a:r>
             <a:r>
               <a:rPr lang="en-US" altLang="zh-CN" dirty="0"/>
@@ -5114,7 +7639,11 @@
           <a:p>
             <a:r>
               <a:rPr lang="zh-CN" altLang="en-US" dirty="0" smtClean="0"/>
-              <a:t>绘制</a:t>
+              <a:t>控件类继承结构</a:t>
+            </a:r>
+            <a:r>
+              <a:rPr lang="en-US" altLang="zh-CN" dirty="0" smtClean="0"/>
+              <a:t>?</a:t>
             </a:r>
             <a:endParaRPr lang="zh-CN" altLang="en-US" dirty="0"/>
           </a:p>
@@ -5137,7 +7666,7 @@
           <a:p>
             <a:r>
               <a:rPr lang="en-US" altLang="zh-CN" dirty="0" smtClean="0"/>
-              <a:t>Bolt	</a:t>
+              <a:t>Bolt</a:t>
             </a:r>
             <a:endParaRPr lang="zh-CN" altLang="en-US" dirty="0"/>
           </a:p>
@@ -5153,72 +7682,25 @@
             <p:ph sz="half" idx="2"/>
           </p:nvPr>
         </p:nvSpPr>
-        <p:spPr/>
-        <p:txBody>
-          <a:bodyPr/>
-          <a:lstStyle/>
-          <a:p>
-            <a:r>
-              <a:rPr lang="en-US" altLang="zh-CN" dirty="0" err="1" smtClean="0"/>
-              <a:t>Gdi</a:t>
-            </a:r>
-            <a:r>
-              <a:rPr lang="en-US" altLang="zh-CN" dirty="0" smtClean="0"/>
-              <a:t>/</a:t>
-            </a:r>
-            <a:r>
-              <a:rPr lang="en-US" altLang="zh-CN" dirty="0" err="1" smtClean="0"/>
-              <a:t>gdi</a:t>
-            </a:r>
-            <a:r>
-              <a:rPr lang="en-US" altLang="zh-CN" dirty="0" smtClean="0"/>
-              <a:t>+</a:t>
-            </a:r>
-            <a:r>
-              <a:rPr lang="zh-CN" altLang="en-US" dirty="0" smtClean="0"/>
-              <a:t>处理</a:t>
-            </a:r>
-            <a:r>
-              <a:rPr lang="en-US" altLang="zh-CN" dirty="0" smtClean="0"/>
-              <a:t>win32</a:t>
-            </a:r>
-            <a:r>
-              <a:rPr lang="zh-CN" altLang="en-US" dirty="0" smtClean="0"/>
-              <a:t>平台界面绘制</a:t>
-            </a:r>
-            <a:r>
-              <a:rPr lang="en-US" altLang="zh-CN" dirty="0" smtClean="0"/>
-              <a:t>, </a:t>
-            </a:r>
-            <a:r>
-              <a:rPr lang="zh-CN" altLang="en-US" dirty="0" smtClean="0"/>
-              <a:t>硬件加速</a:t>
-            </a:r>
-            <a:r>
-              <a:rPr lang="en-US" altLang="zh-CN" dirty="0" smtClean="0"/>
-              <a:t>DX, OpenGL?</a:t>
-            </a:r>
-          </a:p>
-          <a:p>
-            <a:r>
-              <a:rPr lang="en-US" altLang="zh-CN" dirty="0" smtClean="0"/>
-              <a:t>MMX/SSE</a:t>
-            </a:r>
-            <a:r>
-              <a:rPr lang="zh-CN" altLang="en-US" smtClean="0"/>
-              <a:t>指令集加速</a:t>
-            </a:r>
+        <p:spPr>
+          <a:xfrm>
+            <a:off x="844046" y="2505075"/>
+            <a:ext cx="5157787" cy="3684588"/>
+          </a:xfrm>
+        </p:spPr>
+        <p:txBody>
+          <a:bodyPr/>
+          <a:lstStyle/>
+          <a:p>
+            <a:pPr marL="0" indent="0">
+              <a:buNone/>
+            </a:pPr>
             <a:endParaRPr lang="en-US" altLang="zh-CN" dirty="0" smtClean="0"/>
           </a:p>
           <a:p>
-            <a:r>
-              <a:rPr lang="zh-CN" altLang="en-US" dirty="0" smtClean="0"/>
-              <a:t>尽量平台独立</a:t>
-            </a:r>
-            <a:r>
-              <a:rPr lang="en-US" altLang="zh-CN" dirty="0" smtClean="0"/>
-              <a:t>	</a:t>
-            </a:r>
+            <a:pPr marL="0" indent="0">
+              <a:buNone/>
+            </a:pPr>
             <a:endParaRPr lang="zh-CN" altLang="en-US" dirty="0"/>
           </a:p>
         </p:txBody>
@@ -5261,42 +7743,1005 @@
           <a:bodyPr/>
           <a:lstStyle/>
           <a:p>
-            <a:r>
-              <a:rPr lang="en-US" altLang="zh-CN" dirty="0" err="1" smtClean="0"/>
-              <a:t>Qt</a:t>
-            </a:r>
-            <a:r>
-              <a:rPr lang="en-US" altLang="zh-CN" dirty="0" smtClean="0"/>
-              <a:t> 5QPA(</a:t>
-            </a:r>
-            <a:r>
-              <a:rPr lang="en-US" altLang="zh-CN" dirty="0" err="1" smtClean="0"/>
-              <a:t>Qt</a:t>
-            </a:r>
-            <a:r>
-              <a:rPr lang="en-US" altLang="zh-CN" dirty="0" smtClean="0"/>
-              <a:t>-Platform-Abstraction)</a:t>
-            </a:r>
-          </a:p>
-          <a:p>
-            <a:r>
-              <a:rPr lang="en-US" altLang="zh-CN" dirty="0" smtClean="0"/>
-              <a:t>Before Qt5, QWS</a:t>
-            </a:r>
+            <a:pPr marL="0" indent="0">
+              <a:buNone/>
+            </a:pPr>
+            <a:endParaRPr lang="en-US" altLang="zh-CN" dirty="0" smtClean="0"/>
+          </a:p>
+          <a:p>
+            <a:pPr marL="0" indent="0">
+              <a:buNone/>
+            </a:pPr>
             <a:endParaRPr lang="zh-CN" altLang="en-US" dirty="0"/>
           </a:p>
         </p:txBody>
       </p:sp>
+      <p:sp>
+        <p:nvSpPr>
+          <p:cNvPr id="7" name="矩形 6"/>
+          <p:cNvSpPr/>
+          <p:nvPr/>
+        </p:nvSpPr>
+        <p:spPr>
+          <a:xfrm>
+            <a:off x="2680855" y="2784764"/>
+            <a:ext cx="1475509" cy="363681"/>
+          </a:xfrm>
+          <a:prstGeom prst="rect">
+            <a:avLst/>
+          </a:prstGeom>
+        </p:spPr>
+        <p:style>
+          <a:lnRef idx="2">
+            <a:schemeClr val="accent1">
+              <a:shade val="50000"/>
+            </a:schemeClr>
+          </a:lnRef>
+          <a:fillRef idx="1">
+            <a:schemeClr val="accent1"/>
+          </a:fillRef>
+          <a:effectRef idx="0">
+            <a:schemeClr val="accent1"/>
+          </a:effectRef>
+          <a:fontRef idx="minor">
+            <a:schemeClr val="lt1"/>
+          </a:fontRef>
+        </p:style>
+        <p:txBody>
+          <a:bodyPr rtlCol="0" anchor="ctr"/>
+          <a:lstStyle/>
+          <a:p>
+            <a:pPr algn="ctr"/>
+            <a:r>
+              <a:rPr lang="en-US" altLang="zh-CN" dirty="0" err="1" smtClean="0"/>
+              <a:t>LayoutObject</a:t>
+            </a:r>
+            <a:endParaRPr lang="zh-CN" altLang="en-US" dirty="0"/>
+          </a:p>
+        </p:txBody>
+      </p:sp>
+      <p:sp>
+        <p:nvSpPr>
+          <p:cNvPr id="8" name="矩形 7"/>
+          <p:cNvSpPr/>
+          <p:nvPr/>
+        </p:nvSpPr>
+        <p:spPr>
+          <a:xfrm>
+            <a:off x="839788" y="4644736"/>
+            <a:ext cx="1184564" cy="426027"/>
+          </a:xfrm>
+          <a:prstGeom prst="rect">
+            <a:avLst/>
+          </a:prstGeom>
+        </p:spPr>
+        <p:style>
+          <a:lnRef idx="2">
+            <a:schemeClr val="accent1">
+              <a:shade val="50000"/>
+            </a:schemeClr>
+          </a:lnRef>
+          <a:fillRef idx="1">
+            <a:schemeClr val="accent1"/>
+          </a:fillRef>
+          <a:effectRef idx="0">
+            <a:schemeClr val="accent1"/>
+          </a:effectRef>
+          <a:fontRef idx="minor">
+            <a:schemeClr val="lt1"/>
+          </a:fontRef>
+        </p:style>
+        <p:txBody>
+          <a:bodyPr rtlCol="0" anchor="ctr"/>
+          <a:lstStyle/>
+          <a:p>
+            <a:pPr algn="ctr"/>
+            <a:r>
+              <a:rPr lang="en-US" altLang="zh-CN" dirty="0" smtClean="0"/>
+              <a:t>Control</a:t>
+            </a:r>
+            <a:endParaRPr lang="zh-CN" altLang="en-US" dirty="0"/>
+          </a:p>
+        </p:txBody>
+      </p:sp>
+      <p:sp>
+        <p:nvSpPr>
+          <p:cNvPr id="9" name="矩形 8"/>
+          <p:cNvSpPr/>
+          <p:nvPr/>
+        </p:nvSpPr>
+        <p:spPr>
+          <a:xfrm>
+            <a:off x="2215537" y="4634344"/>
+            <a:ext cx="1423555" cy="446809"/>
+          </a:xfrm>
+          <a:prstGeom prst="rect">
+            <a:avLst/>
+          </a:prstGeom>
+        </p:spPr>
+        <p:style>
+          <a:lnRef idx="2">
+            <a:schemeClr val="accent1">
+              <a:shade val="50000"/>
+            </a:schemeClr>
+          </a:lnRef>
+          <a:fillRef idx="1">
+            <a:schemeClr val="accent1"/>
+          </a:fillRef>
+          <a:effectRef idx="0">
+            <a:schemeClr val="accent1"/>
+          </a:effectRef>
+          <a:fontRef idx="minor">
+            <a:schemeClr val="lt1"/>
+          </a:fontRef>
+        </p:style>
+        <p:txBody>
+          <a:bodyPr rtlCol="0" anchor="ctr"/>
+          <a:lstStyle/>
+          <a:p>
+            <a:pPr algn="ctr"/>
+            <a:r>
+              <a:rPr lang="en-US" altLang="zh-CN" dirty="0" err="1" smtClean="0"/>
+              <a:t>ImageObject</a:t>
+            </a:r>
+            <a:endParaRPr lang="zh-CN" altLang="en-US" dirty="0"/>
+          </a:p>
+        </p:txBody>
+      </p:sp>
+      <p:sp>
+        <p:nvSpPr>
+          <p:cNvPr id="10" name="矩形 9"/>
+          <p:cNvSpPr/>
+          <p:nvPr/>
+        </p:nvSpPr>
+        <p:spPr>
+          <a:xfrm>
+            <a:off x="3830278" y="4623954"/>
+            <a:ext cx="1278081" cy="457199"/>
+          </a:xfrm>
+          <a:prstGeom prst="rect">
+            <a:avLst/>
+          </a:prstGeom>
+        </p:spPr>
+        <p:style>
+          <a:lnRef idx="2">
+            <a:schemeClr val="accent1">
+              <a:shade val="50000"/>
+            </a:schemeClr>
+          </a:lnRef>
+          <a:fillRef idx="1">
+            <a:schemeClr val="accent1"/>
+          </a:fillRef>
+          <a:effectRef idx="0">
+            <a:schemeClr val="accent1"/>
+          </a:effectRef>
+          <a:fontRef idx="minor">
+            <a:schemeClr val="lt1"/>
+          </a:fontRef>
+        </p:style>
+        <p:txBody>
+          <a:bodyPr rtlCol="0" anchor="ctr"/>
+          <a:lstStyle/>
+          <a:p>
+            <a:pPr algn="ctr"/>
+            <a:r>
+              <a:rPr lang="en-US" altLang="zh-CN" dirty="0" err="1" smtClean="0"/>
+              <a:t>TextObject</a:t>
+            </a:r>
+            <a:endParaRPr lang="zh-CN" altLang="en-US" dirty="0"/>
+          </a:p>
+        </p:txBody>
+      </p:sp>
+      <p:sp>
+        <p:nvSpPr>
+          <p:cNvPr id="11" name="矩形 10"/>
+          <p:cNvSpPr/>
+          <p:nvPr/>
+        </p:nvSpPr>
+        <p:spPr>
+          <a:xfrm>
+            <a:off x="5299545" y="4644736"/>
+            <a:ext cx="405246" cy="446808"/>
+          </a:xfrm>
+          <a:prstGeom prst="rect">
+            <a:avLst/>
+          </a:prstGeom>
+        </p:spPr>
+        <p:style>
+          <a:lnRef idx="2">
+            <a:schemeClr val="accent1">
+              <a:shade val="50000"/>
+            </a:schemeClr>
+          </a:lnRef>
+          <a:fillRef idx="1">
+            <a:schemeClr val="accent1"/>
+          </a:fillRef>
+          <a:effectRef idx="0">
+            <a:schemeClr val="accent1"/>
+          </a:effectRef>
+          <a:fontRef idx="minor">
+            <a:schemeClr val="lt1"/>
+          </a:fontRef>
+        </p:style>
+        <p:txBody>
+          <a:bodyPr rtlCol="0" anchor="ctr"/>
+          <a:lstStyle/>
+          <a:p>
+            <a:pPr algn="ctr"/>
+            <a:r>
+              <a:rPr lang="en-US" altLang="zh-CN" sz="4000" dirty="0" smtClean="0"/>
+              <a:t>…</a:t>
+            </a:r>
+            <a:endParaRPr lang="zh-CN" altLang="en-US" sz="4000" dirty="0"/>
+          </a:p>
+        </p:txBody>
+      </p:sp>
+      <p:sp>
+        <p:nvSpPr>
+          <p:cNvPr id="12" name="等腰三角形 11"/>
+          <p:cNvSpPr/>
+          <p:nvPr/>
+        </p:nvSpPr>
+        <p:spPr>
+          <a:xfrm>
+            <a:off x="3304309" y="3148445"/>
+            <a:ext cx="332509" cy="197428"/>
+          </a:xfrm>
+          <a:prstGeom prst="triangle">
+            <a:avLst/>
+          </a:prstGeom>
+        </p:spPr>
+        <p:style>
+          <a:lnRef idx="2">
+            <a:schemeClr val="accent1">
+              <a:shade val="50000"/>
+            </a:schemeClr>
+          </a:lnRef>
+          <a:fillRef idx="1">
+            <a:schemeClr val="accent1"/>
+          </a:fillRef>
+          <a:effectRef idx="0">
+            <a:schemeClr val="accent1"/>
+          </a:effectRef>
+          <a:fontRef idx="minor">
+            <a:schemeClr val="lt1"/>
+          </a:fontRef>
+        </p:style>
+        <p:txBody>
+          <a:bodyPr rtlCol="0" anchor="ctr"/>
+          <a:lstStyle/>
+          <a:p>
+            <a:pPr algn="ctr"/>
+            <a:endParaRPr lang="zh-CN" altLang="en-US"/>
+          </a:p>
+        </p:txBody>
+      </p:sp>
+      <p:cxnSp>
+        <p:nvCxnSpPr>
+          <p:cNvPr id="14" name="直接连接符 13"/>
+          <p:cNvCxnSpPr>
+            <a:endCxn id="9" idx="0"/>
+          </p:cNvCxnSpPr>
+          <p:nvPr/>
+        </p:nvCxnSpPr>
+        <p:spPr>
+          <a:xfrm flipH="1">
+            <a:off x="2927315" y="3821113"/>
+            <a:ext cx="543248" cy="813231"/>
+          </a:xfrm>
+          <a:prstGeom prst="line">
+            <a:avLst/>
+          </a:prstGeom>
+        </p:spPr>
+        <p:style>
+          <a:lnRef idx="1">
+            <a:schemeClr val="accent1"/>
+          </a:lnRef>
+          <a:fillRef idx="0">
+            <a:schemeClr val="accent1"/>
+          </a:fillRef>
+          <a:effectRef idx="0">
+            <a:schemeClr val="accent1"/>
+          </a:effectRef>
+          <a:fontRef idx="minor">
+            <a:schemeClr val="tx1"/>
+          </a:fontRef>
+        </p:style>
+      </p:cxnSp>
+      <p:cxnSp>
+        <p:nvCxnSpPr>
+          <p:cNvPr id="16" name="直接连接符 15"/>
+          <p:cNvCxnSpPr>
+            <a:endCxn id="10" idx="0"/>
+          </p:cNvCxnSpPr>
+          <p:nvPr/>
+        </p:nvCxnSpPr>
+        <p:spPr>
+          <a:xfrm>
+            <a:off x="3470563" y="3821113"/>
+            <a:ext cx="998756" cy="802841"/>
+          </a:xfrm>
+          <a:prstGeom prst="line">
+            <a:avLst/>
+          </a:prstGeom>
+        </p:spPr>
+        <p:style>
+          <a:lnRef idx="1">
+            <a:schemeClr val="accent1"/>
+          </a:lnRef>
+          <a:fillRef idx="0">
+            <a:schemeClr val="accent1"/>
+          </a:fillRef>
+          <a:effectRef idx="0">
+            <a:schemeClr val="accent1"/>
+          </a:effectRef>
+          <a:fontRef idx="minor">
+            <a:schemeClr val="tx1"/>
+          </a:fontRef>
+        </p:style>
+      </p:cxnSp>
+      <p:cxnSp>
+        <p:nvCxnSpPr>
+          <p:cNvPr id="18" name="直接连接符 17"/>
+          <p:cNvCxnSpPr>
+            <a:endCxn id="8" idx="0"/>
+          </p:cNvCxnSpPr>
+          <p:nvPr/>
+        </p:nvCxnSpPr>
+        <p:spPr>
+          <a:xfrm flipH="1">
+            <a:off x="1432070" y="3809567"/>
+            <a:ext cx="2038493" cy="835169"/>
+          </a:xfrm>
+          <a:prstGeom prst="line">
+            <a:avLst/>
+          </a:prstGeom>
+        </p:spPr>
+        <p:style>
+          <a:lnRef idx="1">
+            <a:schemeClr val="accent1"/>
+          </a:lnRef>
+          <a:fillRef idx="0">
+            <a:schemeClr val="accent1"/>
+          </a:fillRef>
+          <a:effectRef idx="0">
+            <a:schemeClr val="accent1"/>
+          </a:effectRef>
+          <a:fontRef idx="minor">
+            <a:schemeClr val="tx1"/>
+          </a:fontRef>
+        </p:style>
+      </p:cxnSp>
+      <p:cxnSp>
+        <p:nvCxnSpPr>
+          <p:cNvPr id="20" name="直接连接符 19"/>
+          <p:cNvCxnSpPr>
+            <a:stCxn id="12" idx="3"/>
+          </p:cNvCxnSpPr>
+          <p:nvPr/>
+        </p:nvCxnSpPr>
+        <p:spPr>
+          <a:xfrm flipH="1">
+            <a:off x="3470563" y="3345873"/>
+            <a:ext cx="1" cy="463694"/>
+          </a:xfrm>
+          <a:prstGeom prst="line">
+            <a:avLst/>
+          </a:prstGeom>
+        </p:spPr>
+        <p:style>
+          <a:lnRef idx="1">
+            <a:schemeClr val="accent1"/>
+          </a:lnRef>
+          <a:fillRef idx="0">
+            <a:schemeClr val="accent1"/>
+          </a:fillRef>
+          <a:effectRef idx="0">
+            <a:schemeClr val="accent1"/>
+          </a:effectRef>
+          <a:fontRef idx="minor">
+            <a:schemeClr val="tx1"/>
+          </a:fontRef>
+        </p:style>
+      </p:cxnSp>
+      <p:cxnSp>
+        <p:nvCxnSpPr>
+          <p:cNvPr id="28" name="直接连接符 27"/>
+          <p:cNvCxnSpPr>
+            <a:endCxn id="11" idx="0"/>
+          </p:cNvCxnSpPr>
+          <p:nvPr/>
+        </p:nvCxnSpPr>
+        <p:spPr>
+          <a:xfrm>
+            <a:off x="3470563" y="3821113"/>
+            <a:ext cx="2031605" cy="823623"/>
+          </a:xfrm>
+          <a:prstGeom prst="line">
+            <a:avLst/>
+          </a:prstGeom>
+        </p:spPr>
+        <p:style>
+          <a:lnRef idx="1">
+            <a:schemeClr val="accent1"/>
+          </a:lnRef>
+          <a:fillRef idx="0">
+            <a:schemeClr val="accent1"/>
+          </a:fillRef>
+          <a:effectRef idx="0">
+            <a:schemeClr val="accent1"/>
+          </a:effectRef>
+          <a:fontRef idx="minor">
+            <a:schemeClr val="tx1"/>
+          </a:fontRef>
+        </p:style>
+      </p:cxnSp>
+      <p:sp>
+        <p:nvSpPr>
+          <p:cNvPr id="29" name="矩形 28"/>
+          <p:cNvSpPr/>
+          <p:nvPr/>
+        </p:nvSpPr>
+        <p:spPr>
+          <a:xfrm>
+            <a:off x="7333945" y="2740169"/>
+            <a:ext cx="1392381" cy="408275"/>
+          </a:xfrm>
+          <a:prstGeom prst="rect">
+            <a:avLst/>
+          </a:prstGeom>
+        </p:spPr>
+        <p:style>
+          <a:lnRef idx="2">
+            <a:schemeClr val="accent1">
+              <a:shade val="50000"/>
+            </a:schemeClr>
+          </a:lnRef>
+          <a:fillRef idx="1">
+            <a:schemeClr val="accent1"/>
+          </a:fillRef>
+          <a:effectRef idx="0">
+            <a:schemeClr val="accent1"/>
+          </a:effectRef>
+          <a:fontRef idx="minor">
+            <a:schemeClr val="lt1"/>
+          </a:fontRef>
+        </p:style>
+        <p:txBody>
+          <a:bodyPr rtlCol="0" anchor="ctr"/>
+          <a:lstStyle/>
+          <a:p>
+            <a:pPr algn="ctr"/>
+            <a:r>
+              <a:rPr lang="en-US" altLang="zh-CN" dirty="0" err="1" smtClean="0"/>
+              <a:t>QObject</a:t>
+            </a:r>
+            <a:endParaRPr lang="zh-CN" altLang="en-US" dirty="0"/>
+          </a:p>
+        </p:txBody>
+      </p:sp>
+      <p:sp>
+        <p:nvSpPr>
+          <p:cNvPr id="30" name="矩形 29"/>
+          <p:cNvSpPr/>
+          <p:nvPr/>
+        </p:nvSpPr>
+        <p:spPr>
+          <a:xfrm>
+            <a:off x="9027499" y="2740170"/>
+            <a:ext cx="1758265" cy="408275"/>
+          </a:xfrm>
+          <a:prstGeom prst="rect">
+            <a:avLst/>
+          </a:prstGeom>
+        </p:spPr>
+        <p:style>
+          <a:lnRef idx="2">
+            <a:schemeClr val="accent1">
+              <a:shade val="50000"/>
+            </a:schemeClr>
+          </a:lnRef>
+          <a:fillRef idx="1">
+            <a:schemeClr val="accent1"/>
+          </a:fillRef>
+          <a:effectRef idx="0">
+            <a:schemeClr val="accent1"/>
+          </a:effectRef>
+          <a:fontRef idx="minor">
+            <a:schemeClr val="lt1"/>
+          </a:fontRef>
+        </p:style>
+        <p:txBody>
+          <a:bodyPr rtlCol="0" anchor="ctr"/>
+          <a:lstStyle/>
+          <a:p>
+            <a:pPr algn="ctr"/>
+            <a:r>
+              <a:rPr lang="en-US" altLang="zh-CN" dirty="0" err="1" smtClean="0"/>
+              <a:t>QPaintDevice</a:t>
+            </a:r>
+            <a:endParaRPr lang="zh-CN" altLang="en-US" dirty="0"/>
+          </a:p>
+        </p:txBody>
+      </p:sp>
+      <p:sp>
+        <p:nvSpPr>
+          <p:cNvPr id="31" name="矩形 30"/>
+          <p:cNvSpPr/>
+          <p:nvPr/>
+        </p:nvSpPr>
+        <p:spPr>
+          <a:xfrm>
+            <a:off x="8119394" y="3606944"/>
+            <a:ext cx="1787237" cy="405246"/>
+          </a:xfrm>
+          <a:prstGeom prst="rect">
+            <a:avLst/>
+          </a:prstGeom>
+        </p:spPr>
+        <p:style>
+          <a:lnRef idx="2">
+            <a:schemeClr val="accent1">
+              <a:shade val="50000"/>
+            </a:schemeClr>
+          </a:lnRef>
+          <a:fillRef idx="1">
+            <a:schemeClr val="accent1"/>
+          </a:fillRef>
+          <a:effectRef idx="0">
+            <a:schemeClr val="accent1"/>
+          </a:effectRef>
+          <a:fontRef idx="minor">
+            <a:schemeClr val="lt1"/>
+          </a:fontRef>
+        </p:style>
+        <p:txBody>
+          <a:bodyPr rtlCol="0" anchor="ctr"/>
+          <a:lstStyle/>
+          <a:p>
+            <a:pPr algn="ctr"/>
+            <a:r>
+              <a:rPr lang="en-US" altLang="zh-CN" dirty="0" err="1" smtClean="0"/>
+              <a:t>QWidget</a:t>
+            </a:r>
+            <a:endParaRPr lang="zh-CN" altLang="en-US" dirty="0"/>
+          </a:p>
+        </p:txBody>
+      </p:sp>
+      <p:sp>
+        <p:nvSpPr>
+          <p:cNvPr id="32" name="等腰三角形 31"/>
+          <p:cNvSpPr/>
+          <p:nvPr/>
+        </p:nvSpPr>
+        <p:spPr>
+          <a:xfrm>
+            <a:off x="7923644" y="3148444"/>
+            <a:ext cx="168912" cy="191800"/>
+          </a:xfrm>
+          <a:prstGeom prst="triangle">
+            <a:avLst/>
+          </a:prstGeom>
+        </p:spPr>
+        <p:style>
+          <a:lnRef idx="2">
+            <a:schemeClr val="accent1">
+              <a:shade val="50000"/>
+            </a:schemeClr>
+          </a:lnRef>
+          <a:fillRef idx="1">
+            <a:schemeClr val="accent1"/>
+          </a:fillRef>
+          <a:effectRef idx="0">
+            <a:schemeClr val="accent1"/>
+          </a:effectRef>
+          <a:fontRef idx="minor">
+            <a:schemeClr val="lt1"/>
+          </a:fontRef>
+        </p:style>
+        <p:txBody>
+          <a:bodyPr rtlCol="0" anchor="ctr"/>
+          <a:lstStyle/>
+          <a:p>
+            <a:pPr algn="ctr"/>
+            <a:endParaRPr lang="zh-CN" altLang="en-US"/>
+          </a:p>
+        </p:txBody>
+      </p:sp>
+      <p:sp>
+        <p:nvSpPr>
+          <p:cNvPr id="33" name="等腰三角形 32"/>
+          <p:cNvSpPr/>
+          <p:nvPr/>
+        </p:nvSpPr>
+        <p:spPr>
+          <a:xfrm>
+            <a:off x="9844000" y="3148444"/>
+            <a:ext cx="154652" cy="189777"/>
+          </a:xfrm>
+          <a:prstGeom prst="triangle">
+            <a:avLst/>
+          </a:prstGeom>
+        </p:spPr>
+        <p:style>
+          <a:lnRef idx="2">
+            <a:schemeClr val="accent1">
+              <a:shade val="50000"/>
+            </a:schemeClr>
+          </a:lnRef>
+          <a:fillRef idx="1">
+            <a:schemeClr val="accent1"/>
+          </a:fillRef>
+          <a:effectRef idx="0">
+            <a:schemeClr val="accent1"/>
+          </a:effectRef>
+          <a:fontRef idx="minor">
+            <a:schemeClr val="lt1"/>
+          </a:fontRef>
+        </p:style>
+        <p:txBody>
+          <a:bodyPr rtlCol="0" anchor="ctr"/>
+          <a:lstStyle/>
+          <a:p>
+            <a:pPr algn="ctr"/>
+            <a:endParaRPr lang="zh-CN" altLang="en-US"/>
+          </a:p>
+        </p:txBody>
+      </p:sp>
+      <p:sp>
+        <p:nvSpPr>
+          <p:cNvPr id="34" name="矩形 33"/>
+          <p:cNvSpPr/>
+          <p:nvPr/>
+        </p:nvSpPr>
+        <p:spPr>
+          <a:xfrm>
+            <a:off x="6546273" y="4623954"/>
+            <a:ext cx="1377371" cy="457199"/>
+          </a:xfrm>
+          <a:prstGeom prst="rect">
+            <a:avLst/>
+          </a:prstGeom>
+        </p:spPr>
+        <p:style>
+          <a:lnRef idx="2">
+            <a:schemeClr val="accent1">
+              <a:shade val="50000"/>
+            </a:schemeClr>
+          </a:lnRef>
+          <a:fillRef idx="1">
+            <a:schemeClr val="accent1"/>
+          </a:fillRef>
+          <a:effectRef idx="0">
+            <a:schemeClr val="accent1"/>
+          </a:effectRef>
+          <a:fontRef idx="minor">
+            <a:schemeClr val="lt1"/>
+          </a:fontRef>
+        </p:style>
+        <p:txBody>
+          <a:bodyPr rtlCol="0" anchor="ctr"/>
+          <a:lstStyle/>
+          <a:p>
+            <a:pPr algn="ctr"/>
+            <a:r>
+              <a:rPr lang="en-US" altLang="zh-CN" dirty="0" err="1" smtClean="0"/>
+              <a:t>QLabel</a:t>
+            </a:r>
+            <a:endParaRPr lang="zh-CN" altLang="en-US" dirty="0"/>
+          </a:p>
+        </p:txBody>
+      </p:sp>
+      <p:sp>
+        <p:nvSpPr>
+          <p:cNvPr id="35" name="矩形 34"/>
+          <p:cNvSpPr/>
+          <p:nvPr/>
+        </p:nvSpPr>
+        <p:spPr>
+          <a:xfrm>
+            <a:off x="8378698" y="4623954"/>
+            <a:ext cx="1623579" cy="467590"/>
+          </a:xfrm>
+          <a:prstGeom prst="rect">
+            <a:avLst/>
+          </a:prstGeom>
+        </p:spPr>
+        <p:style>
+          <a:lnRef idx="2">
+            <a:schemeClr val="accent1">
+              <a:shade val="50000"/>
+            </a:schemeClr>
+          </a:lnRef>
+          <a:fillRef idx="1">
+            <a:schemeClr val="accent1"/>
+          </a:fillRef>
+          <a:effectRef idx="0">
+            <a:schemeClr val="accent1"/>
+          </a:effectRef>
+          <a:fontRef idx="minor">
+            <a:schemeClr val="lt1"/>
+          </a:fontRef>
+        </p:style>
+        <p:txBody>
+          <a:bodyPr rtlCol="0" anchor="ctr"/>
+          <a:lstStyle/>
+          <a:p>
+            <a:pPr algn="ctr"/>
+            <a:r>
+              <a:rPr lang="en-US" altLang="zh-CN" dirty="0" err="1" smtClean="0"/>
+              <a:t>QPushButton</a:t>
+            </a:r>
+            <a:endParaRPr lang="zh-CN" altLang="en-US" dirty="0"/>
+          </a:p>
+        </p:txBody>
+      </p:sp>
+      <p:sp>
+        <p:nvSpPr>
+          <p:cNvPr id="36" name="矩形 35"/>
+          <p:cNvSpPr/>
+          <p:nvPr/>
+        </p:nvSpPr>
+        <p:spPr>
+          <a:xfrm>
+            <a:off x="10457332" y="4603173"/>
+            <a:ext cx="696371" cy="467590"/>
+          </a:xfrm>
+          <a:prstGeom prst="rect">
+            <a:avLst/>
+          </a:prstGeom>
+        </p:spPr>
+        <p:style>
+          <a:lnRef idx="2">
+            <a:schemeClr val="accent1">
+              <a:shade val="50000"/>
+            </a:schemeClr>
+          </a:lnRef>
+          <a:fillRef idx="1">
+            <a:schemeClr val="accent1"/>
+          </a:fillRef>
+          <a:effectRef idx="0">
+            <a:schemeClr val="accent1"/>
+          </a:effectRef>
+          <a:fontRef idx="minor">
+            <a:schemeClr val="lt1"/>
+          </a:fontRef>
+        </p:style>
+        <p:txBody>
+          <a:bodyPr rtlCol="0" anchor="ctr"/>
+          <a:lstStyle/>
+          <a:p>
+            <a:pPr algn="ctr"/>
+            <a:r>
+              <a:rPr lang="en-US" altLang="zh-CN" sz="4800" dirty="0" smtClean="0"/>
+              <a:t>…</a:t>
+            </a:r>
+            <a:endParaRPr lang="zh-CN" altLang="en-US" sz="4800" dirty="0"/>
+          </a:p>
+        </p:txBody>
+      </p:sp>
+      <p:sp>
+        <p:nvSpPr>
+          <p:cNvPr id="37" name="等腰三角形 36"/>
+          <p:cNvSpPr/>
+          <p:nvPr/>
+        </p:nvSpPr>
+        <p:spPr>
+          <a:xfrm>
+            <a:off x="8869586" y="4001799"/>
+            <a:ext cx="286852" cy="220734"/>
+          </a:xfrm>
+          <a:prstGeom prst="triangle">
+            <a:avLst/>
+          </a:prstGeom>
+        </p:spPr>
+        <p:style>
+          <a:lnRef idx="2">
+            <a:schemeClr val="accent1">
+              <a:shade val="50000"/>
+            </a:schemeClr>
+          </a:lnRef>
+          <a:fillRef idx="1">
+            <a:schemeClr val="accent1"/>
+          </a:fillRef>
+          <a:effectRef idx="0">
+            <a:schemeClr val="accent1"/>
+          </a:effectRef>
+          <a:fontRef idx="minor">
+            <a:schemeClr val="lt1"/>
+          </a:fontRef>
+        </p:style>
+        <p:txBody>
+          <a:bodyPr rtlCol="0" anchor="ctr"/>
+          <a:lstStyle/>
+          <a:p>
+            <a:pPr algn="ctr"/>
+            <a:endParaRPr lang="zh-CN" altLang="en-US"/>
+          </a:p>
+        </p:txBody>
+      </p:sp>
+      <p:cxnSp>
+        <p:nvCxnSpPr>
+          <p:cNvPr id="39" name="直接连接符 38"/>
+          <p:cNvCxnSpPr>
+            <a:stCxn id="32" idx="3"/>
+            <a:endCxn id="31" idx="0"/>
+          </p:cNvCxnSpPr>
+          <p:nvPr/>
+        </p:nvCxnSpPr>
+        <p:spPr>
+          <a:xfrm>
+            <a:off x="8008100" y="3340244"/>
+            <a:ext cx="1004913" cy="266700"/>
+          </a:xfrm>
+          <a:prstGeom prst="line">
+            <a:avLst/>
+          </a:prstGeom>
+        </p:spPr>
+        <p:style>
+          <a:lnRef idx="1">
+            <a:schemeClr val="accent1"/>
+          </a:lnRef>
+          <a:fillRef idx="0">
+            <a:schemeClr val="accent1"/>
+          </a:fillRef>
+          <a:effectRef idx="0">
+            <a:schemeClr val="accent1"/>
+          </a:effectRef>
+          <a:fontRef idx="minor">
+            <a:schemeClr val="tx1"/>
+          </a:fontRef>
+        </p:style>
+      </p:cxnSp>
+      <p:cxnSp>
+        <p:nvCxnSpPr>
+          <p:cNvPr id="41" name="直接连接符 40"/>
+          <p:cNvCxnSpPr>
+            <a:stCxn id="33" idx="3"/>
+            <a:endCxn id="31" idx="0"/>
+          </p:cNvCxnSpPr>
+          <p:nvPr/>
+        </p:nvCxnSpPr>
+        <p:spPr>
+          <a:xfrm flipH="1">
+            <a:off x="9013013" y="3338221"/>
+            <a:ext cx="908313" cy="268723"/>
+          </a:xfrm>
+          <a:prstGeom prst="line">
+            <a:avLst/>
+          </a:prstGeom>
+        </p:spPr>
+        <p:style>
+          <a:lnRef idx="1">
+            <a:schemeClr val="accent1"/>
+          </a:lnRef>
+          <a:fillRef idx="0">
+            <a:schemeClr val="accent1"/>
+          </a:fillRef>
+          <a:effectRef idx="0">
+            <a:schemeClr val="accent1"/>
+          </a:effectRef>
+          <a:fontRef idx="minor">
+            <a:schemeClr val="tx1"/>
+          </a:fontRef>
+        </p:style>
+      </p:cxnSp>
+      <p:cxnSp>
+        <p:nvCxnSpPr>
+          <p:cNvPr id="43" name="直接连接符 42"/>
+          <p:cNvCxnSpPr>
+            <a:stCxn id="37" idx="3"/>
+            <a:endCxn id="34" idx="0"/>
+          </p:cNvCxnSpPr>
+          <p:nvPr/>
+        </p:nvCxnSpPr>
+        <p:spPr>
+          <a:xfrm flipH="1">
+            <a:off x="7234959" y="4222533"/>
+            <a:ext cx="1778053" cy="401421"/>
+          </a:xfrm>
+          <a:prstGeom prst="line">
+            <a:avLst/>
+          </a:prstGeom>
+        </p:spPr>
+        <p:style>
+          <a:lnRef idx="1">
+            <a:schemeClr val="accent1"/>
+          </a:lnRef>
+          <a:fillRef idx="0">
+            <a:schemeClr val="accent1"/>
+          </a:fillRef>
+          <a:effectRef idx="0">
+            <a:schemeClr val="accent1"/>
+          </a:effectRef>
+          <a:fontRef idx="minor">
+            <a:schemeClr val="tx1"/>
+          </a:fontRef>
+        </p:style>
+      </p:cxnSp>
+      <p:cxnSp>
+        <p:nvCxnSpPr>
+          <p:cNvPr id="45" name="直接连接符 44"/>
+          <p:cNvCxnSpPr>
+            <a:stCxn id="37" idx="3"/>
+            <a:endCxn id="35" idx="0"/>
+          </p:cNvCxnSpPr>
+          <p:nvPr/>
+        </p:nvCxnSpPr>
+        <p:spPr>
+          <a:xfrm>
+            <a:off x="9013012" y="4222533"/>
+            <a:ext cx="177476" cy="401421"/>
+          </a:xfrm>
+          <a:prstGeom prst="line">
+            <a:avLst/>
+          </a:prstGeom>
+        </p:spPr>
+        <p:style>
+          <a:lnRef idx="1">
+            <a:schemeClr val="accent1"/>
+          </a:lnRef>
+          <a:fillRef idx="0">
+            <a:schemeClr val="accent1"/>
+          </a:fillRef>
+          <a:effectRef idx="0">
+            <a:schemeClr val="accent1"/>
+          </a:effectRef>
+          <a:fontRef idx="minor">
+            <a:schemeClr val="tx1"/>
+          </a:fontRef>
+        </p:style>
+      </p:cxnSp>
+      <p:cxnSp>
+        <p:nvCxnSpPr>
+          <p:cNvPr id="47" name="直接连接符 46"/>
+          <p:cNvCxnSpPr>
+            <a:stCxn id="37" idx="3"/>
+            <a:endCxn id="36" idx="0"/>
+          </p:cNvCxnSpPr>
+          <p:nvPr/>
+        </p:nvCxnSpPr>
+        <p:spPr>
+          <a:xfrm>
+            <a:off x="9013012" y="4222533"/>
+            <a:ext cx="1792506" cy="380640"/>
+          </a:xfrm>
+          <a:prstGeom prst="line">
+            <a:avLst/>
+          </a:prstGeom>
+        </p:spPr>
+        <p:style>
+          <a:lnRef idx="1">
+            <a:schemeClr val="accent1"/>
+          </a:lnRef>
+          <a:fillRef idx="0">
+            <a:schemeClr val="accent1"/>
+          </a:fillRef>
+          <a:effectRef idx="0">
+            <a:schemeClr val="accent1"/>
+          </a:effectRef>
+          <a:fontRef idx="minor">
+            <a:schemeClr val="tx1"/>
+          </a:fontRef>
+        </p:style>
+      </p:cxnSp>
     </p:spTree>
     <p:extLst>
       <p:ext uri="{BB962C8B-B14F-4D97-AF65-F5344CB8AC3E}">
-        <p14:creationId xmlns:p14="http://schemas.microsoft.com/office/powerpoint/2010/main" val="1887856256"/>
+        <p14:creationId xmlns:p14="http://schemas.microsoft.com/office/powerpoint/2010/main" val="2625900353"/>
       </p:ext>
     </p:extLst>
   </p:cSld>
   <p:clrMapOvr>
     <a:masterClrMapping/>
   </p:clrMapOvr>
+  <p:timing>
+    <p:tnLst>
+      <p:par>
+        <p:cTn id="1" dur="indefinite" restart="never" nodeType="tmRoot"/>
+      </p:par>
+    </p:tnLst>
+  </p:timing>
 </p:sld>
 </file>
 
@@ -5334,7 +8779,11 @@
           <a:p>
             <a:r>
               <a:rPr lang="zh-CN" altLang="en-US" dirty="0" smtClean="0"/>
-              <a:t>布局控制</a:t>
+              <a:t>布局控制 和 对象资源管理</a:t>
+            </a:r>
+            <a:r>
+              <a:rPr lang="en-US" altLang="zh-CN" dirty="0" smtClean="0"/>
+              <a:t>?</a:t>
             </a:r>
             <a:endParaRPr lang="zh-CN" altLang="en-US" dirty="0"/>
           </a:p>
@@ -5382,6 +8831,43 @@
               <a:rPr lang="zh-CN" altLang="en-US" dirty="0" smtClean="0"/>
               <a:t>对象树</a:t>
             </a:r>
+            <a:endParaRPr lang="en-US" altLang="zh-CN" dirty="0" smtClean="0"/>
+          </a:p>
+          <a:p>
+            <a:endParaRPr lang="en-US" altLang="zh-CN" dirty="0"/>
+          </a:p>
+          <a:p>
+            <a:r>
+              <a:rPr lang="en-US" altLang="zh-CN" dirty="0" err="1" smtClean="0"/>
+              <a:t>Father.left</a:t>
+            </a:r>
+            <a:r>
+              <a:rPr lang="en-US" altLang="zh-CN" dirty="0" smtClean="0"/>
+              <a:t>, top, width, height</a:t>
+            </a:r>
+          </a:p>
+          <a:p>
+            <a:r>
+              <a:rPr lang="en-US" altLang="zh-CN" dirty="0" smtClean="0"/>
+              <a:t>&lt;left&gt;0&lt;/left&gt; &lt;width&gt;100&lt;/width</a:t>
+            </a:r>
+            <a:r>
+              <a:rPr lang="en-US" altLang="zh-CN" dirty="0" smtClean="0"/>
+              <a:t>&gt;</a:t>
+            </a:r>
+          </a:p>
+          <a:p>
+            <a:endParaRPr lang="en-US" altLang="zh-CN" dirty="0"/>
+          </a:p>
+          <a:p>
+            <a:r>
+              <a:rPr lang="en-US" altLang="zh-CN" dirty="0" err="1" smtClean="0"/>
+              <a:t>limitChild</a:t>
+            </a:r>
+            <a:r>
+              <a:rPr lang="en-US" altLang="zh-CN" dirty="0" smtClean="0"/>
+              <a:t>, visible</a:t>
+            </a:r>
             <a:endParaRPr lang="zh-CN" altLang="en-US" dirty="0"/>
           </a:p>
         </p:txBody>
@@ -5425,8 +8911,68 @@
           <a:lstStyle/>
           <a:p>
             <a:r>
+              <a:rPr lang="zh-CN" altLang="en-US" dirty="0"/>
+              <a:t>父析</a:t>
+            </a:r>
+            <a:r>
+              <a:rPr lang="zh-CN" altLang="en-US" dirty="0" smtClean="0"/>
+              <a:t>构</a:t>
+            </a:r>
+            <a:r>
+              <a:rPr lang="en-US" altLang="zh-CN" dirty="0" smtClean="0"/>
+              <a:t>, </a:t>
+            </a:r>
+            <a:r>
+              <a:rPr lang="zh-CN" altLang="en-US" dirty="0" smtClean="0"/>
+              <a:t>子析构</a:t>
+            </a:r>
+            <a:endParaRPr lang="en-US" altLang="zh-CN" dirty="0" smtClean="0"/>
+          </a:p>
+          <a:p>
+            <a:endParaRPr lang="en-US" altLang="zh-CN" dirty="0"/>
+          </a:p>
+          <a:p>
+            <a:r>
               <a:rPr lang="en-US" altLang="zh-CN" dirty="0" smtClean="0"/>
               <a:t>Layout</a:t>
+            </a:r>
+          </a:p>
+          <a:p>
+            <a:r>
+              <a:rPr lang="en-US" altLang="zh-CN" dirty="0" err="1" smtClean="0"/>
+              <a:t>SetGeometry</a:t>
+            </a:r>
+            <a:endParaRPr lang="en-US" altLang="zh-CN" dirty="0"/>
+          </a:p>
+          <a:p>
+            <a:r>
+              <a:rPr lang="en-US" altLang="zh-CN" dirty="0" smtClean="0"/>
+              <a:t>(</a:t>
+            </a:r>
+            <a:r>
+              <a:rPr lang="en-US" altLang="zh-CN" dirty="0" err="1" smtClean="0"/>
+              <a:t>qml</a:t>
+            </a:r>
+            <a:r>
+              <a:rPr lang="en-US" altLang="zh-CN" dirty="0" smtClean="0"/>
+              <a:t>)anchor</a:t>
+            </a:r>
+          </a:p>
+          <a:p>
+            <a:endParaRPr lang="en-US" altLang="zh-CN" dirty="0" smtClean="0"/>
+          </a:p>
+          <a:p>
+            <a:r>
+              <a:rPr lang="en-US" altLang="zh-CN" dirty="0" err="1" smtClean="0"/>
+              <a:t>limitChild</a:t>
+            </a:r>
+            <a:r>
+              <a:rPr lang="en-US" altLang="zh-CN" dirty="0" smtClean="0"/>
+              <a:t> = true, visible </a:t>
+            </a:r>
+            <a:r>
+              <a:rPr lang="zh-CN" altLang="en-US" dirty="0" smtClean="0"/>
+              <a:t>传递</a:t>
             </a:r>
             <a:endParaRPr lang="zh-CN" altLang="en-US" dirty="0"/>
           </a:p>
@@ -5442,6 +8988,13 @@
   <p:clrMapOvr>
     <a:masterClrMapping/>
   </p:clrMapOvr>
+  <p:timing>
+    <p:tnLst>
+      <p:par>
+        <p:cTn id="1" dur="indefinite" restart="never" nodeType="tmRoot"/>
+      </p:par>
+    </p:tnLst>
+  </p:timing>
 </p:sld>
 </file>
 

--- a/Bolt_Qt.pptx
+++ b/Bolt_Qt.pptx
@@ -3043,20 +3043,18 @@
           <a:lstStyle/>
           <a:p>
             <a:r>
-              <a:rPr lang="en-US" altLang="zh-CN" dirty="0" err="1"/>
-              <a:t>n</a:t>
-            </a:r>
-            <a:r>
-              <a:rPr lang="en-US" altLang="zh-CN" dirty="0" err="1" smtClean="0"/>
-              <a:t>ifei</a:t>
-            </a:r>
-            <a:endParaRPr lang="en-US" altLang="zh-CN" dirty="0" smtClean="0"/>
-          </a:p>
-          <a:p>
-            <a:r>
-              <a:rPr lang="en-US" altLang="zh-CN" dirty="0" smtClean="0"/>
-              <a:t>2013.08.27</a:t>
-            </a:r>
+              <a:rPr lang="en-US" altLang="zh-CN" dirty="0" smtClean="0"/>
+              <a:t>2013.09.10</a:t>
+            </a:r>
+          </a:p>
+          <a:p>
+            <a:r>
+              <a:rPr lang="zh-CN" altLang="en-US" dirty="0" smtClean="0"/>
+              <a:t>倪菲</a:t>
+            </a:r>
+            <a:endParaRPr lang="en-US" altLang="zh-CN" dirty="0"/>
+          </a:p>
+          <a:p>
             <a:endParaRPr lang="zh-CN" altLang="en-US" dirty="0"/>
           </a:p>
         </p:txBody>
@@ -3332,7 +3330,6 @@
               <a:rPr lang="en-US" altLang="zh-CN" dirty="0" smtClean="0"/>
               <a:t>)</a:t>
             </a:r>
-            <a:endParaRPr lang="en-US" altLang="zh-CN" dirty="0" smtClean="0"/>
           </a:p>
           <a:p>
             <a:r>
@@ -3595,11 +3592,7 @@
             </a:r>
             <a:r>
               <a:rPr lang="en-US" altLang="zh-CN" dirty="0" smtClean="0"/>
-              <a:t>: event filter, event</a:t>
-            </a:r>
-            <a:r>
-              <a:rPr lang="en-US" altLang="zh-CN" dirty="0" smtClean="0"/>
-              <a:t>(), signal-slot</a:t>
+              <a:t>: event filter, event(), signal-slot</a:t>
             </a:r>
             <a:endParaRPr lang="zh-CN" altLang="en-US" dirty="0"/>
           </a:p>
@@ -3719,7 +3712,6 @@
               <a:rPr lang="en-US" altLang="zh-CN" dirty="0" smtClean="0"/>
               <a:t>Template/Control</a:t>
             </a:r>
-            <a:endParaRPr lang="en-US" altLang="zh-CN" dirty="0" smtClean="0"/>
           </a:p>
           <a:p>
             <a:endParaRPr lang="en-US" altLang="zh-CN" dirty="0"/>
@@ -3841,11 +3833,7 @@
             </a:r>
             <a:r>
               <a:rPr lang="zh-CN" altLang="en-US" dirty="0" smtClean="0"/>
-              <a:t>类不允许多重</a:t>
-            </a:r>
-            <a:r>
-              <a:rPr lang="zh-CN" altLang="en-US" dirty="0" smtClean="0"/>
-              <a:t>继承</a:t>
+              <a:t>类不允许多重继承</a:t>
             </a:r>
             <a:r>
               <a:rPr lang="en-US" altLang="zh-CN" dirty="0" smtClean="0"/>
@@ -3857,11 +3845,7 @@
             </a:r>
             <a:r>
               <a:rPr lang="zh-CN" altLang="en-US" dirty="0" smtClean="0"/>
-              <a:t>要同时具有</a:t>
-            </a:r>
-            <a:r>
-              <a:rPr lang="zh-CN" altLang="en-US" dirty="0" smtClean="0"/>
-              <a:t>控件</a:t>
+              <a:t>要同时具有控件</a:t>
             </a:r>
             <a:r>
               <a:rPr lang="en-US" altLang="zh-CN" dirty="0" smtClean="0"/>
@@ -3891,7 +3875,6 @@
               <a:rPr lang="en-US" altLang="zh-CN" dirty="0" smtClean="0"/>
               <a:t>)</a:t>
             </a:r>
-            <a:endParaRPr lang="en-US" altLang="zh-CN" dirty="0" smtClean="0"/>
           </a:p>
           <a:p>
             <a:pPr marL="0" indent="0">
@@ -4122,11 +4105,7 @@
           <a:p>
             <a:r>
               <a:rPr lang="zh-CN" altLang="en-US" dirty="0" smtClean="0"/>
-              <a:t>发现只有</a:t>
-            </a:r>
-            <a:r>
-              <a:rPr lang="zh-CN" altLang="en-US" dirty="0" smtClean="0"/>
-              <a:t>月历是可复用的一部分</a:t>
+              <a:t>发现只有月历是可复用的一部分</a:t>
             </a:r>
             <a:r>
               <a:rPr lang="en-US" altLang="zh-CN" dirty="0" smtClean="0"/>
@@ -4138,11 +4117,7 @@
             </a:r>
             <a:r>
               <a:rPr lang="en-US" altLang="zh-CN" dirty="0" smtClean="0"/>
-              <a:t>“</a:t>
-            </a:r>
-            <a:r>
-              <a:rPr lang="en-US" altLang="zh-CN" dirty="0" smtClean="0"/>
-              <a:t>2013</a:t>
+              <a:t>“2013</a:t>
             </a:r>
             <a:r>
               <a:rPr lang="zh-CN" altLang="en-US" dirty="0" smtClean="0"/>
@@ -4162,11 +4137,7 @@
             </a:r>
             <a:r>
               <a:rPr lang="zh-CN" altLang="en-US" dirty="0" smtClean="0"/>
-              <a:t>行为差异</a:t>
-            </a:r>
-            <a:r>
-              <a:rPr lang="zh-CN" altLang="en-US" dirty="0" smtClean="0"/>
-              <a:t>较大</a:t>
+              <a:t>行为差异较大</a:t>
             </a:r>
             <a:endParaRPr lang="en-US" altLang="zh-CN" dirty="0" smtClean="0"/>
           </a:p>
@@ -4195,11 +4166,7 @@
             </a:r>
             <a:r>
               <a:rPr lang="zh-CN" altLang="en-US" dirty="0" smtClean="0"/>
-              <a:t>复用日期</a:t>
-            </a:r>
-            <a:r>
-              <a:rPr lang="zh-CN" altLang="en-US" dirty="0" smtClean="0"/>
-              <a:t>容器类</a:t>
+              <a:t>复用日期容器类</a:t>
             </a:r>
             <a:r>
               <a:rPr lang="en-US" altLang="zh-CN" dirty="0" smtClean="0"/>
@@ -5695,11 +5662,7 @@
             </a:r>
             <a:r>
               <a:rPr lang="en-US" altLang="zh-CN" dirty="0" smtClean="0"/>
-              <a:t>, </a:t>
-            </a:r>
-            <a:r>
-              <a:rPr lang="en-US" altLang="zh-CN" dirty="0" smtClean="0"/>
-              <a:t>OpenGL, </a:t>
+              <a:t>, OpenGL, </a:t>
             </a:r>
             <a:r>
               <a:rPr lang="en-US" altLang="zh-CN" dirty="0" err="1" smtClean="0"/>
@@ -5865,11 +5828,7 @@
             </a:r>
             <a:r>
               <a:rPr lang="zh-CN" altLang="en-US" dirty="0" smtClean="0"/>
-              <a:t>贴图决定控件</a:t>
-            </a:r>
-            <a:r>
-              <a:rPr lang="zh-CN" altLang="en-US" dirty="0" smtClean="0"/>
-              <a:t>外观</a:t>
+              <a:t>贴图决定控件外观</a:t>
             </a:r>
             <a:endParaRPr lang="en-US" altLang="zh-CN" dirty="0" smtClean="0"/>
           </a:p>
@@ -5883,11 +5842,7 @@
           <a:p>
             <a:r>
               <a:rPr lang="zh-CN" altLang="en-US" dirty="0" smtClean="0"/>
-              <a:t>脚本</a:t>
-            </a:r>
-            <a:r>
-              <a:rPr lang="zh-CN" altLang="en-US" dirty="0" smtClean="0"/>
-              <a:t>语言定义行为</a:t>
+              <a:t>脚本语言定义行为</a:t>
             </a:r>
             <a:endParaRPr lang="en-US" altLang="zh-CN" dirty="0" smtClean="0"/>
           </a:p>
@@ -5988,18 +5943,14 @@
             </a:r>
             <a:r>
               <a:rPr lang="zh-CN" altLang="en-US" dirty="0" smtClean="0"/>
-              <a:t>控件</a:t>
-            </a:r>
-            <a:r>
-              <a:rPr lang="zh-CN" altLang="en-US" dirty="0" smtClean="0"/>
-              <a:t>外观</a:t>
+              <a:t>控件外观</a:t>
             </a:r>
             <a:endParaRPr lang="en-US" altLang="zh-CN" dirty="0" smtClean="0"/>
           </a:p>
           <a:p>
             <a:r>
-              <a:rPr lang="zh-CN" altLang="en-US" dirty="0" smtClean="0"/>
-              <a:t>减法 </a:t>
+              <a:rPr lang="zh-CN" altLang="en-US" smtClean="0"/>
+              <a:t>加减法 </a:t>
             </a:r>
             <a:r>
               <a:rPr lang="en-US" altLang="zh-CN" dirty="0" smtClean="0"/>
@@ -6025,7 +5976,6 @@
               <a:rPr lang="en-US" altLang="zh-CN" dirty="0" smtClean="0"/>
               <a:t>)</a:t>
             </a:r>
-            <a:endParaRPr lang="en-US" altLang="zh-CN" dirty="0" smtClean="0"/>
           </a:p>
           <a:p>
             <a:r>
@@ -6034,11 +5984,7 @@
             </a:r>
             <a:r>
               <a:rPr lang="zh-CN" altLang="en-US" dirty="0" smtClean="0"/>
-              <a:t>事件方法决定</a:t>
-            </a:r>
-            <a:r>
-              <a:rPr lang="zh-CN" altLang="en-US" dirty="0" smtClean="0"/>
-              <a:t>控件行为</a:t>
+              <a:t>事件方法决定控件行为</a:t>
             </a:r>
             <a:endParaRPr lang="en-US" altLang="zh-CN" dirty="0" smtClean="0"/>
           </a:p>
@@ -6156,13 +6102,8 @@
             </a:r>
             <a:r>
               <a:rPr lang="en-US" altLang="zh-CN" dirty="0" smtClean="0"/>
-              <a:t>, Button, </a:t>
-            </a:r>
-            <a:r>
-              <a:rPr lang="en-US" altLang="zh-CN" dirty="0" smtClean="0"/>
-              <a:t>List Box</a:t>
-            </a:r>
-            <a:endParaRPr lang="en-US" altLang="zh-CN" dirty="0" smtClean="0"/>
+              <a:t>, Button, List Box</a:t>
+            </a:r>
           </a:p>
           <a:p>
             <a:r>
@@ -6175,11 +6116,7 @@
             </a:r>
             <a:r>
               <a:rPr lang="zh-CN" altLang="en-US" dirty="0" smtClean="0"/>
-              <a:t>动态</a:t>
-            </a:r>
-            <a:r>
-              <a:rPr lang="zh-CN" altLang="en-US" dirty="0" smtClean="0"/>
-              <a:t>实例化</a:t>
+              <a:t>动态实例化</a:t>
             </a:r>
             <a:endParaRPr lang="en-US" altLang="zh-CN" dirty="0" smtClean="0"/>
           </a:p>
@@ -6299,7 +6236,6 @@
               <a:rPr lang="en-US" altLang="zh-CN" dirty="0" smtClean="0"/>
               <a:t>, Calendar</a:t>
             </a:r>
-            <a:endParaRPr lang="en-US" altLang="zh-CN" dirty="0" smtClean="0"/>
           </a:p>
           <a:p>
             <a:r>
@@ -6316,11 +6252,7 @@
             </a:r>
             <a:r>
               <a:rPr lang="zh-CN" altLang="en-US" dirty="0" smtClean="0"/>
-              <a:t>二者是相同</a:t>
-            </a:r>
-            <a:r>
-              <a:rPr lang="zh-CN" altLang="en-US" dirty="0" smtClean="0"/>
-              <a:t>的</a:t>
+              <a:t>二者是相同的</a:t>
             </a:r>
             <a:endParaRPr lang="en-US" altLang="zh-CN" dirty="0" smtClean="0"/>
           </a:p>
@@ -7808,8 +7740,8 @@
         </p:nvSpPr>
         <p:spPr>
           <a:xfrm>
-            <a:off x="839788" y="4644736"/>
-            <a:ext cx="1184564" cy="426027"/>
+            <a:off x="839788" y="4634346"/>
+            <a:ext cx="1184564" cy="436418"/>
           </a:xfrm>
           <a:prstGeom prst="rect">
             <a:avLst/>
@@ -7940,8 +7872,8 @@
         </p:nvSpPr>
         <p:spPr>
           <a:xfrm>
-            <a:off x="5299545" y="4644736"/>
-            <a:ext cx="405246" cy="446808"/>
+            <a:off x="5299545" y="4634344"/>
+            <a:ext cx="405246" cy="457200"/>
           </a:xfrm>
           <a:prstGeom prst="rect">
             <a:avLst/>
@@ -8091,7 +8023,7 @@
         <p:spPr>
           <a:xfrm flipH="1">
             <a:off x="1432070" y="3809567"/>
-            <a:ext cx="2038493" cy="835169"/>
+            <a:ext cx="2038494" cy="824779"/>
           </a:xfrm>
           <a:prstGeom prst="line">
             <a:avLst/>
@@ -8155,7 +8087,7 @@
         <p:spPr>
           <a:xfrm>
             <a:off x="3470563" y="3821113"/>
-            <a:ext cx="2031605" cy="823623"/>
+            <a:ext cx="2031605" cy="813231"/>
           </a:xfrm>
           <a:prstGeom prst="line">
             <a:avLst/>
@@ -8484,8 +8416,8 @@
         </p:nvSpPr>
         <p:spPr>
           <a:xfrm>
-            <a:off x="10457332" y="4603173"/>
-            <a:ext cx="696371" cy="467590"/>
+            <a:off x="10457332" y="4623953"/>
+            <a:ext cx="696371" cy="446809"/>
           </a:xfrm>
           <a:prstGeom prst="rect">
             <a:avLst/>
@@ -8704,7 +8636,7 @@
         <p:spPr>
           <a:xfrm>
             <a:off x="9013012" y="4222533"/>
-            <a:ext cx="1792506" cy="380640"/>
+            <a:ext cx="1792506" cy="401420"/>
           </a:xfrm>
           <a:prstGeom prst="line">
             <a:avLst/>
@@ -8849,11 +8781,7 @@
           <a:p>
             <a:r>
               <a:rPr lang="en-US" altLang="zh-CN" dirty="0" smtClean="0"/>
-              <a:t>&lt;left&gt;0&lt;/left&gt; &lt;width&gt;100&lt;/width</a:t>
-            </a:r>
-            <a:r>
-              <a:rPr lang="en-US" altLang="zh-CN" dirty="0" smtClean="0"/>
-              <a:t>&gt;</a:t>
+              <a:t>&lt;left&gt;0&lt;/left&gt; &lt;width&gt;100&lt;/width&gt;</a:t>
             </a:r>
           </a:p>
           <a:p>

--- a/Bolt_Qt.pptx
+++ b/Bolt_Qt.pptx
@@ -24,6 +24,7 @@
     <p:sldId id="276" r:id="rId18"/>
     <p:sldId id="275" r:id="rId19"/>
     <p:sldId id="268" r:id="rId20"/>
+    <p:sldId id="278" r:id="rId21"/>
   </p:sldIdLst>
   <p:sldSz cx="12192000" cy="6858000"/>
   <p:notesSz cx="6858000" cy="9144000"/>
@@ -5949,7 +5950,7 @@
           </a:p>
           <a:p>
             <a:r>
-              <a:rPr lang="zh-CN" altLang="en-US" smtClean="0"/>
+              <a:rPr lang="zh-CN" altLang="en-US" dirty="0" smtClean="0"/>
               <a:t>加减法 </a:t>
             </a:r>
             <a:r>
@@ -5973,9 +5974,10 @@
               <a:t>后面举个栗子</a:t>
             </a:r>
             <a:r>
-              <a:rPr lang="en-US" altLang="zh-CN" dirty="0" smtClean="0"/>
-              <a:t>)</a:t>
-            </a:r>
+              <a:rPr lang="en-US" altLang="zh-CN" smtClean="0"/>
+              <a:t>, focus)</a:t>
+            </a:r>
+            <a:endParaRPr lang="en-US" altLang="zh-CN" dirty="0" smtClean="0"/>
           </a:p>
           <a:p>
             <a:r>
@@ -6013,6 +6015,196 @@
       </p:par>
     </p:tnLst>
   </p:timing>
+</p:sld>
+</file>
+
+<file path=ppt/slides/slide20.xml><?xml version="1.0" encoding="utf-8"?>
+<p:sld xmlns:a="http://schemas.openxmlformats.org/drawingml/2006/main" xmlns:r="http://schemas.openxmlformats.org/officeDocument/2006/relationships" xmlns:p="http://schemas.openxmlformats.org/presentationml/2006/main">
+  <p:cSld>
+    <p:spTree>
+      <p:nvGrpSpPr>
+        <p:cNvPr id="1" name=""/>
+        <p:cNvGrpSpPr/>
+        <p:nvPr/>
+      </p:nvGrpSpPr>
+      <p:grpSpPr>
+        <a:xfrm>
+          <a:off x="0" y="0"/>
+          <a:ext cx="0" cy="0"/>
+          <a:chOff x="0" y="0"/>
+          <a:chExt cx="0" cy="0"/>
+        </a:xfrm>
+      </p:grpSpPr>
+      <p:sp>
+        <p:nvSpPr>
+          <p:cNvPr id="2" name="标题 1"/>
+          <p:cNvSpPr>
+            <a:spLocks noGrp="1"/>
+          </p:cNvSpPr>
+          <p:nvPr>
+            <p:ph type="title"/>
+          </p:nvPr>
+        </p:nvSpPr>
+        <p:spPr/>
+        <p:txBody>
+          <a:bodyPr/>
+          <a:lstStyle/>
+          <a:p>
+            <a:r>
+              <a:rPr lang="zh-CN" altLang="en-US" dirty="0" smtClean="0"/>
+              <a:t>选择</a:t>
+            </a:r>
+            <a:endParaRPr lang="zh-CN" altLang="en-US" dirty="0"/>
+          </a:p>
+        </p:txBody>
+      </p:sp>
+      <p:sp>
+        <p:nvSpPr>
+          <p:cNvPr id="3" name="文本占位符 2"/>
+          <p:cNvSpPr>
+            <a:spLocks noGrp="1"/>
+          </p:cNvSpPr>
+          <p:nvPr>
+            <p:ph type="body" idx="1"/>
+          </p:nvPr>
+        </p:nvSpPr>
+        <p:spPr/>
+        <p:txBody>
+          <a:bodyPr/>
+          <a:lstStyle/>
+          <a:p>
+            <a:r>
+              <a:rPr lang="en-US" altLang="zh-CN" dirty="0" smtClean="0"/>
+              <a:t>Bolt</a:t>
+            </a:r>
+            <a:endParaRPr lang="zh-CN" altLang="en-US" dirty="0"/>
+          </a:p>
+        </p:txBody>
+      </p:sp>
+      <p:sp>
+        <p:nvSpPr>
+          <p:cNvPr id="4" name="内容占位符 3"/>
+          <p:cNvSpPr>
+            <a:spLocks noGrp="1"/>
+          </p:cNvSpPr>
+          <p:nvPr>
+            <p:ph sz="half" idx="2"/>
+          </p:nvPr>
+        </p:nvSpPr>
+        <p:spPr/>
+        <p:txBody>
+          <a:bodyPr/>
+          <a:lstStyle/>
+          <a:p>
+            <a:r>
+              <a:rPr lang="zh-CN" altLang="en-US" dirty="0" smtClean="0"/>
+              <a:t>需要定制有明显设计风格的外观</a:t>
+            </a:r>
+            <a:r>
+              <a:rPr lang="en-US" altLang="zh-CN" dirty="0" smtClean="0"/>
+              <a:t>, </a:t>
+            </a:r>
+            <a:r>
+              <a:rPr lang="zh-CN" altLang="en-US" dirty="0" smtClean="0"/>
+              <a:t>追求高</a:t>
+            </a:r>
+            <a:endParaRPr lang="en-US" altLang="zh-CN" dirty="0" smtClean="0"/>
+          </a:p>
+          <a:p>
+            <a:r>
+              <a:rPr lang="zh-CN" altLang="en-US" dirty="0" smtClean="0"/>
+              <a:t>界面开发资源充足</a:t>
+            </a:r>
+            <a:endParaRPr lang="en-US" altLang="zh-CN" dirty="0" smtClean="0"/>
+          </a:p>
+          <a:p>
+            <a:endParaRPr lang="en-US" altLang="zh-CN" dirty="0"/>
+          </a:p>
+        </p:txBody>
+      </p:sp>
+      <p:sp>
+        <p:nvSpPr>
+          <p:cNvPr id="5" name="文本占位符 4"/>
+          <p:cNvSpPr>
+            <a:spLocks noGrp="1"/>
+          </p:cNvSpPr>
+          <p:nvPr>
+            <p:ph type="body" sz="quarter" idx="3"/>
+          </p:nvPr>
+        </p:nvSpPr>
+        <p:spPr/>
+        <p:txBody>
+          <a:bodyPr/>
+          <a:lstStyle/>
+          <a:p>
+            <a:r>
+              <a:rPr lang="en-US" altLang="zh-CN" dirty="0" err="1" smtClean="0"/>
+              <a:t>Qt</a:t>
+            </a:r>
+            <a:endParaRPr lang="zh-CN" altLang="en-US" dirty="0"/>
+          </a:p>
+        </p:txBody>
+      </p:sp>
+      <p:sp>
+        <p:nvSpPr>
+          <p:cNvPr id="6" name="内容占位符 5"/>
+          <p:cNvSpPr>
+            <a:spLocks noGrp="1"/>
+          </p:cNvSpPr>
+          <p:nvPr>
+            <p:ph sz="quarter" idx="4"/>
+          </p:nvPr>
+        </p:nvSpPr>
+        <p:spPr/>
+        <p:txBody>
+          <a:bodyPr/>
+          <a:lstStyle/>
+          <a:p>
+            <a:r>
+              <a:rPr lang="zh-CN" altLang="en-US" dirty="0" smtClean="0"/>
+              <a:t>传统</a:t>
+            </a:r>
+            <a:r>
+              <a:rPr lang="en-US" altLang="zh-CN" dirty="0" smtClean="0"/>
+              <a:t>Windows</a:t>
+            </a:r>
+            <a:r>
+              <a:rPr lang="zh-CN" altLang="en-US" dirty="0" smtClean="0"/>
+              <a:t>风格界面</a:t>
+            </a:r>
+            <a:r>
+              <a:rPr lang="en-US" altLang="zh-CN" dirty="0" smtClean="0"/>
+              <a:t>, </a:t>
+            </a:r>
+            <a:r>
+              <a:rPr lang="zh-CN" altLang="en-US" dirty="0" smtClean="0"/>
+              <a:t>定制性不强的</a:t>
+            </a:r>
+            <a:endParaRPr lang="en-US" altLang="zh-CN" dirty="0" smtClean="0"/>
+          </a:p>
+          <a:p>
+            <a:r>
+              <a:rPr lang="zh-CN" altLang="en-US" dirty="0" smtClean="0"/>
+              <a:t>界面开发资源</a:t>
+            </a:r>
+            <a:r>
+              <a:rPr lang="zh-CN" altLang="en-US" smtClean="0"/>
+              <a:t>不充足</a:t>
+            </a:r>
+            <a:endParaRPr lang="en-US" altLang="zh-CN" dirty="0" smtClean="0"/>
+          </a:p>
+        </p:txBody>
+      </p:sp>
+    </p:spTree>
+    <p:extLst>
+      <p:ext uri="{BB962C8B-B14F-4D97-AF65-F5344CB8AC3E}">
+        <p14:creationId xmlns:p14="http://schemas.microsoft.com/office/powerpoint/2010/main" val="1861297589"/>
+      </p:ext>
+    </p:extLst>
+  </p:cSld>
+  <p:clrMapOvr>
+    <a:masterClrMapping/>
+  </p:clrMapOvr>
 </p:sld>
 </file>
 
